--- a/RFID.pptx
+++ b/RFID.pptx
@@ -7,8 +7,16 @@
   <p:sldIdLst>
     <p:sldId id="256" r:id="rId2"/>
     <p:sldId id="257" r:id="rId3"/>
-    <p:sldId id="258" r:id="rId4"/>
-    <p:sldId id="259" r:id="rId5"/>
+    <p:sldId id="260" r:id="rId4"/>
+    <p:sldId id="261" r:id="rId5"/>
+    <p:sldId id="258" r:id="rId6"/>
+    <p:sldId id="259" r:id="rId7"/>
+    <p:sldId id="262" r:id="rId8"/>
+    <p:sldId id="263" r:id="rId9"/>
+    <p:sldId id="264" r:id="rId10"/>
+    <p:sldId id="266" r:id="rId11"/>
+    <p:sldId id="267" r:id="rId12"/>
+    <p:sldId id="268" r:id="rId13"/>
   </p:sldIdLst>
   <p:sldSz cx="9144000" cy="6858000" type="screen4x3"/>
   <p:notesSz cx="6858000" cy="9144000"/>
@@ -3189,6 +3197,698 @@
 </p:sld>
 </file>
 
+<file path=ppt/slides/slide10.xml><?xml version="1.0" encoding="utf-8"?>
+<p:sld xmlns:a="http://schemas.openxmlformats.org/drawingml/2006/main" xmlns:r="http://schemas.openxmlformats.org/officeDocument/2006/relationships" xmlns:p="http://schemas.openxmlformats.org/presentationml/2006/main">
+  <p:cSld>
+    <p:spTree>
+      <p:nvGrpSpPr>
+        <p:cNvPr id="1" name=""/>
+        <p:cNvGrpSpPr/>
+        <p:nvPr/>
+      </p:nvGrpSpPr>
+      <p:grpSpPr>
+        <a:xfrm>
+          <a:off x="0" y="0"/>
+          <a:ext cx="0" cy="0"/>
+          <a:chOff x="0" y="0"/>
+          <a:chExt cx="0" cy="0"/>
+        </a:xfrm>
+      </p:grpSpPr>
+      <p:sp>
+        <p:nvSpPr>
+          <p:cNvPr id="2" name="TextBox 1"/>
+          <p:cNvSpPr txBox="1"/>
+          <p:nvPr/>
+        </p:nvSpPr>
+        <p:spPr>
+          <a:xfrm>
+            <a:off x="762000" y="381000"/>
+            <a:ext cx="5325112" cy="646331"/>
+          </a:xfrm>
+          <a:prstGeom prst="rect">
+            <a:avLst/>
+          </a:prstGeom>
+          <a:noFill/>
+        </p:spPr>
+        <p:txBody>
+          <a:bodyPr wrap="none" rtlCol="0">
+            <a:spAutoFit/>
+          </a:bodyPr>
+          <a:lstStyle/>
+          <a:p>
+            <a:r>
+              <a:rPr lang="fr-FR" sz="3600" b="1" dirty="0" smtClean="0"/>
+              <a:t>1-  L’étiquette électronique</a:t>
+            </a:r>
+            <a:endParaRPr lang="fr-FR" sz="3600" b="1" dirty="0"/>
+          </a:p>
+        </p:txBody>
+      </p:sp>
+      <p:pic>
+        <p:nvPicPr>
+          <p:cNvPr id="2050" name="Picture 2"/>
+          <p:cNvPicPr>
+            <a:picLocks noChangeAspect="1" noChangeArrowheads="1"/>
+          </p:cNvPicPr>
+          <p:nvPr/>
+        </p:nvPicPr>
+        <p:blipFill>
+          <a:blip r:embed="rId2"/>
+          <a:srcRect/>
+          <a:stretch>
+            <a:fillRect/>
+          </a:stretch>
+        </p:blipFill>
+        <p:spPr bwMode="auto">
+          <a:xfrm>
+            <a:off x="2895600" y="2362200"/>
+            <a:ext cx="3352800" cy="1811594"/>
+          </a:xfrm>
+          <a:prstGeom prst="rect">
+            <a:avLst/>
+          </a:prstGeom>
+          <a:noFill/>
+          <a:ln w="9525">
+            <a:noFill/>
+            <a:miter lim="800000"/>
+            <a:headEnd/>
+            <a:tailEnd/>
+          </a:ln>
+          <a:effectLst/>
+        </p:spPr>
+      </p:pic>
+      <p:sp>
+        <p:nvSpPr>
+          <p:cNvPr id="4" name="TextBox 3"/>
+          <p:cNvSpPr txBox="1"/>
+          <p:nvPr/>
+        </p:nvSpPr>
+        <p:spPr>
+          <a:xfrm>
+            <a:off x="914400" y="1219200"/>
+            <a:ext cx="4264437" cy="369332"/>
+          </a:xfrm>
+          <a:prstGeom prst="rect">
+            <a:avLst/>
+          </a:prstGeom>
+          <a:noFill/>
+        </p:spPr>
+        <p:txBody>
+          <a:bodyPr wrap="none" rtlCol="0">
+            <a:spAutoFit/>
+          </a:bodyPr>
+          <a:lstStyle/>
+          <a:p>
+            <a:r>
+              <a:rPr lang="fr-FR" dirty="0" smtClean="0"/>
+              <a:t>Composée d’une puce reliée à une antenne</a:t>
+            </a:r>
+            <a:endParaRPr lang="fr-FR" dirty="0"/>
+          </a:p>
+        </p:txBody>
+      </p:sp>
+      <p:sp>
+        <p:nvSpPr>
+          <p:cNvPr id="5" name="TextBox 4"/>
+          <p:cNvSpPr txBox="1"/>
+          <p:nvPr/>
+        </p:nvSpPr>
+        <p:spPr>
+          <a:xfrm>
+            <a:off x="914400" y="1600200"/>
+            <a:ext cx="6019800" cy="369332"/>
+          </a:xfrm>
+          <a:prstGeom prst="rect">
+            <a:avLst/>
+          </a:prstGeom>
+          <a:noFill/>
+        </p:spPr>
+        <p:txBody>
+          <a:bodyPr wrap="square" rtlCol="0">
+            <a:spAutoFit/>
+          </a:bodyPr>
+          <a:lstStyle/>
+          <a:p>
+            <a:r>
+              <a:rPr lang="fr-FR" dirty="0" smtClean="0"/>
+              <a:t>Elle est lue par un lecteur qui capte et transmet l’information.</a:t>
+            </a:r>
+            <a:endParaRPr lang="fr-FR" dirty="0"/>
+          </a:p>
+        </p:txBody>
+      </p:sp>
+      <p:sp>
+        <p:nvSpPr>
+          <p:cNvPr id="6" name="TextBox 5"/>
+          <p:cNvSpPr txBox="1"/>
+          <p:nvPr/>
+        </p:nvSpPr>
+        <p:spPr>
+          <a:xfrm>
+            <a:off x="990600" y="4648200"/>
+            <a:ext cx="4184159" cy="369332"/>
+          </a:xfrm>
+          <a:prstGeom prst="rect">
+            <a:avLst/>
+          </a:prstGeom>
+          <a:noFill/>
+        </p:spPr>
+        <p:txBody>
+          <a:bodyPr wrap="none" rtlCol="0">
+            <a:spAutoFit/>
+          </a:bodyPr>
+          <a:lstStyle/>
+          <a:p>
+            <a:r>
+              <a:rPr lang="fr-FR" dirty="0" smtClean="0"/>
+              <a:t>On distingue 3 catégories d’étiquette RFID:</a:t>
+            </a:r>
+            <a:endParaRPr lang="fr-FR" dirty="0"/>
+          </a:p>
+        </p:txBody>
+      </p:sp>
+      <p:sp>
+        <p:nvSpPr>
+          <p:cNvPr id="7" name="TextBox 6"/>
+          <p:cNvSpPr txBox="1"/>
+          <p:nvPr/>
+        </p:nvSpPr>
+        <p:spPr>
+          <a:xfrm>
+            <a:off x="1066800" y="5105400"/>
+            <a:ext cx="4849404" cy="369332"/>
+          </a:xfrm>
+          <a:prstGeom prst="rect">
+            <a:avLst/>
+          </a:prstGeom>
+          <a:noFill/>
+        </p:spPr>
+        <p:txBody>
+          <a:bodyPr wrap="none" rtlCol="0">
+            <a:spAutoFit/>
+          </a:bodyPr>
+          <a:lstStyle/>
+          <a:p>
+            <a:r>
+              <a:rPr lang="fr-FR" dirty="0" smtClean="0"/>
+              <a:t>- Les étiquettes en lecture seule, non modifiables.</a:t>
+            </a:r>
+            <a:endParaRPr lang="fr-FR" dirty="0"/>
+          </a:p>
+        </p:txBody>
+      </p:sp>
+      <p:sp>
+        <p:nvSpPr>
+          <p:cNvPr id="8" name="TextBox 7"/>
+          <p:cNvSpPr txBox="1"/>
+          <p:nvPr/>
+        </p:nvSpPr>
+        <p:spPr>
+          <a:xfrm>
+            <a:off x="1066800" y="5486400"/>
+            <a:ext cx="4804649" cy="369332"/>
+          </a:xfrm>
+          <a:prstGeom prst="rect">
+            <a:avLst/>
+          </a:prstGeom>
+          <a:noFill/>
+        </p:spPr>
+        <p:txBody>
+          <a:bodyPr wrap="none" rtlCol="0">
+            <a:spAutoFit/>
+          </a:bodyPr>
+          <a:lstStyle/>
+          <a:p>
+            <a:r>
+              <a:rPr lang="fr-FR" dirty="0" smtClean="0"/>
+              <a:t>- Les étiquettes écriture une fois lecture multiple.</a:t>
+            </a:r>
+            <a:endParaRPr lang="fr-FR" dirty="0"/>
+          </a:p>
+        </p:txBody>
+      </p:sp>
+      <p:sp>
+        <p:nvSpPr>
+          <p:cNvPr id="9" name="TextBox 8"/>
+          <p:cNvSpPr txBox="1"/>
+          <p:nvPr/>
+        </p:nvSpPr>
+        <p:spPr>
+          <a:xfrm>
+            <a:off x="1066800" y="5867400"/>
+            <a:ext cx="3713261" cy="369332"/>
+          </a:xfrm>
+          <a:prstGeom prst="rect">
+            <a:avLst/>
+          </a:prstGeom>
+          <a:noFill/>
+        </p:spPr>
+        <p:txBody>
+          <a:bodyPr wrap="none" rtlCol="0">
+            <a:spAutoFit/>
+          </a:bodyPr>
+          <a:lstStyle/>
+          <a:p>
+            <a:r>
+              <a:rPr lang="fr-FR" dirty="0" smtClean="0"/>
+              <a:t>- Les étiquettes en lecture réécriture.</a:t>
+            </a:r>
+            <a:endParaRPr lang="fr-FR" dirty="0"/>
+          </a:p>
+        </p:txBody>
+      </p:sp>
+    </p:spTree>
+  </p:cSld>
+  <p:clrMapOvr>
+    <a:masterClrMapping/>
+  </p:clrMapOvr>
+</p:sld>
+</file>
+
+<file path=ppt/slides/slide11.xml><?xml version="1.0" encoding="utf-8"?>
+<p:sld xmlns:a="http://schemas.openxmlformats.org/drawingml/2006/main" xmlns:r="http://schemas.openxmlformats.org/officeDocument/2006/relationships" xmlns:p="http://schemas.openxmlformats.org/presentationml/2006/main">
+  <p:cSld>
+    <p:spTree>
+      <p:nvGrpSpPr>
+        <p:cNvPr id="1" name=""/>
+        <p:cNvGrpSpPr/>
+        <p:nvPr/>
+      </p:nvGrpSpPr>
+      <p:grpSpPr>
+        <a:xfrm>
+          <a:off x="0" y="0"/>
+          <a:ext cx="0" cy="0"/>
+          <a:chOff x="0" y="0"/>
+          <a:chExt cx="0" cy="0"/>
+        </a:xfrm>
+      </p:grpSpPr>
+      <p:sp>
+        <p:nvSpPr>
+          <p:cNvPr id="2" name="TextBox 1"/>
+          <p:cNvSpPr txBox="1"/>
+          <p:nvPr/>
+        </p:nvSpPr>
+        <p:spPr>
+          <a:xfrm>
+            <a:off x="609600" y="990600"/>
+            <a:ext cx="4473982" cy="369332"/>
+          </a:xfrm>
+          <a:prstGeom prst="rect">
+            <a:avLst/>
+          </a:prstGeom>
+          <a:noFill/>
+        </p:spPr>
+        <p:txBody>
+          <a:bodyPr wrap="none" rtlCol="0">
+            <a:spAutoFit/>
+          </a:bodyPr>
+          <a:lstStyle/>
+          <a:p>
+            <a:r>
+              <a:rPr lang="fr-FR" dirty="0" smtClean="0"/>
+              <a:t>Par ailleurs, il existe 3 types d’étiquettes RFID:</a:t>
+            </a:r>
+            <a:endParaRPr lang="fr-FR" dirty="0"/>
+          </a:p>
+        </p:txBody>
+      </p:sp>
+      <p:sp>
+        <p:nvSpPr>
+          <p:cNvPr id="3" name="TextBox 2"/>
+          <p:cNvSpPr txBox="1"/>
+          <p:nvPr/>
+        </p:nvSpPr>
+        <p:spPr>
+          <a:xfrm>
+            <a:off x="685800" y="1600200"/>
+            <a:ext cx="2466124" cy="369332"/>
+          </a:xfrm>
+          <a:prstGeom prst="rect">
+            <a:avLst/>
+          </a:prstGeom>
+          <a:noFill/>
+        </p:spPr>
+        <p:txBody>
+          <a:bodyPr wrap="none" rtlCol="0">
+            <a:spAutoFit/>
+          </a:bodyPr>
+          <a:lstStyle/>
+          <a:p>
+            <a:r>
+              <a:rPr lang="fr-FR" dirty="0" smtClean="0"/>
+              <a:t>- </a:t>
+            </a:r>
+            <a:r>
+              <a:rPr lang="fr-FR" b="1" dirty="0" smtClean="0"/>
+              <a:t>Les étiquettes actives</a:t>
+            </a:r>
+            <a:r>
+              <a:rPr lang="fr-FR" dirty="0" smtClean="0"/>
+              <a:t>: </a:t>
+            </a:r>
+            <a:endParaRPr lang="fr-FR" dirty="0"/>
+          </a:p>
+        </p:txBody>
+      </p:sp>
+      <p:sp>
+        <p:nvSpPr>
+          <p:cNvPr id="4" name="TextBox 3"/>
+          <p:cNvSpPr txBox="1"/>
+          <p:nvPr/>
+        </p:nvSpPr>
+        <p:spPr>
+          <a:xfrm>
+            <a:off x="609600" y="2057400"/>
+            <a:ext cx="8001000" cy="646331"/>
+          </a:xfrm>
+          <a:prstGeom prst="rect">
+            <a:avLst/>
+          </a:prstGeom>
+          <a:noFill/>
+        </p:spPr>
+        <p:txBody>
+          <a:bodyPr wrap="square" rtlCol="0">
+            <a:spAutoFit/>
+          </a:bodyPr>
+          <a:lstStyle/>
+          <a:p>
+            <a:r>
+              <a:rPr lang="fr-FR" dirty="0" smtClean="0"/>
+              <a:t>Alimentées par leur propre batterie. Elles créent leur propre signal et envoient régulièrement des informations.</a:t>
+            </a:r>
+            <a:endParaRPr lang="fr-FR" dirty="0"/>
+          </a:p>
+        </p:txBody>
+      </p:sp>
+      <p:sp>
+        <p:nvSpPr>
+          <p:cNvPr id="5" name="TextBox 4"/>
+          <p:cNvSpPr txBox="1"/>
+          <p:nvPr/>
+        </p:nvSpPr>
+        <p:spPr>
+          <a:xfrm>
+            <a:off x="685800" y="3048000"/>
+            <a:ext cx="2595967" cy="369332"/>
+          </a:xfrm>
+          <a:prstGeom prst="rect">
+            <a:avLst/>
+          </a:prstGeom>
+          <a:noFill/>
+        </p:spPr>
+        <p:txBody>
+          <a:bodyPr wrap="none" rtlCol="0">
+            <a:spAutoFit/>
+          </a:bodyPr>
+          <a:lstStyle/>
+          <a:p>
+            <a:r>
+              <a:rPr lang="fr-FR" dirty="0" smtClean="0"/>
+              <a:t>- </a:t>
+            </a:r>
+            <a:r>
+              <a:rPr lang="fr-FR" b="1" dirty="0" smtClean="0"/>
+              <a:t>Les étiquettes passives</a:t>
+            </a:r>
+            <a:r>
+              <a:rPr lang="fr-FR" dirty="0" smtClean="0"/>
+              <a:t>: </a:t>
+            </a:r>
+            <a:endParaRPr lang="fr-FR" dirty="0"/>
+          </a:p>
+        </p:txBody>
+      </p:sp>
+      <p:sp>
+        <p:nvSpPr>
+          <p:cNvPr id="6" name="TextBox 5"/>
+          <p:cNvSpPr txBox="1"/>
+          <p:nvPr/>
+        </p:nvSpPr>
+        <p:spPr>
+          <a:xfrm>
+            <a:off x="609600" y="3581400"/>
+            <a:ext cx="8001000" cy="646331"/>
+          </a:xfrm>
+          <a:prstGeom prst="rect">
+            <a:avLst/>
+          </a:prstGeom>
+          <a:noFill/>
+        </p:spPr>
+        <p:txBody>
+          <a:bodyPr wrap="square" rtlCol="0">
+            <a:spAutoFit/>
+          </a:bodyPr>
+          <a:lstStyle/>
+          <a:p>
+            <a:r>
+              <a:rPr lang="fr-FR" dirty="0" smtClean="0"/>
+              <a:t>Alimentées par le champs électromagnétique du lecteur. Elles ne font que répondre à des interrogations et à des requêtes d’un lecteur.</a:t>
+            </a:r>
+            <a:endParaRPr lang="fr-FR" dirty="0"/>
+          </a:p>
+        </p:txBody>
+      </p:sp>
+      <p:sp>
+        <p:nvSpPr>
+          <p:cNvPr id="7" name="TextBox 6"/>
+          <p:cNvSpPr txBox="1"/>
+          <p:nvPr/>
+        </p:nvSpPr>
+        <p:spPr>
+          <a:xfrm>
+            <a:off x="685800" y="4495800"/>
+            <a:ext cx="3116944" cy="369332"/>
+          </a:xfrm>
+          <a:prstGeom prst="rect">
+            <a:avLst/>
+          </a:prstGeom>
+          <a:noFill/>
+        </p:spPr>
+        <p:txBody>
+          <a:bodyPr wrap="none" rtlCol="0">
+            <a:spAutoFit/>
+          </a:bodyPr>
+          <a:lstStyle/>
+          <a:p>
+            <a:r>
+              <a:rPr lang="fr-FR" dirty="0" smtClean="0"/>
+              <a:t>- </a:t>
+            </a:r>
+            <a:r>
+              <a:rPr lang="fr-FR" b="1" dirty="0" smtClean="0"/>
+              <a:t>Les étiquettes semi-passives</a:t>
+            </a:r>
+            <a:r>
+              <a:rPr lang="fr-FR" dirty="0" smtClean="0"/>
+              <a:t>: </a:t>
+            </a:r>
+            <a:endParaRPr lang="fr-FR" dirty="0"/>
+          </a:p>
+        </p:txBody>
+      </p:sp>
+      <p:sp>
+        <p:nvSpPr>
+          <p:cNvPr id="8" name="TextBox 7"/>
+          <p:cNvSpPr txBox="1"/>
+          <p:nvPr/>
+        </p:nvSpPr>
+        <p:spPr>
+          <a:xfrm>
+            <a:off x="609600" y="4953000"/>
+            <a:ext cx="8001000" cy="646331"/>
+          </a:xfrm>
+          <a:prstGeom prst="rect">
+            <a:avLst/>
+          </a:prstGeom>
+          <a:noFill/>
+        </p:spPr>
+        <p:txBody>
+          <a:bodyPr wrap="square" rtlCol="0">
+            <a:spAutoFit/>
+          </a:bodyPr>
+          <a:lstStyle/>
+          <a:p>
+            <a:r>
+              <a:rPr lang="fr-FR" dirty="0" smtClean="0"/>
+              <a:t>Utilisent leur propre batterie pour le calcul interne, et l’énergie émise par le lecteur pour la communication.</a:t>
+            </a:r>
+            <a:endParaRPr lang="fr-FR" dirty="0"/>
+          </a:p>
+        </p:txBody>
+      </p:sp>
+    </p:spTree>
+  </p:cSld>
+  <p:clrMapOvr>
+    <a:masterClrMapping/>
+  </p:clrMapOvr>
+</p:sld>
+</file>
+
+<file path=ppt/slides/slide12.xml><?xml version="1.0" encoding="utf-8"?>
+<p:sld xmlns:a="http://schemas.openxmlformats.org/drawingml/2006/main" xmlns:r="http://schemas.openxmlformats.org/officeDocument/2006/relationships" xmlns:p="http://schemas.openxmlformats.org/presentationml/2006/main">
+  <p:cSld>
+    <p:spTree>
+      <p:nvGrpSpPr>
+        <p:cNvPr id="1" name=""/>
+        <p:cNvGrpSpPr/>
+        <p:nvPr/>
+      </p:nvGrpSpPr>
+      <p:grpSpPr>
+        <a:xfrm>
+          <a:off x="0" y="0"/>
+          <a:ext cx="0" cy="0"/>
+          <a:chOff x="0" y="0"/>
+          <a:chExt cx="0" cy="0"/>
+        </a:xfrm>
+      </p:grpSpPr>
+      <p:sp>
+        <p:nvSpPr>
+          <p:cNvPr id="2" name="TextBox 1"/>
+          <p:cNvSpPr txBox="1"/>
+          <p:nvPr/>
+        </p:nvSpPr>
+        <p:spPr>
+          <a:xfrm>
+            <a:off x="762000" y="838200"/>
+            <a:ext cx="2721386" cy="646331"/>
+          </a:xfrm>
+          <a:prstGeom prst="rect">
+            <a:avLst/>
+          </a:prstGeom>
+          <a:noFill/>
+        </p:spPr>
+        <p:txBody>
+          <a:bodyPr wrap="none" rtlCol="0">
+            <a:spAutoFit/>
+          </a:bodyPr>
+          <a:lstStyle/>
+          <a:p>
+            <a:r>
+              <a:rPr lang="fr-FR" sz="3600" b="1" dirty="0" smtClean="0"/>
+              <a:t>2</a:t>
+            </a:r>
+            <a:r>
+              <a:rPr lang="fr-FR" sz="3600" b="1" dirty="0" smtClean="0"/>
+              <a:t>-  Le Lecteur</a:t>
+            </a:r>
+            <a:endParaRPr lang="fr-FR" sz="3600" b="1" dirty="0"/>
+          </a:p>
+        </p:txBody>
+      </p:sp>
+      <p:sp>
+        <p:nvSpPr>
+          <p:cNvPr id="3" name="TextBox 2"/>
+          <p:cNvSpPr txBox="1"/>
+          <p:nvPr/>
+        </p:nvSpPr>
+        <p:spPr>
+          <a:xfrm>
+            <a:off x="762000" y="1676400"/>
+            <a:ext cx="7772400" cy="923330"/>
+          </a:xfrm>
+          <a:prstGeom prst="rect">
+            <a:avLst/>
+          </a:prstGeom>
+          <a:noFill/>
+        </p:spPr>
+        <p:txBody>
+          <a:bodyPr wrap="square" rtlCol="0">
+            <a:spAutoFit/>
+          </a:bodyPr>
+          <a:lstStyle/>
+          <a:p>
+            <a:r>
+              <a:rPr lang="fr-FR" dirty="0" smtClean="0"/>
+              <a:t>Envoi des ondes radios pour communiquer avec les étiquettes RFID. Il joue le rôle d’un émetteur / récepteur. Il convers les ondes radio en données pourront être lue par un logiciel.</a:t>
+            </a:r>
+            <a:endParaRPr lang="fr-FR" dirty="0"/>
+          </a:p>
+        </p:txBody>
+      </p:sp>
+      <p:sp>
+        <p:nvSpPr>
+          <p:cNvPr id="4" name="TextBox 3"/>
+          <p:cNvSpPr txBox="1"/>
+          <p:nvPr/>
+        </p:nvSpPr>
+        <p:spPr>
+          <a:xfrm>
+            <a:off x="762000" y="3810000"/>
+            <a:ext cx="3055773" cy="646331"/>
+          </a:xfrm>
+          <a:prstGeom prst="rect">
+            <a:avLst/>
+          </a:prstGeom>
+          <a:noFill/>
+        </p:spPr>
+        <p:txBody>
+          <a:bodyPr wrap="none" rtlCol="0">
+            <a:spAutoFit/>
+          </a:bodyPr>
+          <a:lstStyle/>
+          <a:p>
+            <a:r>
+              <a:rPr lang="fr-FR" sz="3600" b="1" dirty="0" smtClean="0"/>
+              <a:t>3-  L’ordinateur</a:t>
+            </a:r>
+            <a:endParaRPr lang="fr-FR" sz="3600" b="1" dirty="0"/>
+          </a:p>
+        </p:txBody>
+      </p:sp>
+      <p:sp>
+        <p:nvSpPr>
+          <p:cNvPr id="5" name="TextBox 4"/>
+          <p:cNvSpPr txBox="1"/>
+          <p:nvPr/>
+        </p:nvSpPr>
+        <p:spPr>
+          <a:xfrm>
+            <a:off x="762000" y="4572000"/>
+            <a:ext cx="7772400" cy="923330"/>
+          </a:xfrm>
+          <a:prstGeom prst="rect">
+            <a:avLst/>
+          </a:prstGeom>
+          <a:noFill/>
+        </p:spPr>
+        <p:txBody>
+          <a:bodyPr wrap="square" rtlCol="0">
+            <a:spAutoFit/>
+          </a:bodyPr>
+          <a:lstStyle/>
+          <a:p>
+            <a:r>
+              <a:rPr lang="fr-FR" dirty="0" smtClean="0"/>
+              <a:t>L’ordinateur doit être comporté d’un logiciel RFID pour assurer la gestion des données. </a:t>
+            </a:r>
+            <a:r>
+              <a:rPr lang="fr-FR" dirty="0" smtClean="0"/>
+              <a:t>Ce </a:t>
+            </a:r>
+            <a:r>
+              <a:rPr lang="fr-FR" dirty="0" smtClean="0"/>
+              <a:t>logiciel </a:t>
+            </a:r>
+            <a:r>
+              <a:rPr lang="fr-FR" dirty="0" smtClean="0"/>
+              <a:t>est </a:t>
+            </a:r>
+            <a:r>
+              <a:rPr lang="fr-FR" dirty="0" smtClean="0"/>
+              <a:t>nécessaire pour traiter les informations contenues dans les puces RFID, et les intégrer dans des bases de données de l’entreprise.</a:t>
+            </a:r>
+            <a:endParaRPr lang="fr-FR" dirty="0"/>
+          </a:p>
+        </p:txBody>
+      </p:sp>
+    </p:spTree>
+  </p:cSld>
+  <p:clrMapOvr>
+    <a:masterClrMapping/>
+  </p:clrMapOvr>
+</p:sld>
+</file>
+
 <file path=ppt/slides/slide2.xml><?xml version="1.0" encoding="utf-8"?>
 <p:sld xmlns:a="http://schemas.openxmlformats.org/drawingml/2006/main" xmlns:r="http://schemas.openxmlformats.org/officeDocument/2006/relationships" xmlns:p="http://schemas.openxmlformats.org/presentationml/2006/main">
   <p:cSld>
@@ -3206,64 +3906,54 @@
           <a:chExt cx="0" cy="0"/>
         </a:xfrm>
       </p:grpSpPr>
-      <p:sp>
-        <p:nvSpPr>
-          <p:cNvPr id="2" name="Title 1"/>
-          <p:cNvSpPr>
-            <a:spLocks noGrp="1"/>
-          </p:cNvSpPr>
-          <p:nvPr>
-            <p:ph type="title"/>
-          </p:nvPr>
-        </p:nvSpPr>
-        <p:spPr/>
-        <p:txBody>
-          <a:bodyPr/>
-          <a:lstStyle/>
-          <a:p>
-            <a:r>
-              <a:rPr lang="fr-FR" dirty="0" smtClean="0"/>
-              <a:t>La technologie RFID</a:t>
-            </a:r>
-            <a:endParaRPr lang="fr-FR" dirty="0"/>
-          </a:p>
-        </p:txBody>
-      </p:sp>
       <p:pic>
         <p:nvPicPr>
-          <p:cNvPr id="1026" name="Picture 2"/>
+          <p:cNvPr id="5" name="Content Placeholder 4" descr="rfid-intro.jpg"/>
           <p:cNvPicPr>
-            <a:picLocks noGrp="1" noChangeAspect="1" noChangeArrowheads="1"/>
+            <a:picLocks noGrp="1" noChangeAspect="1"/>
           </p:cNvPicPr>
           <p:nvPr>
             <p:ph idx="1"/>
           </p:nvPr>
         </p:nvPicPr>
         <p:blipFill>
-          <a:blip r:embed="rId2"/>
-          <a:srcRect/>
+          <a:blip r:embed="rId2">
+            <a:lum bright="10000"/>
+          </a:blip>
           <a:stretch>
             <a:fillRect/>
           </a:stretch>
         </p:blipFill>
-        <p:spPr bwMode="auto">
-          <a:xfrm>
-            <a:off x="1362075" y="2124869"/>
-            <a:ext cx="6419850" cy="3476625"/>
-          </a:xfrm>
-          <a:prstGeom prst="rect">
-            <a:avLst/>
-          </a:prstGeom>
-          <a:noFill/>
-          <a:ln w="9525">
-            <a:noFill/>
-            <a:miter lim="800000"/>
-            <a:headEnd/>
-            <a:tailEnd/>
-          </a:ln>
-          <a:effectLst/>
+        <p:spPr>
+          <a:xfrm>
+            <a:off x="0" y="1524000"/>
+            <a:ext cx="9144000" cy="5334000"/>
+          </a:xfrm>
         </p:spPr>
       </p:pic>
+      <p:sp>
+        <p:nvSpPr>
+          <p:cNvPr id="2" name="Title 1"/>
+          <p:cNvSpPr>
+            <a:spLocks noGrp="1"/>
+          </p:cNvSpPr>
+          <p:nvPr>
+            <p:ph type="title"/>
+          </p:nvPr>
+        </p:nvSpPr>
+        <p:spPr/>
+        <p:txBody>
+          <a:bodyPr/>
+          <a:lstStyle/>
+          <a:p>
+            <a:r>
+              <a:rPr lang="fr-FR" dirty="0" smtClean="0"/>
+              <a:t>La technologie RFID</a:t>
+            </a:r>
+            <a:endParaRPr lang="fr-FR" dirty="0"/>
+          </a:p>
+        </p:txBody>
+      </p:sp>
     </p:spTree>
   </p:cSld>
   <p:clrMapOvr>
@@ -3301,6 +3991,380 @@
         </p:nvSpPr>
         <p:spPr>
           <a:xfrm>
+            <a:off x="457200" y="2857500"/>
+            <a:ext cx="8229600" cy="1143000"/>
+          </a:xfrm>
+        </p:spPr>
+        <p:txBody>
+          <a:bodyPr>
+            <a:normAutofit fontScale="90000"/>
+          </a:bodyPr>
+          <a:lstStyle/>
+          <a:p>
+            <a:r>
+              <a:rPr lang="en-US" sz="7200" dirty="0" smtClean="0"/>
+              <a:t>Introduction</a:t>
+            </a:r>
+            <a:endParaRPr lang="en-US" sz="7200" dirty="0"/>
+          </a:p>
+        </p:txBody>
+      </p:sp>
+    </p:spTree>
+  </p:cSld>
+  <p:clrMapOvr>
+    <a:masterClrMapping/>
+  </p:clrMapOvr>
+</p:sld>
+</file>
+
+<file path=ppt/slides/slide4.xml><?xml version="1.0" encoding="utf-8"?>
+<p:sld xmlns:a="http://schemas.openxmlformats.org/drawingml/2006/main" xmlns:r="http://schemas.openxmlformats.org/officeDocument/2006/relationships" xmlns:p="http://schemas.openxmlformats.org/presentationml/2006/main">
+  <p:cSld>
+    <p:spTree>
+      <p:nvGrpSpPr>
+        <p:cNvPr id="1" name=""/>
+        <p:cNvGrpSpPr/>
+        <p:nvPr/>
+      </p:nvGrpSpPr>
+      <p:grpSpPr>
+        <a:xfrm>
+          <a:off x="0" y="0"/>
+          <a:ext cx="0" cy="0"/>
+          <a:chOff x="0" y="0"/>
+          <a:chExt cx="0" cy="0"/>
+        </a:xfrm>
+      </p:grpSpPr>
+      <p:pic>
+        <p:nvPicPr>
+          <p:cNvPr id="2" name="Picture 1" descr="barcode.jpg"/>
+          <p:cNvPicPr>
+            <a:picLocks noChangeAspect="1"/>
+          </p:cNvPicPr>
+          <p:nvPr/>
+        </p:nvPicPr>
+        <p:blipFill>
+          <a:blip r:embed="rId2"/>
+          <a:stretch>
+            <a:fillRect/>
+          </a:stretch>
+        </p:blipFill>
+        <p:spPr>
+          <a:xfrm>
+            <a:off x="3124200" y="457200"/>
+            <a:ext cx="5095875" cy="2314736"/>
+          </a:xfrm>
+          <a:prstGeom prst="rect">
+            <a:avLst/>
+          </a:prstGeom>
+        </p:spPr>
+      </p:pic>
+      <p:sp>
+        <p:nvSpPr>
+          <p:cNvPr id="3" name="TextBox 2"/>
+          <p:cNvSpPr txBox="1"/>
+          <p:nvPr/>
+        </p:nvSpPr>
+        <p:spPr>
+          <a:xfrm>
+            <a:off x="762000" y="457200"/>
+            <a:ext cx="3276600" cy="1200329"/>
+          </a:xfrm>
+          <a:prstGeom prst="rect">
+            <a:avLst/>
+          </a:prstGeom>
+        </p:spPr>
+        <p:style>
+          <a:lnRef idx="0">
+            <a:scrgbClr r="0" g="0" b="0"/>
+          </a:lnRef>
+          <a:fillRef idx="1001">
+            <a:schemeClr val="lt2"/>
+          </a:fillRef>
+          <a:effectRef idx="0">
+            <a:scrgbClr r="0" g="0" b="0"/>
+          </a:effectRef>
+          <a:fontRef idx="major"/>
+        </p:style>
+        <p:txBody>
+          <a:bodyPr wrap="square" rtlCol="0" anchor="ctr">
+            <a:spAutoFit/>
+          </a:bodyPr>
+          <a:lstStyle/>
+          <a:p>
+            <a:pPr algn="ctr"/>
+            <a:r>
+              <a:rPr lang="fr-FR" sz="2400" dirty="0" smtClean="0"/>
+              <a:t>Aujourd’hui chaque produit possède un code-barres</a:t>
+            </a:r>
+            <a:endParaRPr lang="fr-FR" sz="2400" dirty="0"/>
+          </a:p>
+        </p:txBody>
+      </p:sp>
+      <p:pic>
+        <p:nvPicPr>
+          <p:cNvPr id="4" name="Picture 3" descr="rfid.jpg"/>
+          <p:cNvPicPr>
+            <a:picLocks noChangeAspect="1"/>
+          </p:cNvPicPr>
+          <p:nvPr/>
+        </p:nvPicPr>
+        <p:blipFill>
+          <a:blip r:embed="rId3"/>
+          <a:stretch>
+            <a:fillRect/>
+          </a:stretch>
+        </p:blipFill>
+        <p:spPr>
+          <a:xfrm>
+            <a:off x="2438400" y="3657600"/>
+            <a:ext cx="6324600" cy="2875717"/>
+          </a:xfrm>
+          <a:prstGeom prst="rect">
+            <a:avLst/>
+          </a:prstGeom>
+        </p:spPr>
+      </p:pic>
+      <p:sp>
+        <p:nvSpPr>
+          <p:cNvPr id="5" name="TextBox 4"/>
+          <p:cNvSpPr txBox="1"/>
+          <p:nvPr/>
+        </p:nvSpPr>
+        <p:spPr>
+          <a:xfrm>
+            <a:off x="304800" y="2971800"/>
+            <a:ext cx="7656070" cy="523220"/>
+          </a:xfrm>
+          <a:prstGeom prst="rect">
+            <a:avLst/>
+          </a:prstGeom>
+          <a:noFill/>
+        </p:spPr>
+        <p:txBody>
+          <a:bodyPr wrap="none" rtlCol="0">
+            <a:spAutoFit/>
+          </a:bodyPr>
+          <a:lstStyle/>
+          <a:p>
+            <a:r>
+              <a:rPr lang="fr-FR" sz="2800" b="1" dirty="0" smtClean="0">
+                <a:solidFill>
+                  <a:srgbClr val="FFC000"/>
+                </a:solidFill>
+              </a:rPr>
+              <a:t>Que se passe t-il si </a:t>
+            </a:r>
+            <a:r>
+              <a:rPr lang="fr-FR" sz="2800" b="1" dirty="0" smtClean="0">
+                <a:solidFill>
+                  <a:srgbClr val="FFC000"/>
+                </a:solidFill>
+              </a:rPr>
+              <a:t>on remplace le code-barres </a:t>
+            </a:r>
+            <a:r>
+              <a:rPr lang="fr-FR" sz="2800" b="1" dirty="0" smtClean="0">
+                <a:solidFill>
+                  <a:srgbClr val="FFC000"/>
+                </a:solidFill>
+              </a:rPr>
+              <a:t>par</a:t>
+            </a:r>
+          </a:p>
+        </p:txBody>
+      </p:sp>
+      <p:sp>
+        <p:nvSpPr>
+          <p:cNvPr id="6" name="TextBox 5"/>
+          <p:cNvSpPr txBox="1"/>
+          <p:nvPr/>
+        </p:nvSpPr>
+        <p:spPr>
+          <a:xfrm>
+            <a:off x="457200" y="3657600"/>
+            <a:ext cx="1828800" cy="1107996"/>
+          </a:xfrm>
+          <a:prstGeom prst="rect">
+            <a:avLst/>
+          </a:prstGeom>
+          <a:noFill/>
+        </p:spPr>
+        <p:txBody>
+          <a:bodyPr wrap="square" rtlCol="0">
+            <a:spAutoFit/>
+          </a:bodyPr>
+          <a:lstStyle/>
+          <a:p>
+            <a:r>
+              <a:rPr lang="fr-FR" sz="6600" b="1" dirty="0" smtClean="0">
+                <a:solidFill>
+                  <a:srgbClr val="FFC000"/>
+                </a:solidFill>
+              </a:rPr>
+              <a:t>RFID</a:t>
+            </a:r>
+            <a:endParaRPr lang="fr-FR" sz="2800" b="1" dirty="0" smtClean="0">
+              <a:solidFill>
+                <a:srgbClr val="FFC000"/>
+              </a:solidFill>
+            </a:endParaRPr>
+          </a:p>
+        </p:txBody>
+      </p:sp>
+      <p:sp>
+        <p:nvSpPr>
+          <p:cNvPr id="7" name="TextBox 6"/>
+          <p:cNvSpPr txBox="1"/>
+          <p:nvPr/>
+        </p:nvSpPr>
+        <p:spPr>
+          <a:xfrm>
+            <a:off x="457200" y="4724400"/>
+            <a:ext cx="1828800" cy="1107996"/>
+          </a:xfrm>
+          <a:prstGeom prst="rect">
+            <a:avLst/>
+          </a:prstGeom>
+          <a:noFill/>
+        </p:spPr>
+        <p:txBody>
+          <a:bodyPr wrap="square" rtlCol="0">
+            <a:spAutoFit/>
+          </a:bodyPr>
+          <a:lstStyle/>
+          <a:p>
+            <a:pPr algn="ctr"/>
+            <a:r>
+              <a:rPr lang="fr-FR" sz="6600" b="1" dirty="0" smtClean="0">
+                <a:solidFill>
+                  <a:srgbClr val="FFC000"/>
+                </a:solidFill>
+              </a:rPr>
+              <a:t>??</a:t>
+            </a:r>
+            <a:endParaRPr lang="fr-FR" sz="2800" b="1" dirty="0" smtClean="0">
+              <a:solidFill>
+                <a:srgbClr val="FFC000"/>
+              </a:solidFill>
+            </a:endParaRPr>
+          </a:p>
+        </p:txBody>
+      </p:sp>
+      <p:sp>
+        <p:nvSpPr>
+          <p:cNvPr id="8" name="TextBox 7"/>
+          <p:cNvSpPr txBox="1"/>
+          <p:nvPr/>
+        </p:nvSpPr>
+        <p:spPr>
+          <a:xfrm>
+            <a:off x="3962400" y="3505200"/>
+            <a:ext cx="1828800" cy="1107996"/>
+          </a:xfrm>
+          <a:prstGeom prst="rect">
+            <a:avLst/>
+          </a:prstGeom>
+          <a:noFill/>
+        </p:spPr>
+        <p:txBody>
+          <a:bodyPr wrap="square" rtlCol="0">
+            <a:spAutoFit/>
+          </a:bodyPr>
+          <a:lstStyle/>
+          <a:p>
+            <a:pPr algn="ctr"/>
+            <a:r>
+              <a:rPr lang="fr-FR" sz="6600" b="1" dirty="0" smtClean="0">
+                <a:solidFill>
+                  <a:srgbClr val="FFC000"/>
+                </a:solidFill>
+              </a:rPr>
+              <a:t>??</a:t>
+            </a:r>
+            <a:endParaRPr lang="fr-FR" sz="2800" b="1" dirty="0" smtClean="0">
+              <a:solidFill>
+                <a:srgbClr val="FFC000"/>
+              </a:solidFill>
+            </a:endParaRPr>
+          </a:p>
+        </p:txBody>
+      </p:sp>
+      <p:sp>
+        <p:nvSpPr>
+          <p:cNvPr id="9" name="TextBox 8"/>
+          <p:cNvSpPr txBox="1"/>
+          <p:nvPr/>
+        </p:nvSpPr>
+        <p:spPr>
+          <a:xfrm>
+            <a:off x="7086600" y="5486400"/>
+            <a:ext cx="1828800" cy="1107996"/>
+          </a:xfrm>
+          <a:prstGeom prst="rect">
+            <a:avLst/>
+          </a:prstGeom>
+          <a:noFill/>
+        </p:spPr>
+        <p:txBody>
+          <a:bodyPr wrap="square" rtlCol="0">
+            <a:spAutoFit/>
+          </a:bodyPr>
+          <a:lstStyle/>
+          <a:p>
+            <a:pPr algn="ctr"/>
+            <a:r>
+              <a:rPr lang="fr-FR" sz="6600" b="1" dirty="0" smtClean="0">
+                <a:solidFill>
+                  <a:srgbClr val="FFC000"/>
+                </a:solidFill>
+              </a:rPr>
+              <a:t>??</a:t>
+            </a:r>
+            <a:endParaRPr lang="fr-FR" sz="2800" b="1" dirty="0" smtClean="0">
+              <a:solidFill>
+                <a:srgbClr val="FFC000"/>
+              </a:solidFill>
+            </a:endParaRPr>
+          </a:p>
+        </p:txBody>
+      </p:sp>
+    </p:spTree>
+  </p:cSld>
+  <p:clrMapOvr>
+    <a:masterClrMapping/>
+  </p:clrMapOvr>
+</p:sld>
+</file>
+
+<file path=ppt/slides/slide5.xml><?xml version="1.0" encoding="utf-8"?>
+<p:sld xmlns:a="http://schemas.openxmlformats.org/drawingml/2006/main" xmlns:r="http://schemas.openxmlformats.org/officeDocument/2006/relationships" xmlns:p="http://schemas.openxmlformats.org/presentationml/2006/main">
+  <p:cSld>
+    <p:spTree>
+      <p:nvGrpSpPr>
+        <p:cNvPr id="1" name=""/>
+        <p:cNvGrpSpPr/>
+        <p:nvPr/>
+      </p:nvGrpSpPr>
+      <p:grpSpPr>
+        <a:xfrm>
+          <a:off x="0" y="0"/>
+          <a:ext cx="0" cy="0"/>
+          <a:chOff x="0" y="0"/>
+          <a:chExt cx="0" cy="0"/>
+        </a:xfrm>
+      </p:grpSpPr>
+      <p:sp>
+        <p:nvSpPr>
+          <p:cNvPr id="2" name="Title 1"/>
+          <p:cNvSpPr>
+            <a:spLocks noGrp="1"/>
+          </p:cNvSpPr>
+          <p:nvPr>
+            <p:ph type="title"/>
+          </p:nvPr>
+        </p:nvSpPr>
+        <p:spPr>
+          <a:xfrm>
             <a:off x="685800" y="762000"/>
             <a:ext cx="4038600" cy="5334000"/>
           </a:xfrm>
@@ -3312,56 +4376,28 @@
           <a:lstStyle/>
           <a:p>
             <a:r>
-              <a:rPr lang="en-US" sz="9600" b="1" dirty="0" smtClean="0"/>
+              <a:rPr lang="fr-FR" sz="9600" b="1" dirty="0" smtClean="0"/>
               <a:t>RFID</a:t>
             </a:r>
             <a:r>
-              <a:rPr lang="en-US" sz="5400" dirty="0" smtClean="0"/>
+              <a:rPr lang="fr-FR" sz="5400" dirty="0" smtClean="0"/>
               <a:t/>
             </a:r>
             <a:br>
-              <a:rPr lang="en-US" sz="5400" dirty="0" smtClean="0"/>
+              <a:rPr lang="fr-FR" sz="5400" dirty="0" smtClean="0"/>
             </a:br>
             <a:r>
-              <a:rPr lang="en-US" sz="5400" dirty="0" smtClean="0"/>
+              <a:rPr lang="fr-FR" sz="5400" dirty="0" smtClean="0"/>
               <a:t/>
             </a:r>
             <a:br>
-              <a:rPr lang="en-US" sz="5400" dirty="0" smtClean="0"/>
+              <a:rPr lang="fr-FR" sz="5400" dirty="0" smtClean="0"/>
             </a:br>
             <a:r>
-              <a:rPr lang="en-US" sz="5400" dirty="0" err="1" smtClean="0"/>
-              <a:t>Qu’est</a:t>
-            </a:r>
-            <a:r>
-              <a:rPr lang="en-US" sz="5400" dirty="0" smtClean="0"/>
-              <a:t> </a:t>
-            </a:r>
-            <a:r>
-              <a:rPr lang="en-US" sz="5400" dirty="0" err="1" smtClean="0"/>
-              <a:t>ce</a:t>
-            </a:r>
-            <a:r>
-              <a:rPr lang="en-US" sz="5400" dirty="0" smtClean="0"/>
-              <a:t> </a:t>
-            </a:r>
-            <a:r>
-              <a:rPr lang="en-US" sz="5400" dirty="0" err="1" smtClean="0"/>
-              <a:t>que</a:t>
-            </a:r>
-            <a:r>
-              <a:rPr lang="en-US" sz="5400" dirty="0" smtClean="0"/>
-              <a:t> </a:t>
-            </a:r>
-            <a:r>
-              <a:rPr lang="en-US" sz="5400" dirty="0" err="1" smtClean="0"/>
-              <a:t>c’est</a:t>
-            </a:r>
-            <a:r>
-              <a:rPr lang="en-US" sz="5400" dirty="0" smtClean="0"/>
-              <a:t> ?</a:t>
-            </a:r>
-            <a:endParaRPr lang="en-US" sz="5400" dirty="0"/>
+              <a:rPr lang="fr-FR" sz="5400" dirty="0" smtClean="0"/>
+              <a:t>Qu’est ce que c’est ?</a:t>
+            </a:r>
+            <a:endParaRPr lang="fr-FR" sz="5400" dirty="0"/>
           </a:p>
         </p:txBody>
       </p:sp>
@@ -3584,7 +4620,7 @@
 </p:sld>
 </file>
 
-<file path=ppt/slides/slide4.xml><?xml version="1.0" encoding="utf-8"?>
+<file path=ppt/slides/slide6.xml><?xml version="1.0" encoding="utf-8"?>
 <p:sld xmlns:a="http://schemas.openxmlformats.org/drawingml/2006/main" xmlns:r="http://schemas.openxmlformats.org/officeDocument/2006/relationships" xmlns:p="http://schemas.openxmlformats.org/presentationml/2006/main">
   <p:cSld>
     <p:spTree>
@@ -3611,7 +4647,12 @@
             <p:ph type="title"/>
           </p:nvPr>
         </p:nvSpPr>
-        <p:spPr/>
+        <p:spPr>
+          <a:xfrm>
+            <a:off x="457200" y="1066800"/>
+            <a:ext cx="8229600" cy="1143000"/>
+          </a:xfrm>
+        </p:spPr>
         <p:txBody>
           <a:bodyPr>
             <a:noAutofit/>
@@ -3628,14 +4669,14 @@
       </p:sp>
       <p:sp>
         <p:nvSpPr>
-          <p:cNvPr id="4" name="TextBox 3"/>
+          <p:cNvPr id="30" name="TextBox 29"/>
           <p:cNvSpPr txBox="1"/>
           <p:nvPr/>
         </p:nvSpPr>
         <p:spPr>
           <a:xfrm>
-            <a:off x="1219200" y="1828800"/>
-            <a:ext cx="1404552" cy="707886"/>
+            <a:off x="838200" y="3429000"/>
+            <a:ext cx="7467599" cy="1697068"/>
           </a:xfrm>
           <a:prstGeom prst="rect">
             <a:avLst/>
@@ -3643,29 +4684,34 @@
           <a:noFill/>
         </p:spPr>
         <p:txBody>
-          <a:bodyPr wrap="none" rtlCol="0">
+          <a:bodyPr wrap="square" rtlCol="0">
             <a:spAutoFit/>
           </a:bodyPr>
           <a:lstStyle/>
           <a:p>
-            <a:r>
-              <a:rPr lang="en-US" sz="4000" dirty="0" smtClean="0"/>
-              <a:t>Radio</a:t>
-            </a:r>
-            <a:endParaRPr lang="en-US" sz="4000" dirty="0"/>
-          </a:p>
-        </p:txBody>
-      </p:sp>
-      <p:sp>
-        <p:nvSpPr>
-          <p:cNvPr id="5" name="TextBox 4"/>
+            <a:pPr algn="ctr">
+              <a:lnSpc>
+                <a:spcPct val="150000"/>
+              </a:lnSpc>
+            </a:pPr>
+            <a:r>
+              <a:rPr lang="fr-FR" sz="2400" dirty="0" smtClean="0"/>
+              <a:t>Sans contact physique ni visuel cette technologie permet d’identifier d’une façon unique l’objet ou la personne qui porte l’étiquette.</a:t>
+            </a:r>
+            <a:endParaRPr lang="en-US" sz="2400" dirty="0"/>
+          </a:p>
+        </p:txBody>
+      </p:sp>
+      <p:sp>
+        <p:nvSpPr>
+          <p:cNvPr id="10" name="TextBox 9"/>
           <p:cNvSpPr txBox="1"/>
           <p:nvPr/>
         </p:nvSpPr>
         <p:spPr>
           <a:xfrm>
-            <a:off x="2590800" y="2667000"/>
-            <a:ext cx="2359620" cy="707886"/>
+            <a:off x="2122419" y="2209800"/>
+            <a:ext cx="4899162" cy="523220"/>
           </a:xfrm>
           <a:prstGeom prst="rect">
             <a:avLst/>
@@ -3679,178 +4725,38 @@
           <a:lstStyle/>
           <a:p>
             <a:r>
-              <a:rPr lang="en-US" sz="4000" dirty="0" smtClean="0"/>
-              <a:t>Frequency</a:t>
-            </a:r>
-            <a:endParaRPr lang="en-US" sz="4000" dirty="0"/>
-          </a:p>
-        </p:txBody>
-      </p:sp>
-      <p:sp>
-        <p:nvSpPr>
-          <p:cNvPr id="6" name="TextBox 5"/>
-          <p:cNvSpPr txBox="1"/>
-          <p:nvPr/>
-        </p:nvSpPr>
-        <p:spPr>
-          <a:xfrm>
-            <a:off x="5715000" y="2286000"/>
-            <a:ext cx="2947345" cy="707886"/>
-          </a:xfrm>
-          <a:prstGeom prst="rect">
-            <a:avLst/>
-          </a:prstGeom>
-          <a:noFill/>
-        </p:spPr>
-        <p:txBody>
-          <a:bodyPr wrap="none" rtlCol="0">
-            <a:spAutoFit/>
-          </a:bodyPr>
-          <a:lstStyle/>
-          <a:p>
-            <a:r>
-              <a:rPr lang="en-US" sz="4000" dirty="0" smtClean="0"/>
-              <a:t>Identification</a:t>
-            </a:r>
-            <a:endParaRPr lang="en-US" sz="4000" dirty="0"/>
-          </a:p>
-        </p:txBody>
-      </p:sp>
-      <p:cxnSp>
-        <p:nvCxnSpPr>
-          <p:cNvPr id="8" name="Straight Arrow Connector 7"/>
-          <p:cNvCxnSpPr/>
-          <p:nvPr/>
-        </p:nvCxnSpPr>
-        <p:spPr>
-          <a:xfrm rot="10800000" flipV="1">
-            <a:off x="2514600" y="1447800"/>
-            <a:ext cx="762000" cy="533400"/>
-          </a:xfrm>
-          <a:prstGeom prst="straightConnector1">
-            <a:avLst/>
-          </a:prstGeom>
-          <a:ln>
-            <a:tailEnd type="arrow"/>
-          </a:ln>
-        </p:spPr>
-        <p:style>
-          <a:lnRef idx="3">
-            <a:schemeClr val="accent6"/>
-          </a:lnRef>
-          <a:fillRef idx="0">
-            <a:schemeClr val="accent6"/>
-          </a:fillRef>
-          <a:effectRef idx="2">
-            <a:schemeClr val="accent6"/>
-          </a:effectRef>
-          <a:fontRef idx="minor">
-            <a:schemeClr val="tx1"/>
-          </a:fontRef>
-        </p:style>
-      </p:cxnSp>
-      <p:cxnSp>
-        <p:nvCxnSpPr>
-          <p:cNvPr id="11" name="Straight Arrow Connector 10"/>
-          <p:cNvCxnSpPr/>
-          <p:nvPr/>
-        </p:nvCxnSpPr>
-        <p:spPr>
-          <a:xfrm rot="5400000">
-            <a:off x="3467100" y="1943100"/>
-            <a:ext cx="1143000" cy="304800"/>
-          </a:xfrm>
-          <a:prstGeom prst="straightConnector1">
-            <a:avLst/>
-          </a:prstGeom>
-          <a:ln>
-            <a:tailEnd type="arrow"/>
-          </a:ln>
-        </p:spPr>
-        <p:style>
-          <a:lnRef idx="3">
-            <a:schemeClr val="accent6"/>
-          </a:lnRef>
-          <a:fillRef idx="0">
-            <a:schemeClr val="accent6"/>
-          </a:fillRef>
-          <a:effectRef idx="2">
-            <a:schemeClr val="accent6"/>
-          </a:effectRef>
-          <a:fontRef idx="minor">
-            <a:schemeClr val="tx1"/>
-          </a:fontRef>
-        </p:style>
-      </p:cxnSp>
-      <p:cxnSp>
-        <p:nvCxnSpPr>
-          <p:cNvPr id="13" name="Straight Arrow Connector 12"/>
-          <p:cNvCxnSpPr/>
-          <p:nvPr/>
-        </p:nvCxnSpPr>
-        <p:spPr>
-          <a:xfrm>
-            <a:off x="5105400" y="1447800"/>
-            <a:ext cx="1143000" cy="762000"/>
-          </a:xfrm>
-          <a:prstGeom prst="straightConnector1">
-            <a:avLst/>
-          </a:prstGeom>
-          <a:ln>
-            <a:tailEnd type="arrow"/>
-          </a:ln>
-        </p:spPr>
-        <p:style>
-          <a:lnRef idx="3">
-            <a:schemeClr val="accent6"/>
-          </a:lnRef>
-          <a:fillRef idx="0">
-            <a:schemeClr val="accent6"/>
-          </a:fillRef>
-          <a:effectRef idx="2">
-            <a:schemeClr val="accent6"/>
-          </a:effectRef>
-          <a:fontRef idx="minor">
-            <a:schemeClr val="tx1"/>
-          </a:fontRef>
-        </p:style>
-      </p:cxnSp>
-      <p:sp>
-        <p:nvSpPr>
-          <p:cNvPr id="30" name="TextBox 29"/>
-          <p:cNvSpPr txBox="1"/>
-          <p:nvPr/>
-        </p:nvSpPr>
-        <p:spPr>
-          <a:xfrm>
-            <a:off x="838200" y="3962400"/>
-            <a:ext cx="7467599" cy="2251065"/>
-          </a:xfrm>
-          <a:prstGeom prst="rect">
-            <a:avLst/>
-          </a:prstGeom>
-          <a:noFill/>
-        </p:spPr>
-        <p:txBody>
-          <a:bodyPr wrap="square" rtlCol="0">
-            <a:spAutoFit/>
-          </a:bodyPr>
-          <a:lstStyle/>
-          <a:p>
-            <a:pPr>
-              <a:lnSpc>
-                <a:spcPct val="150000"/>
-              </a:lnSpc>
-            </a:pPr>
-            <a:r>
-              <a:rPr lang="fr-FR" sz="2400" dirty="0" smtClean="0"/>
-              <a:t>C’est </a:t>
-            </a:r>
-            <a:r>
-              <a:rPr lang="fr-FR" sz="2400" dirty="0" smtClean="0"/>
-              <a:t>une technologie permettant d’échanger les données par radio fréquence avec des objets à distance, dans le but de les identifier, de les tracer, de les localiser, d’y enregistrer des informations.</a:t>
-            </a:r>
-            <a:endParaRPr lang="en-US" sz="2400" dirty="0"/>
+              <a:rPr lang="en-US" sz="2800" dirty="0" smtClean="0"/>
+              <a:t>(</a:t>
+            </a:r>
+            <a:r>
+              <a:rPr lang="en-US" sz="2800" b="1" dirty="0" smtClean="0"/>
+              <a:t>R</a:t>
+            </a:r>
+            <a:r>
+              <a:rPr lang="en-US" sz="2800" dirty="0" smtClean="0"/>
+              <a:t>adio </a:t>
+            </a:r>
+            <a:r>
+              <a:rPr lang="en-US" sz="2800" b="1" dirty="0" smtClean="0"/>
+              <a:t>F</a:t>
+            </a:r>
+            <a:r>
+              <a:rPr lang="en-US" sz="2800" dirty="0" smtClean="0"/>
+              <a:t>requency </a:t>
+            </a:r>
+            <a:r>
+              <a:rPr lang="en-US" sz="2800" b="1" dirty="0" err="1" smtClean="0"/>
+              <a:t>ID</a:t>
+            </a:r>
+            <a:r>
+              <a:rPr lang="en-US" sz="2800" dirty="0" err="1" smtClean="0"/>
+              <a:t>entification</a:t>
+            </a:r>
+            <a:r>
+              <a:rPr lang="en-US" sz="2800" dirty="0" smtClean="0"/>
+              <a:t>)</a:t>
+            </a:r>
+            <a:endParaRPr lang="en-US" sz="2800" dirty="0"/>
           </a:p>
         </p:txBody>
       </p:sp>
@@ -3866,6 +4772,455 @@
       </p:par>
     </p:tnLst>
   </p:timing>
+</p:sld>
+</file>
+
+<file path=ppt/slides/slide7.xml><?xml version="1.0" encoding="utf-8"?>
+<p:sld xmlns:a="http://schemas.openxmlformats.org/drawingml/2006/main" xmlns:r="http://schemas.openxmlformats.org/officeDocument/2006/relationships" xmlns:p="http://schemas.openxmlformats.org/presentationml/2006/main">
+  <p:cSld>
+    <p:spTree>
+      <p:nvGrpSpPr>
+        <p:cNvPr id="1" name=""/>
+        <p:cNvGrpSpPr/>
+        <p:nvPr/>
+      </p:nvGrpSpPr>
+      <p:grpSpPr>
+        <a:xfrm>
+          <a:off x="0" y="0"/>
+          <a:ext cx="0" cy="0"/>
+          <a:chOff x="0" y="0"/>
+          <a:chExt cx="0" cy="0"/>
+        </a:xfrm>
+      </p:grpSpPr>
+      <p:sp>
+        <p:nvSpPr>
+          <p:cNvPr id="2" name="Title 1"/>
+          <p:cNvSpPr>
+            <a:spLocks noGrp="1"/>
+          </p:cNvSpPr>
+          <p:nvPr>
+            <p:ph type="title"/>
+          </p:nvPr>
+        </p:nvSpPr>
+        <p:spPr>
+          <a:xfrm>
+            <a:off x="457200" y="2857500"/>
+            <a:ext cx="8229600" cy="1143000"/>
+          </a:xfrm>
+        </p:spPr>
+        <p:txBody>
+          <a:bodyPr>
+            <a:normAutofit/>
+          </a:bodyPr>
+          <a:lstStyle/>
+          <a:p>
+            <a:r>
+              <a:rPr lang="fr-FR" sz="6600" dirty="0" smtClean="0"/>
+              <a:t>Historique</a:t>
+            </a:r>
+            <a:endParaRPr lang="fr-FR" sz="6600" dirty="0"/>
+          </a:p>
+        </p:txBody>
+      </p:sp>
+    </p:spTree>
+  </p:cSld>
+  <p:clrMapOvr>
+    <a:masterClrMapping/>
+  </p:clrMapOvr>
+</p:sld>
+</file>
+
+<file path=ppt/slides/slide8.xml><?xml version="1.0" encoding="utf-8"?>
+<p:sld xmlns:a="http://schemas.openxmlformats.org/drawingml/2006/main" xmlns:r="http://schemas.openxmlformats.org/officeDocument/2006/relationships" xmlns:p="http://schemas.openxmlformats.org/presentationml/2006/main">
+  <p:cSld>
+    <p:spTree>
+      <p:nvGrpSpPr>
+        <p:cNvPr id="1" name=""/>
+        <p:cNvGrpSpPr/>
+        <p:nvPr/>
+      </p:nvGrpSpPr>
+      <p:grpSpPr>
+        <a:xfrm>
+          <a:off x="0" y="0"/>
+          <a:ext cx="0" cy="0"/>
+          <a:chOff x="0" y="0"/>
+          <a:chExt cx="0" cy="0"/>
+        </a:xfrm>
+      </p:grpSpPr>
+      <p:pic>
+        <p:nvPicPr>
+          <p:cNvPr id="12" name="Picture 11" descr="Tribune-2015-logistique-sera-innovante-sera-pas--F.jpg"/>
+          <p:cNvPicPr>
+            <a:picLocks noChangeAspect="1"/>
+          </p:cNvPicPr>
+          <p:nvPr/>
+        </p:nvPicPr>
+        <p:blipFill>
+          <a:blip r:embed="rId2" cstate="print"/>
+          <a:stretch>
+            <a:fillRect/>
+          </a:stretch>
+        </p:blipFill>
+        <p:spPr>
+          <a:xfrm>
+            <a:off x="5867400" y="4114800"/>
+            <a:ext cx="2920080" cy="2541390"/>
+          </a:xfrm>
+          <a:prstGeom prst="rect">
+            <a:avLst/>
+          </a:prstGeom>
+        </p:spPr>
+      </p:pic>
+      <p:pic>
+        <p:nvPicPr>
+          <p:cNvPr id="2" name="Picture 1" descr="ecafe60b8a1582866eb7a831fa74c614.jpg"/>
+          <p:cNvPicPr>
+            <a:picLocks noChangeAspect="1"/>
+          </p:cNvPicPr>
+          <p:nvPr/>
+        </p:nvPicPr>
+        <p:blipFill>
+          <a:blip r:embed="rId3">
+            <a:lum bright="10000"/>
+          </a:blip>
+          <a:stretch>
+            <a:fillRect/>
+          </a:stretch>
+        </p:blipFill>
+        <p:spPr>
+          <a:xfrm>
+            <a:off x="4953000" y="0"/>
+            <a:ext cx="3862873" cy="2057400"/>
+          </a:xfrm>
+          <a:prstGeom prst="rect">
+            <a:avLst/>
+          </a:prstGeom>
+        </p:spPr>
+      </p:pic>
+      <p:sp>
+        <p:nvSpPr>
+          <p:cNvPr id="3" name="TextBox 2"/>
+          <p:cNvSpPr txBox="1"/>
+          <p:nvPr/>
+        </p:nvSpPr>
+        <p:spPr>
+          <a:xfrm>
+            <a:off x="685800" y="381000"/>
+            <a:ext cx="1236236" cy="584775"/>
+          </a:xfrm>
+          <a:prstGeom prst="rect">
+            <a:avLst/>
+          </a:prstGeom>
+          <a:noFill/>
+        </p:spPr>
+        <p:txBody>
+          <a:bodyPr wrap="none" rtlCol="0">
+            <a:spAutoFit/>
+          </a:bodyPr>
+          <a:lstStyle/>
+          <a:p>
+            <a:r>
+              <a:rPr lang="en-US" sz="3200" b="1" dirty="0" smtClean="0"/>
+              <a:t>- 1930</a:t>
+            </a:r>
+            <a:endParaRPr lang="en-US" sz="3200" b="1" dirty="0"/>
+          </a:p>
+        </p:txBody>
+      </p:sp>
+      <p:sp>
+        <p:nvSpPr>
+          <p:cNvPr id="4" name="TextBox 3"/>
+          <p:cNvSpPr txBox="1"/>
+          <p:nvPr/>
+        </p:nvSpPr>
+        <p:spPr>
+          <a:xfrm>
+            <a:off x="685800" y="990600"/>
+            <a:ext cx="4343400" cy="923330"/>
+          </a:xfrm>
+          <a:prstGeom prst="rect">
+            <a:avLst/>
+          </a:prstGeom>
+          <a:noFill/>
+        </p:spPr>
+        <p:txBody>
+          <a:bodyPr wrap="square" rtlCol="0">
+            <a:spAutoFit/>
+          </a:bodyPr>
+          <a:lstStyle/>
+          <a:p>
+            <a:r>
+              <a:rPr lang="fr-FR" dirty="0" smtClean="0"/>
+              <a:t>RFID est utilisée pour la première fois lors de la seconde guerre mondiale pour identifier et authentifier des appareils en vol.</a:t>
+            </a:r>
+            <a:endParaRPr lang="fr-FR" dirty="0"/>
+          </a:p>
+        </p:txBody>
+      </p:sp>
+      <p:sp>
+        <p:nvSpPr>
+          <p:cNvPr id="5" name="TextBox 4"/>
+          <p:cNvSpPr txBox="1"/>
+          <p:nvPr/>
+        </p:nvSpPr>
+        <p:spPr>
+          <a:xfrm>
+            <a:off x="685800" y="2286000"/>
+            <a:ext cx="1236236" cy="584775"/>
+          </a:xfrm>
+          <a:prstGeom prst="rect">
+            <a:avLst/>
+          </a:prstGeom>
+          <a:noFill/>
+        </p:spPr>
+        <p:txBody>
+          <a:bodyPr wrap="none" rtlCol="0">
+            <a:spAutoFit/>
+          </a:bodyPr>
+          <a:lstStyle/>
+          <a:p>
+            <a:r>
+              <a:rPr lang="en-US" sz="3200" b="1" dirty="0" smtClean="0"/>
+              <a:t>- 1970</a:t>
+            </a:r>
+            <a:endParaRPr lang="en-US" sz="3200" b="1" dirty="0"/>
+          </a:p>
+        </p:txBody>
+      </p:sp>
+      <p:sp>
+        <p:nvSpPr>
+          <p:cNvPr id="6" name="TextBox 5"/>
+          <p:cNvSpPr txBox="1"/>
+          <p:nvPr/>
+        </p:nvSpPr>
+        <p:spPr>
+          <a:xfrm>
+            <a:off x="685800" y="2895600"/>
+            <a:ext cx="4648200" cy="646331"/>
+          </a:xfrm>
+          <a:prstGeom prst="rect">
+            <a:avLst/>
+          </a:prstGeom>
+          <a:noFill/>
+        </p:spPr>
+        <p:txBody>
+          <a:bodyPr wrap="square" rtlCol="0">
+            <a:spAutoFit/>
+          </a:bodyPr>
+          <a:lstStyle/>
+          <a:p>
+            <a:r>
+              <a:rPr lang="fr-FR" dirty="0" smtClean="0"/>
+              <a:t>RFID est transférée vers le secteur commerciale pour l’identification des bétail en Europe.</a:t>
+            </a:r>
+            <a:endParaRPr lang="fr-FR" dirty="0"/>
+          </a:p>
+        </p:txBody>
+      </p:sp>
+      <p:pic>
+        <p:nvPicPr>
+          <p:cNvPr id="7" name="Picture 6" descr="csm_ACTU_Ede-fin-livraison-Orne_f40e8eab72.jpg"/>
+          <p:cNvPicPr>
+            <a:picLocks noChangeAspect="1"/>
+          </p:cNvPicPr>
+          <p:nvPr/>
+        </p:nvPicPr>
+        <p:blipFill>
+          <a:blip r:embed="rId4"/>
+          <a:stretch>
+            <a:fillRect/>
+          </a:stretch>
+        </p:blipFill>
+        <p:spPr>
+          <a:xfrm>
+            <a:off x="5943600" y="2362200"/>
+            <a:ext cx="2209800" cy="1325880"/>
+          </a:xfrm>
+          <a:prstGeom prst="rect">
+            <a:avLst/>
+          </a:prstGeom>
+        </p:spPr>
+      </p:pic>
+      <p:sp>
+        <p:nvSpPr>
+          <p:cNvPr id="8" name="TextBox 7"/>
+          <p:cNvSpPr txBox="1"/>
+          <p:nvPr/>
+        </p:nvSpPr>
+        <p:spPr>
+          <a:xfrm>
+            <a:off x="685800" y="3886200"/>
+            <a:ext cx="1236236" cy="584775"/>
+          </a:xfrm>
+          <a:prstGeom prst="rect">
+            <a:avLst/>
+          </a:prstGeom>
+          <a:noFill/>
+        </p:spPr>
+        <p:txBody>
+          <a:bodyPr wrap="none" rtlCol="0">
+            <a:spAutoFit/>
+          </a:bodyPr>
+          <a:lstStyle/>
+          <a:p>
+            <a:r>
+              <a:rPr lang="en-US" sz="3200" b="1" dirty="0" smtClean="0"/>
+              <a:t>- 1990</a:t>
+            </a:r>
+            <a:endParaRPr lang="en-US" sz="3200" b="1" dirty="0"/>
+          </a:p>
+        </p:txBody>
+      </p:sp>
+      <p:sp>
+        <p:nvSpPr>
+          <p:cNvPr id="9" name="TextBox 8"/>
+          <p:cNvSpPr txBox="1"/>
+          <p:nvPr/>
+        </p:nvSpPr>
+        <p:spPr>
+          <a:xfrm>
+            <a:off x="685800" y="4495800"/>
+            <a:ext cx="5410200" cy="369332"/>
+          </a:xfrm>
+          <a:prstGeom prst="rect">
+            <a:avLst/>
+          </a:prstGeom>
+          <a:noFill/>
+        </p:spPr>
+        <p:txBody>
+          <a:bodyPr wrap="square" rtlCol="0">
+            <a:spAutoFit/>
+          </a:bodyPr>
+          <a:lstStyle/>
+          <a:p>
+            <a:r>
+              <a:rPr lang="fr-FR" dirty="0" smtClean="0"/>
+              <a:t>Début de standardisation des équipements RFID.</a:t>
+            </a:r>
+            <a:endParaRPr lang="fr-FR" dirty="0"/>
+          </a:p>
+        </p:txBody>
+      </p:sp>
+      <p:sp>
+        <p:nvSpPr>
+          <p:cNvPr id="10" name="TextBox 9"/>
+          <p:cNvSpPr txBox="1"/>
+          <p:nvPr/>
+        </p:nvSpPr>
+        <p:spPr>
+          <a:xfrm>
+            <a:off x="762000" y="5181600"/>
+            <a:ext cx="1236236" cy="584775"/>
+          </a:xfrm>
+          <a:prstGeom prst="rect">
+            <a:avLst/>
+          </a:prstGeom>
+          <a:noFill/>
+        </p:spPr>
+        <p:txBody>
+          <a:bodyPr wrap="none" rtlCol="0">
+            <a:spAutoFit/>
+          </a:bodyPr>
+          <a:lstStyle/>
+          <a:p>
+            <a:r>
+              <a:rPr lang="en-US" sz="3200" b="1" dirty="0" smtClean="0"/>
+              <a:t>- 2005</a:t>
+            </a:r>
+            <a:endParaRPr lang="en-US" sz="3200" b="1" dirty="0"/>
+          </a:p>
+        </p:txBody>
+      </p:sp>
+      <p:sp>
+        <p:nvSpPr>
+          <p:cNvPr id="11" name="TextBox 10"/>
+          <p:cNvSpPr txBox="1"/>
+          <p:nvPr/>
+        </p:nvSpPr>
+        <p:spPr>
+          <a:xfrm>
+            <a:off x="762000" y="5791200"/>
+            <a:ext cx="5410200" cy="646331"/>
+          </a:xfrm>
+          <a:prstGeom prst="rect">
+            <a:avLst/>
+          </a:prstGeom>
+          <a:noFill/>
+        </p:spPr>
+        <p:txBody>
+          <a:bodyPr wrap="square" rtlCol="0">
+            <a:spAutoFit/>
+          </a:bodyPr>
+          <a:lstStyle/>
+          <a:p>
+            <a:r>
+              <a:rPr lang="fr-FR" dirty="0" smtClean="0"/>
+              <a:t>Commercialisation en masse des systèmes RFID, dans le domaine de la logistique et de la traçabilité. </a:t>
+            </a:r>
+            <a:endParaRPr lang="fr-FR" dirty="0"/>
+          </a:p>
+        </p:txBody>
+      </p:sp>
+    </p:spTree>
+  </p:cSld>
+  <p:clrMapOvr>
+    <a:masterClrMapping/>
+  </p:clrMapOvr>
+</p:sld>
+</file>
+
+<file path=ppt/slides/slide9.xml><?xml version="1.0" encoding="utf-8"?>
+<p:sld xmlns:a="http://schemas.openxmlformats.org/drawingml/2006/main" xmlns:r="http://schemas.openxmlformats.org/officeDocument/2006/relationships" xmlns:p="http://schemas.openxmlformats.org/presentationml/2006/main">
+  <p:cSld>
+    <p:spTree>
+      <p:nvGrpSpPr>
+        <p:cNvPr id="1" name=""/>
+        <p:cNvGrpSpPr/>
+        <p:nvPr/>
+      </p:nvGrpSpPr>
+      <p:grpSpPr>
+        <a:xfrm>
+          <a:off x="0" y="0"/>
+          <a:ext cx="0" cy="0"/>
+          <a:chOff x="0" y="0"/>
+          <a:chExt cx="0" cy="0"/>
+        </a:xfrm>
+      </p:grpSpPr>
+      <p:sp>
+        <p:nvSpPr>
+          <p:cNvPr id="2" name="Title 1"/>
+          <p:cNvSpPr>
+            <a:spLocks noGrp="1"/>
+          </p:cNvSpPr>
+          <p:nvPr>
+            <p:ph type="title"/>
+          </p:nvPr>
+        </p:nvSpPr>
+        <p:spPr>
+          <a:xfrm>
+            <a:off x="457200" y="2309019"/>
+            <a:ext cx="8229600" cy="2239962"/>
+          </a:xfrm>
+        </p:spPr>
+        <p:txBody>
+          <a:bodyPr>
+            <a:noAutofit/>
+          </a:bodyPr>
+          <a:lstStyle/>
+          <a:p>
+            <a:r>
+              <a:rPr lang="fr-FR" sz="6600" dirty="0" smtClean="0"/>
+              <a:t>Les composants d’un système RFID</a:t>
+            </a:r>
+            <a:endParaRPr lang="fr-FR" sz="6600" dirty="0"/>
+          </a:p>
+        </p:txBody>
+      </p:sp>
+    </p:spTree>
+  </p:cSld>
+  <p:clrMapOvr>
+    <a:masterClrMapping/>
+  </p:clrMapOvr>
 </p:sld>
 </file>
 

--- a/RFID.pptx
+++ b/RFID.pptx
@@ -13,10 +13,18 @@
     <p:sldId id="259" r:id="rId7"/>
     <p:sldId id="262" r:id="rId8"/>
     <p:sldId id="263" r:id="rId9"/>
-    <p:sldId id="264" r:id="rId10"/>
-    <p:sldId id="266" r:id="rId11"/>
-    <p:sldId id="267" r:id="rId12"/>
-    <p:sldId id="268" r:id="rId13"/>
+    <p:sldId id="269" r:id="rId10"/>
+    <p:sldId id="264" r:id="rId11"/>
+    <p:sldId id="266" r:id="rId12"/>
+    <p:sldId id="267" r:id="rId13"/>
+    <p:sldId id="268" r:id="rId14"/>
+    <p:sldId id="270" r:id="rId15"/>
+    <p:sldId id="271" r:id="rId16"/>
+    <p:sldId id="272" r:id="rId17"/>
+    <p:sldId id="273" r:id="rId18"/>
+    <p:sldId id="274" r:id="rId19"/>
+    <p:sldId id="275" r:id="rId20"/>
+    <p:sldId id="276" r:id="rId21"/>
   </p:sldIdLst>
   <p:sldSz cx="9144000" cy="6858000" type="screen4x3"/>
   <p:notesSz cx="6858000" cy="9144000"/>
@@ -300,7 +308,7 @@
             <a:fld id="{1D8BD707-D9CF-40AE-B4C6-C98DA3205C09}" type="datetimeFigureOut">
               <a:rPr lang="en-US" smtClean="0"/>
               <a:pPr/>
-              <a:t>3/26/2016</a:t>
+              <a:t>3/27/2016</a:t>
             </a:fld>
             <a:endParaRPr lang="en-US"/>
           </a:p>
@@ -467,7 +475,7 @@
             <a:fld id="{1D8BD707-D9CF-40AE-B4C6-C98DA3205C09}" type="datetimeFigureOut">
               <a:rPr lang="en-US" smtClean="0"/>
               <a:pPr/>
-              <a:t>3/26/2016</a:t>
+              <a:t>3/27/2016</a:t>
             </a:fld>
             <a:endParaRPr lang="en-US"/>
           </a:p>
@@ -644,7 +652,7 @@
             <a:fld id="{1D8BD707-D9CF-40AE-B4C6-C98DA3205C09}" type="datetimeFigureOut">
               <a:rPr lang="en-US" smtClean="0"/>
               <a:pPr/>
-              <a:t>3/26/2016</a:t>
+              <a:t>3/27/2016</a:t>
             </a:fld>
             <a:endParaRPr lang="en-US"/>
           </a:p>
@@ -811,7 +819,7 @@
             <a:fld id="{1D8BD707-D9CF-40AE-B4C6-C98DA3205C09}" type="datetimeFigureOut">
               <a:rPr lang="en-US" smtClean="0"/>
               <a:pPr/>
-              <a:t>3/26/2016</a:t>
+              <a:t>3/27/2016</a:t>
             </a:fld>
             <a:endParaRPr lang="en-US"/>
           </a:p>
@@ -1054,7 +1062,7 @@
             <a:fld id="{1D8BD707-D9CF-40AE-B4C6-C98DA3205C09}" type="datetimeFigureOut">
               <a:rPr lang="en-US" smtClean="0"/>
               <a:pPr/>
-              <a:t>3/26/2016</a:t>
+              <a:t>3/27/2016</a:t>
             </a:fld>
             <a:endParaRPr lang="en-US"/>
           </a:p>
@@ -1339,7 +1347,7 @@
             <a:fld id="{1D8BD707-D9CF-40AE-B4C6-C98DA3205C09}" type="datetimeFigureOut">
               <a:rPr lang="en-US" smtClean="0"/>
               <a:pPr/>
-              <a:t>3/26/2016</a:t>
+              <a:t>3/27/2016</a:t>
             </a:fld>
             <a:endParaRPr lang="en-US"/>
           </a:p>
@@ -1758,7 +1766,7 @@
             <a:fld id="{1D8BD707-D9CF-40AE-B4C6-C98DA3205C09}" type="datetimeFigureOut">
               <a:rPr lang="en-US" smtClean="0"/>
               <a:pPr/>
-              <a:t>3/26/2016</a:t>
+              <a:t>3/27/2016</a:t>
             </a:fld>
             <a:endParaRPr lang="en-US"/>
           </a:p>
@@ -1873,7 +1881,7 @@
             <a:fld id="{1D8BD707-D9CF-40AE-B4C6-C98DA3205C09}" type="datetimeFigureOut">
               <a:rPr lang="en-US" smtClean="0"/>
               <a:pPr/>
-              <a:t>3/26/2016</a:t>
+              <a:t>3/27/2016</a:t>
             </a:fld>
             <a:endParaRPr lang="en-US"/>
           </a:p>
@@ -1965,7 +1973,7 @@
             <a:fld id="{1D8BD707-D9CF-40AE-B4C6-C98DA3205C09}" type="datetimeFigureOut">
               <a:rPr lang="en-US" smtClean="0"/>
               <a:pPr/>
-              <a:t>3/26/2016</a:t>
+              <a:t>3/27/2016</a:t>
             </a:fld>
             <a:endParaRPr lang="en-US"/>
           </a:p>
@@ -2239,7 +2247,7 @@
             <a:fld id="{1D8BD707-D9CF-40AE-B4C6-C98DA3205C09}" type="datetimeFigureOut">
               <a:rPr lang="en-US" smtClean="0"/>
               <a:pPr/>
-              <a:t>3/26/2016</a:t>
+              <a:t>3/27/2016</a:t>
             </a:fld>
             <a:endParaRPr lang="en-US"/>
           </a:p>
@@ -2489,7 +2497,7 @@
             <a:fld id="{1D8BD707-D9CF-40AE-B4C6-C98DA3205C09}" type="datetimeFigureOut">
               <a:rPr lang="en-US" smtClean="0"/>
               <a:pPr/>
-              <a:t>3/26/2016</a:t>
+              <a:t>3/27/2016</a:t>
             </a:fld>
             <a:endParaRPr lang="en-US"/>
           </a:p>
@@ -2699,7 +2707,7 @@
             <a:fld id="{1D8BD707-D9CF-40AE-B4C6-C98DA3205C09}" type="datetimeFigureOut">
               <a:rPr lang="en-US" smtClean="0"/>
               <a:pPr/>
-              <a:t>3/26/2016</a:t>
+              <a:t>3/27/2016</a:t>
             </a:fld>
             <a:endParaRPr lang="en-US"/>
           </a:p>
@@ -3216,244 +3224,31 @@
       </p:grpSpPr>
       <p:sp>
         <p:nvSpPr>
-          <p:cNvPr id="2" name="TextBox 1"/>
-          <p:cNvSpPr txBox="1"/>
-          <p:nvPr/>
-        </p:nvSpPr>
-        <p:spPr>
-          <a:xfrm>
-            <a:off x="762000" y="381000"/>
-            <a:ext cx="5325112" cy="646331"/>
-          </a:xfrm>
-          <a:prstGeom prst="rect">
-            <a:avLst/>
-          </a:prstGeom>
-          <a:noFill/>
-        </p:spPr>
-        <p:txBody>
-          <a:bodyPr wrap="none" rtlCol="0">
-            <a:spAutoFit/>
+          <p:cNvPr id="2" name="Title 1"/>
+          <p:cNvSpPr>
+            <a:spLocks noGrp="1"/>
+          </p:cNvSpPr>
+          <p:nvPr>
+            <p:ph type="title"/>
+          </p:nvPr>
+        </p:nvSpPr>
+        <p:spPr>
+          <a:xfrm>
+            <a:off x="457200" y="2309019"/>
+            <a:ext cx="8229600" cy="2239962"/>
+          </a:xfrm>
+        </p:spPr>
+        <p:txBody>
+          <a:bodyPr>
+            <a:noAutofit/>
           </a:bodyPr>
           <a:lstStyle/>
           <a:p>
             <a:r>
-              <a:rPr lang="fr-FR" sz="3600" b="1" dirty="0" smtClean="0"/>
-              <a:t>1-  L’étiquette électronique</a:t>
-            </a:r>
-            <a:endParaRPr lang="fr-FR" sz="3600" b="1" dirty="0"/>
-          </a:p>
-        </p:txBody>
-      </p:sp>
-      <p:pic>
-        <p:nvPicPr>
-          <p:cNvPr id="2050" name="Picture 2"/>
-          <p:cNvPicPr>
-            <a:picLocks noChangeAspect="1" noChangeArrowheads="1"/>
-          </p:cNvPicPr>
-          <p:nvPr/>
-        </p:nvPicPr>
-        <p:blipFill>
-          <a:blip r:embed="rId2"/>
-          <a:srcRect/>
-          <a:stretch>
-            <a:fillRect/>
-          </a:stretch>
-        </p:blipFill>
-        <p:spPr bwMode="auto">
-          <a:xfrm>
-            <a:off x="2895600" y="2362200"/>
-            <a:ext cx="3352800" cy="1811594"/>
-          </a:xfrm>
-          <a:prstGeom prst="rect">
-            <a:avLst/>
-          </a:prstGeom>
-          <a:noFill/>
-          <a:ln w="9525">
-            <a:noFill/>
-            <a:miter lim="800000"/>
-            <a:headEnd/>
-            <a:tailEnd/>
-          </a:ln>
-          <a:effectLst/>
-        </p:spPr>
-      </p:pic>
-      <p:sp>
-        <p:nvSpPr>
-          <p:cNvPr id="4" name="TextBox 3"/>
-          <p:cNvSpPr txBox="1"/>
-          <p:nvPr/>
-        </p:nvSpPr>
-        <p:spPr>
-          <a:xfrm>
-            <a:off x="914400" y="1219200"/>
-            <a:ext cx="4264437" cy="369332"/>
-          </a:xfrm>
-          <a:prstGeom prst="rect">
-            <a:avLst/>
-          </a:prstGeom>
-          <a:noFill/>
-        </p:spPr>
-        <p:txBody>
-          <a:bodyPr wrap="none" rtlCol="0">
-            <a:spAutoFit/>
-          </a:bodyPr>
-          <a:lstStyle/>
-          <a:p>
-            <a:r>
-              <a:rPr lang="fr-FR" dirty="0" smtClean="0"/>
-              <a:t>Composée d’une puce reliée à une antenne</a:t>
-            </a:r>
-            <a:endParaRPr lang="fr-FR" dirty="0"/>
-          </a:p>
-        </p:txBody>
-      </p:sp>
-      <p:sp>
-        <p:nvSpPr>
-          <p:cNvPr id="5" name="TextBox 4"/>
-          <p:cNvSpPr txBox="1"/>
-          <p:nvPr/>
-        </p:nvSpPr>
-        <p:spPr>
-          <a:xfrm>
-            <a:off x="914400" y="1600200"/>
-            <a:ext cx="6019800" cy="369332"/>
-          </a:xfrm>
-          <a:prstGeom prst="rect">
-            <a:avLst/>
-          </a:prstGeom>
-          <a:noFill/>
-        </p:spPr>
-        <p:txBody>
-          <a:bodyPr wrap="square" rtlCol="0">
-            <a:spAutoFit/>
-          </a:bodyPr>
-          <a:lstStyle/>
-          <a:p>
-            <a:r>
-              <a:rPr lang="fr-FR" dirty="0" smtClean="0"/>
-              <a:t>Elle est lue par un lecteur qui capte et transmet l’information.</a:t>
-            </a:r>
-            <a:endParaRPr lang="fr-FR" dirty="0"/>
-          </a:p>
-        </p:txBody>
-      </p:sp>
-      <p:sp>
-        <p:nvSpPr>
-          <p:cNvPr id="6" name="TextBox 5"/>
-          <p:cNvSpPr txBox="1"/>
-          <p:nvPr/>
-        </p:nvSpPr>
-        <p:spPr>
-          <a:xfrm>
-            <a:off x="990600" y="4648200"/>
-            <a:ext cx="4184159" cy="369332"/>
-          </a:xfrm>
-          <a:prstGeom prst="rect">
-            <a:avLst/>
-          </a:prstGeom>
-          <a:noFill/>
-        </p:spPr>
-        <p:txBody>
-          <a:bodyPr wrap="none" rtlCol="0">
-            <a:spAutoFit/>
-          </a:bodyPr>
-          <a:lstStyle/>
-          <a:p>
-            <a:r>
-              <a:rPr lang="fr-FR" dirty="0" smtClean="0"/>
-              <a:t>On distingue 3 catégories d’étiquette RFID:</a:t>
-            </a:r>
-            <a:endParaRPr lang="fr-FR" dirty="0"/>
-          </a:p>
-        </p:txBody>
-      </p:sp>
-      <p:sp>
-        <p:nvSpPr>
-          <p:cNvPr id="7" name="TextBox 6"/>
-          <p:cNvSpPr txBox="1"/>
-          <p:nvPr/>
-        </p:nvSpPr>
-        <p:spPr>
-          <a:xfrm>
-            <a:off x="1066800" y="5105400"/>
-            <a:ext cx="4849404" cy="369332"/>
-          </a:xfrm>
-          <a:prstGeom prst="rect">
-            <a:avLst/>
-          </a:prstGeom>
-          <a:noFill/>
-        </p:spPr>
-        <p:txBody>
-          <a:bodyPr wrap="none" rtlCol="0">
-            <a:spAutoFit/>
-          </a:bodyPr>
-          <a:lstStyle/>
-          <a:p>
-            <a:r>
-              <a:rPr lang="fr-FR" dirty="0" smtClean="0"/>
-              <a:t>- Les étiquettes en lecture seule, non modifiables.</a:t>
-            </a:r>
-            <a:endParaRPr lang="fr-FR" dirty="0"/>
-          </a:p>
-        </p:txBody>
-      </p:sp>
-      <p:sp>
-        <p:nvSpPr>
-          <p:cNvPr id="8" name="TextBox 7"/>
-          <p:cNvSpPr txBox="1"/>
-          <p:nvPr/>
-        </p:nvSpPr>
-        <p:spPr>
-          <a:xfrm>
-            <a:off x="1066800" y="5486400"/>
-            <a:ext cx="4804649" cy="369332"/>
-          </a:xfrm>
-          <a:prstGeom prst="rect">
-            <a:avLst/>
-          </a:prstGeom>
-          <a:noFill/>
-        </p:spPr>
-        <p:txBody>
-          <a:bodyPr wrap="none" rtlCol="0">
-            <a:spAutoFit/>
-          </a:bodyPr>
-          <a:lstStyle/>
-          <a:p>
-            <a:r>
-              <a:rPr lang="fr-FR" dirty="0" smtClean="0"/>
-              <a:t>- Les étiquettes écriture une fois lecture multiple.</a:t>
-            </a:r>
-            <a:endParaRPr lang="fr-FR" dirty="0"/>
-          </a:p>
-        </p:txBody>
-      </p:sp>
-      <p:sp>
-        <p:nvSpPr>
-          <p:cNvPr id="9" name="TextBox 8"/>
-          <p:cNvSpPr txBox="1"/>
-          <p:nvPr/>
-        </p:nvSpPr>
-        <p:spPr>
-          <a:xfrm>
-            <a:off x="1066800" y="5867400"/>
-            <a:ext cx="3713261" cy="369332"/>
-          </a:xfrm>
-          <a:prstGeom prst="rect">
-            <a:avLst/>
-          </a:prstGeom>
-          <a:noFill/>
-        </p:spPr>
-        <p:txBody>
-          <a:bodyPr wrap="none" rtlCol="0">
-            <a:spAutoFit/>
-          </a:bodyPr>
-          <a:lstStyle/>
-          <a:p>
-            <a:r>
-              <a:rPr lang="fr-FR" dirty="0" smtClean="0"/>
-              <a:t>- Les étiquettes en lecture réécriture.</a:t>
-            </a:r>
-            <a:endParaRPr lang="fr-FR" dirty="0"/>
+              <a:rPr lang="fr-FR" sz="6600" dirty="0" smtClean="0"/>
+              <a:t>Les composants d’un système RFID</a:t>
+            </a:r>
+            <a:endParaRPr lang="fr-FR" sz="6600" dirty="0"/>
           </a:p>
         </p:txBody>
       </p:sp>
@@ -3490,8 +3285,8 @@
         </p:nvSpPr>
         <p:spPr>
           <a:xfrm>
-            <a:off x="609600" y="990600"/>
-            <a:ext cx="4473982" cy="369332"/>
+            <a:off x="762000" y="381000"/>
+            <a:ext cx="5325112" cy="646331"/>
           </a:xfrm>
           <a:prstGeom prst="rect">
             <a:avLst/>
@@ -3505,51 +3300,46 @@
           <a:lstStyle/>
           <a:p>
             <a:r>
-              <a:rPr lang="fr-FR" dirty="0" smtClean="0"/>
-              <a:t>Par ailleurs, il existe 3 types d’étiquettes RFID:</a:t>
-            </a:r>
-            <a:endParaRPr lang="fr-FR" dirty="0"/>
-          </a:p>
-        </p:txBody>
-      </p:sp>
-      <p:sp>
-        <p:nvSpPr>
-          <p:cNvPr id="3" name="TextBox 2"/>
-          <p:cNvSpPr txBox="1"/>
+              <a:rPr lang="fr-FR" sz="3600" b="1" dirty="0" smtClean="0"/>
+              <a:t>1-  L’étiquette électronique</a:t>
+            </a:r>
+            <a:endParaRPr lang="fr-FR" sz="3600" b="1" dirty="0"/>
+          </a:p>
+        </p:txBody>
+      </p:sp>
+      <p:pic>
+        <p:nvPicPr>
+          <p:cNvPr id="2050" name="Picture 2"/>
+          <p:cNvPicPr>
+            <a:picLocks noChangeAspect="1" noChangeArrowheads="1"/>
+          </p:cNvPicPr>
           <p:nvPr/>
-        </p:nvSpPr>
-        <p:spPr>
-          <a:xfrm>
-            <a:off x="685800" y="1600200"/>
-            <a:ext cx="2466124" cy="369332"/>
+        </p:nvPicPr>
+        <p:blipFill>
+          <a:blip r:embed="rId2"/>
+          <a:srcRect/>
+          <a:stretch>
+            <a:fillRect/>
+          </a:stretch>
+        </p:blipFill>
+        <p:spPr bwMode="auto">
+          <a:xfrm>
+            <a:off x="2895600" y="2362200"/>
+            <a:ext cx="3352800" cy="1811594"/>
           </a:xfrm>
           <a:prstGeom prst="rect">
             <a:avLst/>
           </a:prstGeom>
           <a:noFill/>
-        </p:spPr>
-        <p:txBody>
-          <a:bodyPr wrap="none" rtlCol="0">
-            <a:spAutoFit/>
-          </a:bodyPr>
-          <a:lstStyle/>
-          <a:p>
-            <a:r>
-              <a:rPr lang="fr-FR" dirty="0" smtClean="0"/>
-              <a:t>- </a:t>
-            </a:r>
-            <a:r>
-              <a:rPr lang="fr-FR" b="1" dirty="0" smtClean="0"/>
-              <a:t>Les étiquettes actives</a:t>
-            </a:r>
-            <a:r>
-              <a:rPr lang="fr-FR" dirty="0" smtClean="0"/>
-              <a:t>: </a:t>
-            </a:r>
-            <a:endParaRPr lang="fr-FR" dirty="0"/>
-          </a:p>
-        </p:txBody>
-      </p:sp>
+          <a:ln w="9525">
+            <a:noFill/>
+            <a:miter lim="800000"/>
+            <a:headEnd/>
+            <a:tailEnd/>
+          </a:ln>
+          <a:effectLst/>
+        </p:spPr>
+      </p:pic>
       <p:sp>
         <p:nvSpPr>
           <p:cNvPr id="4" name="TextBox 3"/>
@@ -3558,8 +3348,8 @@
         </p:nvSpPr>
         <p:spPr>
           <a:xfrm>
-            <a:off x="609600" y="2057400"/>
-            <a:ext cx="8001000" cy="646331"/>
+            <a:off x="914400" y="1219200"/>
+            <a:ext cx="4264437" cy="369332"/>
           </a:xfrm>
           <a:prstGeom prst="rect">
             <a:avLst/>
@@ -3567,14 +3357,14 @@
           <a:noFill/>
         </p:spPr>
         <p:txBody>
-          <a:bodyPr wrap="square" rtlCol="0">
+          <a:bodyPr wrap="none" rtlCol="0">
             <a:spAutoFit/>
           </a:bodyPr>
           <a:lstStyle/>
           <a:p>
             <a:r>
               <a:rPr lang="fr-FR" dirty="0" smtClean="0"/>
-              <a:t>Alimentées par leur propre batterie. Elles créent leur propre signal et envoient régulièrement des informations.</a:t>
+              <a:t>Composée d’une puce reliée à une antenne</a:t>
             </a:r>
             <a:endParaRPr lang="fr-FR" dirty="0"/>
           </a:p>
@@ -3588,8 +3378,8 @@
         </p:nvSpPr>
         <p:spPr>
           <a:xfrm>
-            <a:off x="685800" y="3048000"/>
-            <a:ext cx="2595967" cy="369332"/>
+            <a:off x="914400" y="1600200"/>
+            <a:ext cx="6019800" cy="369332"/>
           </a:xfrm>
           <a:prstGeom prst="rect">
             <a:avLst/>
@@ -3597,22 +3387,14 @@
           <a:noFill/>
         </p:spPr>
         <p:txBody>
-          <a:bodyPr wrap="none" rtlCol="0">
+          <a:bodyPr wrap="square" rtlCol="0">
             <a:spAutoFit/>
           </a:bodyPr>
           <a:lstStyle/>
           <a:p>
             <a:r>
               <a:rPr lang="fr-FR" dirty="0" smtClean="0"/>
-              <a:t>- </a:t>
-            </a:r>
-            <a:r>
-              <a:rPr lang="fr-FR" b="1" dirty="0" smtClean="0"/>
-              <a:t>Les étiquettes passives</a:t>
-            </a:r>
-            <a:r>
-              <a:rPr lang="fr-FR" dirty="0" smtClean="0"/>
-              <a:t>: </a:t>
+              <a:t>Elle est lue par un lecteur qui capte et transmet l’information.</a:t>
             </a:r>
             <a:endParaRPr lang="fr-FR" dirty="0"/>
           </a:p>
@@ -3626,8 +3408,8 @@
         </p:nvSpPr>
         <p:spPr>
           <a:xfrm>
-            <a:off x="609600" y="3581400"/>
-            <a:ext cx="8001000" cy="646331"/>
+            <a:off x="990600" y="4648200"/>
+            <a:ext cx="4184159" cy="369332"/>
           </a:xfrm>
           <a:prstGeom prst="rect">
             <a:avLst/>
@@ -3635,14 +3417,14 @@
           <a:noFill/>
         </p:spPr>
         <p:txBody>
-          <a:bodyPr wrap="square" rtlCol="0">
+          <a:bodyPr wrap="none" rtlCol="0">
             <a:spAutoFit/>
           </a:bodyPr>
           <a:lstStyle/>
           <a:p>
             <a:r>
               <a:rPr lang="fr-FR" dirty="0" smtClean="0"/>
-              <a:t>Alimentées par le champs électromagnétique du lecteur. Elles ne font que répondre à des interrogations et à des requêtes d’un lecteur.</a:t>
+              <a:t>On distingue 3 catégories d’étiquette RFID:</a:t>
             </a:r>
             <a:endParaRPr lang="fr-FR" dirty="0"/>
           </a:p>
@@ -3656,8 +3438,8 @@
         </p:nvSpPr>
         <p:spPr>
           <a:xfrm>
-            <a:off x="685800" y="4495800"/>
-            <a:ext cx="3116944" cy="369332"/>
+            <a:off x="1066800" y="5105400"/>
+            <a:ext cx="4849404" cy="369332"/>
           </a:xfrm>
           <a:prstGeom prst="rect">
             <a:avLst/>
@@ -3672,15 +3454,7 @@
           <a:p>
             <a:r>
               <a:rPr lang="fr-FR" dirty="0" smtClean="0"/>
-              <a:t>- </a:t>
-            </a:r>
-            <a:r>
-              <a:rPr lang="fr-FR" b="1" dirty="0" smtClean="0"/>
-              <a:t>Les étiquettes semi-passives</a:t>
-            </a:r>
-            <a:r>
-              <a:rPr lang="fr-FR" dirty="0" smtClean="0"/>
-              <a:t>: </a:t>
+              <a:t>- Les étiquettes en lecture seule, non modifiables.</a:t>
             </a:r>
             <a:endParaRPr lang="fr-FR" dirty="0"/>
           </a:p>
@@ -3694,8 +3468,8 @@
         </p:nvSpPr>
         <p:spPr>
           <a:xfrm>
-            <a:off x="609600" y="4953000"/>
-            <a:ext cx="8001000" cy="646331"/>
+            <a:off x="1066800" y="5486400"/>
+            <a:ext cx="4804649" cy="369332"/>
           </a:xfrm>
           <a:prstGeom prst="rect">
             <a:avLst/>
@@ -3703,14 +3477,44 @@
           <a:noFill/>
         </p:spPr>
         <p:txBody>
-          <a:bodyPr wrap="square" rtlCol="0">
+          <a:bodyPr wrap="none" rtlCol="0">
             <a:spAutoFit/>
           </a:bodyPr>
           <a:lstStyle/>
           <a:p>
             <a:r>
               <a:rPr lang="fr-FR" dirty="0" smtClean="0"/>
-              <a:t>Utilisent leur propre batterie pour le calcul interne, et l’énergie émise par le lecteur pour la communication.</a:t>
+              <a:t>- Les étiquettes écriture une fois lecture multiple.</a:t>
+            </a:r>
+            <a:endParaRPr lang="fr-FR" dirty="0"/>
+          </a:p>
+        </p:txBody>
+      </p:sp>
+      <p:sp>
+        <p:nvSpPr>
+          <p:cNvPr id="9" name="TextBox 8"/>
+          <p:cNvSpPr txBox="1"/>
+          <p:nvPr/>
+        </p:nvSpPr>
+        <p:spPr>
+          <a:xfrm>
+            <a:off x="1066800" y="5867400"/>
+            <a:ext cx="3713261" cy="369332"/>
+          </a:xfrm>
+          <a:prstGeom prst="rect">
+            <a:avLst/>
+          </a:prstGeom>
+          <a:noFill/>
+        </p:spPr>
+        <p:txBody>
+          <a:bodyPr wrap="none" rtlCol="0">
+            <a:spAutoFit/>
+          </a:bodyPr>
+          <a:lstStyle/>
+          <a:p>
+            <a:r>
+              <a:rPr lang="fr-FR" dirty="0" smtClean="0"/>
+              <a:t>- Les étiquettes en lecture réécriture.</a:t>
             </a:r>
             <a:endParaRPr lang="fr-FR" dirty="0"/>
           </a:p>
@@ -3749,8 +3553,8 @@
         </p:nvSpPr>
         <p:spPr>
           <a:xfrm>
-            <a:off x="762000" y="838200"/>
-            <a:ext cx="2721386" cy="646331"/>
+            <a:off x="609600" y="990600"/>
+            <a:ext cx="4473982" cy="369332"/>
           </a:xfrm>
           <a:prstGeom prst="rect">
             <a:avLst/>
@@ -3764,14 +3568,10 @@
           <a:lstStyle/>
           <a:p>
             <a:r>
-              <a:rPr lang="fr-FR" sz="3600" b="1" dirty="0" smtClean="0"/>
-              <a:t>2</a:t>
-            </a:r>
-            <a:r>
-              <a:rPr lang="fr-FR" sz="3600" b="1" dirty="0" smtClean="0"/>
-              <a:t>-  Le Lecteur</a:t>
-            </a:r>
-            <a:endParaRPr lang="fr-FR" sz="3600" b="1" dirty="0"/>
+              <a:rPr lang="fr-FR" dirty="0" smtClean="0"/>
+              <a:t>Par ailleurs, il existe 3 types d’étiquettes RFID:</a:t>
+            </a:r>
+            <a:endParaRPr lang="fr-FR" dirty="0"/>
           </a:p>
         </p:txBody>
       </p:sp>
@@ -3783,8 +3583,8 @@
         </p:nvSpPr>
         <p:spPr>
           <a:xfrm>
-            <a:off x="762000" y="1676400"/>
-            <a:ext cx="7772400" cy="923330"/>
+            <a:off x="685800" y="1600200"/>
+            <a:ext cx="2466124" cy="369332"/>
           </a:xfrm>
           <a:prstGeom prst="rect">
             <a:avLst/>
@@ -3792,14 +3592,22 @@
           <a:noFill/>
         </p:spPr>
         <p:txBody>
-          <a:bodyPr wrap="square" rtlCol="0">
+          <a:bodyPr wrap="none" rtlCol="0">
             <a:spAutoFit/>
           </a:bodyPr>
           <a:lstStyle/>
           <a:p>
             <a:r>
               <a:rPr lang="fr-FR" dirty="0" smtClean="0"/>
-              <a:t>Envoi des ondes radios pour communiquer avec les étiquettes RFID. Il joue le rôle d’un émetteur / récepteur. Il convers les ondes radio en données pourront être lue par un logiciel.</a:t>
+              <a:t>- </a:t>
+            </a:r>
+            <a:r>
+              <a:rPr lang="fr-FR" b="1" dirty="0" smtClean="0"/>
+              <a:t>Les étiquettes actives</a:t>
+            </a:r>
+            <a:r>
+              <a:rPr lang="fr-FR" dirty="0" smtClean="0"/>
+              <a:t>: </a:t>
             </a:r>
             <a:endParaRPr lang="fr-FR" dirty="0"/>
           </a:p>
@@ -3813,8 +3621,8 @@
         </p:nvSpPr>
         <p:spPr>
           <a:xfrm>
-            <a:off x="762000" y="3810000"/>
-            <a:ext cx="3055773" cy="646331"/>
+            <a:off x="609600" y="2057400"/>
+            <a:ext cx="8001000" cy="646331"/>
           </a:xfrm>
           <a:prstGeom prst="rect">
             <a:avLst/>
@@ -3822,16 +3630,16 @@
           <a:noFill/>
         </p:spPr>
         <p:txBody>
-          <a:bodyPr wrap="none" rtlCol="0">
+          <a:bodyPr wrap="square" rtlCol="0">
             <a:spAutoFit/>
           </a:bodyPr>
           <a:lstStyle/>
           <a:p>
             <a:r>
-              <a:rPr lang="fr-FR" sz="3600" b="1" dirty="0" smtClean="0"/>
-              <a:t>3-  L’ordinateur</a:t>
-            </a:r>
-            <a:endParaRPr lang="fr-FR" sz="3600" b="1" dirty="0"/>
+              <a:rPr lang="fr-FR" dirty="0" smtClean="0"/>
+              <a:t>Alimentées par leur propre batterie. Elles créent leur propre signal et envoient régulièrement des informations.</a:t>
+            </a:r>
+            <a:endParaRPr lang="fr-FR" dirty="0"/>
           </a:p>
         </p:txBody>
       </p:sp>
@@ -3843,8 +3651,8 @@
         </p:nvSpPr>
         <p:spPr>
           <a:xfrm>
-            <a:off x="762000" y="4572000"/>
-            <a:ext cx="7772400" cy="923330"/>
+            <a:off x="685800" y="3048000"/>
+            <a:ext cx="2595967" cy="369332"/>
           </a:xfrm>
           <a:prstGeom prst="rect">
             <a:avLst/>
@@ -3852,6 +3660,44 @@
           <a:noFill/>
         </p:spPr>
         <p:txBody>
+          <a:bodyPr wrap="none" rtlCol="0">
+            <a:spAutoFit/>
+          </a:bodyPr>
+          <a:lstStyle/>
+          <a:p>
+            <a:r>
+              <a:rPr lang="fr-FR" dirty="0" smtClean="0"/>
+              <a:t>- </a:t>
+            </a:r>
+            <a:r>
+              <a:rPr lang="fr-FR" b="1" dirty="0" smtClean="0"/>
+              <a:t>Les étiquettes passives</a:t>
+            </a:r>
+            <a:r>
+              <a:rPr lang="fr-FR" dirty="0" smtClean="0"/>
+              <a:t>: </a:t>
+            </a:r>
+            <a:endParaRPr lang="fr-FR" dirty="0"/>
+          </a:p>
+        </p:txBody>
+      </p:sp>
+      <p:sp>
+        <p:nvSpPr>
+          <p:cNvPr id="6" name="TextBox 5"/>
+          <p:cNvSpPr txBox="1"/>
+          <p:nvPr/>
+        </p:nvSpPr>
+        <p:spPr>
+          <a:xfrm>
+            <a:off x="609600" y="3581400"/>
+            <a:ext cx="8001000" cy="646331"/>
+          </a:xfrm>
+          <a:prstGeom prst="rect">
+            <a:avLst/>
+          </a:prstGeom>
+          <a:noFill/>
+        </p:spPr>
+        <p:txBody>
           <a:bodyPr wrap="square" rtlCol="0">
             <a:spAutoFit/>
           </a:bodyPr>
@@ -3859,25 +3705,1047 @@
           <a:p>
             <a:r>
               <a:rPr lang="fr-FR" dirty="0" smtClean="0"/>
-              <a:t>L’ordinateur doit être comporté d’un logiciel RFID pour assurer la gestion des données. </a:t>
-            </a:r>
+              <a:t>Alimentées par le champs électromagnétique du lecteur. Elles ne font que répondre à des interrogations et à des requêtes d’un lecteur.</a:t>
+            </a:r>
+            <a:endParaRPr lang="fr-FR" dirty="0"/>
+          </a:p>
+        </p:txBody>
+      </p:sp>
+      <p:sp>
+        <p:nvSpPr>
+          <p:cNvPr id="7" name="TextBox 6"/>
+          <p:cNvSpPr txBox="1"/>
+          <p:nvPr/>
+        </p:nvSpPr>
+        <p:spPr>
+          <a:xfrm>
+            <a:off x="685800" y="4495800"/>
+            <a:ext cx="3116944" cy="369332"/>
+          </a:xfrm>
+          <a:prstGeom prst="rect">
+            <a:avLst/>
+          </a:prstGeom>
+          <a:noFill/>
+        </p:spPr>
+        <p:txBody>
+          <a:bodyPr wrap="none" rtlCol="0">
+            <a:spAutoFit/>
+          </a:bodyPr>
+          <a:lstStyle/>
+          <a:p>
             <a:r>
               <a:rPr lang="fr-FR" dirty="0" smtClean="0"/>
-              <a:t>Ce </a:t>
+              <a:t>- </a:t>
+            </a:r>
+            <a:r>
+              <a:rPr lang="fr-FR" b="1" dirty="0" smtClean="0"/>
+              <a:t>Les étiquettes semi-passives</a:t>
             </a:r>
             <a:r>
               <a:rPr lang="fr-FR" dirty="0" smtClean="0"/>
-              <a:t>logiciel </a:t>
-            </a:r>
+              <a:t>: </a:t>
+            </a:r>
+            <a:endParaRPr lang="fr-FR" dirty="0"/>
+          </a:p>
+        </p:txBody>
+      </p:sp>
+      <p:sp>
+        <p:nvSpPr>
+          <p:cNvPr id="8" name="TextBox 7"/>
+          <p:cNvSpPr txBox="1"/>
+          <p:nvPr/>
+        </p:nvSpPr>
+        <p:spPr>
+          <a:xfrm>
+            <a:off x="609600" y="4953000"/>
+            <a:ext cx="8001000" cy="646331"/>
+          </a:xfrm>
+          <a:prstGeom prst="rect">
+            <a:avLst/>
+          </a:prstGeom>
+          <a:noFill/>
+        </p:spPr>
+        <p:txBody>
+          <a:bodyPr wrap="square" rtlCol="0">
+            <a:spAutoFit/>
+          </a:bodyPr>
+          <a:lstStyle/>
+          <a:p>
             <a:r>
               <a:rPr lang="fr-FR" dirty="0" smtClean="0"/>
-              <a:t>est </a:t>
-            </a:r>
+              <a:t>Utilisent leur propre batterie pour le calcul interne, et l’énergie émise par le lecteur pour la communication.</a:t>
+            </a:r>
+            <a:endParaRPr lang="fr-FR" dirty="0"/>
+          </a:p>
+        </p:txBody>
+      </p:sp>
+    </p:spTree>
+  </p:cSld>
+  <p:clrMapOvr>
+    <a:masterClrMapping/>
+  </p:clrMapOvr>
+</p:sld>
+</file>
+
+<file path=ppt/slides/slide13.xml><?xml version="1.0" encoding="utf-8"?>
+<p:sld xmlns:a="http://schemas.openxmlformats.org/drawingml/2006/main" xmlns:r="http://schemas.openxmlformats.org/officeDocument/2006/relationships" xmlns:p="http://schemas.openxmlformats.org/presentationml/2006/main">
+  <p:cSld>
+    <p:spTree>
+      <p:nvGrpSpPr>
+        <p:cNvPr id="1" name=""/>
+        <p:cNvGrpSpPr/>
+        <p:nvPr/>
+      </p:nvGrpSpPr>
+      <p:grpSpPr>
+        <a:xfrm>
+          <a:off x="0" y="0"/>
+          <a:ext cx="0" cy="0"/>
+          <a:chOff x="0" y="0"/>
+          <a:chExt cx="0" cy="0"/>
+        </a:xfrm>
+      </p:grpSpPr>
+      <p:sp>
+        <p:nvSpPr>
+          <p:cNvPr id="2" name="TextBox 1"/>
+          <p:cNvSpPr txBox="1"/>
+          <p:nvPr/>
+        </p:nvSpPr>
+        <p:spPr>
+          <a:xfrm>
+            <a:off x="762000" y="838200"/>
+            <a:ext cx="2721386" cy="646331"/>
+          </a:xfrm>
+          <a:prstGeom prst="rect">
+            <a:avLst/>
+          </a:prstGeom>
+          <a:noFill/>
+        </p:spPr>
+        <p:txBody>
+          <a:bodyPr wrap="none" rtlCol="0">
+            <a:spAutoFit/>
+          </a:bodyPr>
+          <a:lstStyle/>
+          <a:p>
+            <a:r>
+              <a:rPr lang="fr-FR" sz="3600" b="1" dirty="0" smtClean="0"/>
+              <a:t>2-  Le Lecteur</a:t>
+            </a:r>
+            <a:endParaRPr lang="fr-FR" sz="3600" b="1" dirty="0"/>
+          </a:p>
+        </p:txBody>
+      </p:sp>
+      <p:sp>
+        <p:nvSpPr>
+          <p:cNvPr id="3" name="TextBox 2"/>
+          <p:cNvSpPr txBox="1"/>
+          <p:nvPr/>
+        </p:nvSpPr>
+        <p:spPr>
+          <a:xfrm>
+            <a:off x="762000" y="1676400"/>
+            <a:ext cx="7772400" cy="923330"/>
+          </a:xfrm>
+          <a:prstGeom prst="rect">
+            <a:avLst/>
+          </a:prstGeom>
+          <a:noFill/>
+        </p:spPr>
+        <p:txBody>
+          <a:bodyPr wrap="square" rtlCol="0">
+            <a:spAutoFit/>
+          </a:bodyPr>
+          <a:lstStyle/>
+          <a:p>
             <a:r>
               <a:rPr lang="fr-FR" dirty="0" smtClean="0"/>
-              <a:t>nécessaire pour traiter les informations contenues dans les puces RFID, et les intégrer dans des bases de données de l’entreprise.</a:t>
+              <a:t>Envoi des ondes radios pour communiquer avec les étiquettes RFID. Il joue le rôle d’un émetteur / récepteur. Il convers les ondes radio en données pourront être lue par un logiciel.</a:t>
             </a:r>
             <a:endParaRPr lang="fr-FR" dirty="0"/>
+          </a:p>
+        </p:txBody>
+      </p:sp>
+      <p:sp>
+        <p:nvSpPr>
+          <p:cNvPr id="4" name="TextBox 3"/>
+          <p:cNvSpPr txBox="1"/>
+          <p:nvPr/>
+        </p:nvSpPr>
+        <p:spPr>
+          <a:xfrm>
+            <a:off x="762000" y="3810000"/>
+            <a:ext cx="3055773" cy="646331"/>
+          </a:xfrm>
+          <a:prstGeom prst="rect">
+            <a:avLst/>
+          </a:prstGeom>
+          <a:noFill/>
+        </p:spPr>
+        <p:txBody>
+          <a:bodyPr wrap="none" rtlCol="0">
+            <a:spAutoFit/>
+          </a:bodyPr>
+          <a:lstStyle/>
+          <a:p>
+            <a:r>
+              <a:rPr lang="fr-FR" sz="3600" b="1" dirty="0" smtClean="0"/>
+              <a:t>3-  L’ordinateur</a:t>
+            </a:r>
+            <a:endParaRPr lang="fr-FR" sz="3600" b="1" dirty="0"/>
+          </a:p>
+        </p:txBody>
+      </p:sp>
+      <p:sp>
+        <p:nvSpPr>
+          <p:cNvPr id="5" name="TextBox 4"/>
+          <p:cNvSpPr txBox="1"/>
+          <p:nvPr/>
+        </p:nvSpPr>
+        <p:spPr>
+          <a:xfrm>
+            <a:off x="762000" y="4572000"/>
+            <a:ext cx="7772400" cy="923330"/>
+          </a:xfrm>
+          <a:prstGeom prst="rect">
+            <a:avLst/>
+          </a:prstGeom>
+          <a:noFill/>
+        </p:spPr>
+        <p:txBody>
+          <a:bodyPr wrap="square" rtlCol="0">
+            <a:spAutoFit/>
+          </a:bodyPr>
+          <a:lstStyle/>
+          <a:p>
+            <a:r>
+              <a:rPr lang="fr-FR" dirty="0" smtClean="0"/>
+              <a:t>L’ordinateur doit être comporté d’un logiciel RFID pour assurer la gestion des données. Ce logiciel est nécessaire pour traiter les informations contenues dans les puces RFID, et les intégrer dans des bases de données de l’entreprise.</a:t>
+            </a:r>
+            <a:endParaRPr lang="fr-FR" dirty="0"/>
+          </a:p>
+        </p:txBody>
+      </p:sp>
+    </p:spTree>
+  </p:cSld>
+  <p:clrMapOvr>
+    <a:masterClrMapping/>
+  </p:clrMapOvr>
+</p:sld>
+</file>
+
+<file path=ppt/slides/slide14.xml><?xml version="1.0" encoding="utf-8"?>
+<p:sld xmlns:a="http://schemas.openxmlformats.org/drawingml/2006/main" xmlns:r="http://schemas.openxmlformats.org/officeDocument/2006/relationships" xmlns:p="http://schemas.openxmlformats.org/presentationml/2006/main">
+  <p:cSld>
+    <p:spTree>
+      <p:nvGrpSpPr>
+        <p:cNvPr id="1" name=""/>
+        <p:cNvGrpSpPr/>
+        <p:nvPr/>
+      </p:nvGrpSpPr>
+      <p:grpSpPr>
+        <a:xfrm>
+          <a:off x="0" y="0"/>
+          <a:ext cx="0" cy="0"/>
+          <a:chOff x="0" y="0"/>
+          <a:chExt cx="0" cy="0"/>
+        </a:xfrm>
+      </p:grpSpPr>
+      <p:sp>
+        <p:nvSpPr>
+          <p:cNvPr id="2" name="Title 1"/>
+          <p:cNvSpPr>
+            <a:spLocks noGrp="1"/>
+          </p:cNvSpPr>
+          <p:nvPr>
+            <p:ph type="title"/>
+          </p:nvPr>
+        </p:nvSpPr>
+        <p:spPr>
+          <a:xfrm>
+            <a:off x="457200" y="2857500"/>
+            <a:ext cx="8229600" cy="1143000"/>
+          </a:xfrm>
+        </p:spPr>
+        <p:txBody>
+          <a:bodyPr>
+            <a:noAutofit/>
+          </a:bodyPr>
+          <a:lstStyle/>
+          <a:p>
+            <a:r>
+              <a:rPr lang="fr-FR" sz="6600" dirty="0" smtClean="0"/>
+              <a:t>Fonctionnement d’un système RFID</a:t>
+            </a:r>
+            <a:endParaRPr lang="fr-FR" sz="6600" dirty="0"/>
+          </a:p>
+        </p:txBody>
+      </p:sp>
+    </p:spTree>
+  </p:cSld>
+  <p:clrMapOvr>
+    <a:masterClrMapping/>
+  </p:clrMapOvr>
+</p:sld>
+</file>
+
+<file path=ppt/slides/slide15.xml><?xml version="1.0" encoding="utf-8"?>
+<p:sld xmlns:a="http://schemas.openxmlformats.org/drawingml/2006/main" xmlns:r="http://schemas.openxmlformats.org/officeDocument/2006/relationships" xmlns:p="http://schemas.openxmlformats.org/presentationml/2006/main">
+  <p:cSld>
+    <p:spTree>
+      <p:nvGrpSpPr>
+        <p:cNvPr id="1" name=""/>
+        <p:cNvGrpSpPr/>
+        <p:nvPr/>
+      </p:nvGrpSpPr>
+      <p:grpSpPr>
+        <a:xfrm>
+          <a:off x="0" y="0"/>
+          <a:ext cx="0" cy="0"/>
+          <a:chOff x="0" y="0"/>
+          <a:chExt cx="0" cy="0"/>
+        </a:xfrm>
+      </p:grpSpPr>
+      <p:pic>
+        <p:nvPicPr>
+          <p:cNvPr id="3" name="Picture 2"/>
+          <p:cNvPicPr/>
+          <p:nvPr/>
+        </p:nvPicPr>
+        <p:blipFill>
+          <a:blip r:embed="rId2"/>
+          <a:srcRect/>
+          <a:stretch>
+            <a:fillRect/>
+          </a:stretch>
+        </p:blipFill>
+        <p:spPr bwMode="auto">
+          <a:xfrm>
+            <a:off x="685800" y="762000"/>
+            <a:ext cx="7772400" cy="5334000"/>
+          </a:xfrm>
+          <a:prstGeom prst="rect">
+            <a:avLst/>
+          </a:prstGeom>
+          <a:noFill/>
+          <a:ln w="9525">
+            <a:noFill/>
+            <a:miter lim="800000"/>
+            <a:headEnd/>
+            <a:tailEnd/>
+          </a:ln>
+        </p:spPr>
+      </p:pic>
+      <p:sp>
+        <p:nvSpPr>
+          <p:cNvPr id="5" name="TextBox 4"/>
+          <p:cNvSpPr txBox="1"/>
+          <p:nvPr/>
+        </p:nvSpPr>
+        <p:spPr>
+          <a:xfrm>
+            <a:off x="6934200" y="4648200"/>
+            <a:ext cx="1981200" cy="830997"/>
+          </a:xfrm>
+          <a:prstGeom prst="rect">
+            <a:avLst/>
+          </a:prstGeom>
+          <a:noFill/>
+        </p:spPr>
+        <p:txBody>
+          <a:bodyPr wrap="square" rtlCol="0">
+            <a:spAutoFit/>
+          </a:bodyPr>
+          <a:lstStyle/>
+          <a:p>
+            <a:pPr algn="ctr"/>
+            <a:r>
+              <a:rPr lang="fr-FR" sz="2400" b="1" dirty="0" smtClean="0">
+                <a:solidFill>
+                  <a:schemeClr val="tx2">
+                    <a:lumMod val="60000"/>
+                    <a:lumOff val="40000"/>
+                  </a:schemeClr>
+                </a:solidFill>
+              </a:rPr>
+              <a:t>Transmission                                      d’information</a:t>
+            </a:r>
+            <a:endParaRPr lang="fr-FR" sz="2400" b="1" dirty="0">
+              <a:solidFill>
+                <a:schemeClr val="tx2">
+                  <a:lumMod val="60000"/>
+                  <a:lumOff val="40000"/>
+                </a:schemeClr>
+              </a:solidFill>
+            </a:endParaRPr>
+          </a:p>
+        </p:txBody>
+      </p:sp>
+      <p:sp>
+        <p:nvSpPr>
+          <p:cNvPr id="6" name="Dodecagon 5"/>
+          <p:cNvSpPr/>
+          <p:nvPr/>
+        </p:nvSpPr>
+        <p:spPr>
+          <a:xfrm>
+            <a:off x="7543800" y="3886200"/>
+            <a:ext cx="685800" cy="609600"/>
+          </a:xfrm>
+          <a:prstGeom prst="dodecagon">
+            <a:avLst/>
+          </a:prstGeom>
+        </p:spPr>
+        <p:style>
+          <a:lnRef idx="2">
+            <a:schemeClr val="accent1">
+              <a:shade val="50000"/>
+            </a:schemeClr>
+          </a:lnRef>
+          <a:fillRef idx="1">
+            <a:schemeClr val="accent1"/>
+          </a:fillRef>
+          <a:effectRef idx="0">
+            <a:schemeClr val="accent1"/>
+          </a:effectRef>
+          <a:fontRef idx="minor">
+            <a:schemeClr val="lt1"/>
+          </a:fontRef>
+        </p:style>
+        <p:txBody>
+          <a:bodyPr rtlCol="0" anchor="ctr"/>
+          <a:lstStyle/>
+          <a:p>
+            <a:pPr algn="ctr"/>
+            <a:r>
+              <a:rPr lang="en-US" sz="4000" b="1" dirty="0" smtClean="0"/>
+              <a:t>1</a:t>
+            </a:r>
+            <a:endParaRPr lang="en-US" sz="4000" b="1" dirty="0"/>
+          </a:p>
+        </p:txBody>
+      </p:sp>
+      <p:sp>
+        <p:nvSpPr>
+          <p:cNvPr id="7" name="Dodecagon 6"/>
+          <p:cNvSpPr/>
+          <p:nvPr/>
+        </p:nvSpPr>
+        <p:spPr>
+          <a:xfrm>
+            <a:off x="3429000" y="533400"/>
+            <a:ext cx="685800" cy="609600"/>
+          </a:xfrm>
+          <a:prstGeom prst="dodecagon">
+            <a:avLst/>
+          </a:prstGeom>
+        </p:spPr>
+        <p:style>
+          <a:lnRef idx="2">
+            <a:schemeClr val="accent1">
+              <a:shade val="50000"/>
+            </a:schemeClr>
+          </a:lnRef>
+          <a:fillRef idx="1">
+            <a:schemeClr val="accent1"/>
+          </a:fillRef>
+          <a:effectRef idx="0">
+            <a:schemeClr val="accent1"/>
+          </a:effectRef>
+          <a:fontRef idx="minor">
+            <a:schemeClr val="lt1"/>
+          </a:fontRef>
+        </p:style>
+        <p:txBody>
+          <a:bodyPr rtlCol="0" anchor="ctr"/>
+          <a:lstStyle/>
+          <a:p>
+            <a:pPr algn="ctr"/>
+            <a:r>
+              <a:rPr lang="en-US" sz="4000" b="1" dirty="0" smtClean="0"/>
+              <a:t>2</a:t>
+            </a:r>
+            <a:endParaRPr lang="en-US" sz="4000" b="1" dirty="0"/>
+          </a:p>
+        </p:txBody>
+      </p:sp>
+      <p:sp>
+        <p:nvSpPr>
+          <p:cNvPr id="8" name="TextBox 7"/>
+          <p:cNvSpPr txBox="1"/>
+          <p:nvPr/>
+        </p:nvSpPr>
+        <p:spPr>
+          <a:xfrm>
+            <a:off x="2590800" y="1219200"/>
+            <a:ext cx="2362200" cy="1200329"/>
+          </a:xfrm>
+          <a:prstGeom prst="rect">
+            <a:avLst/>
+          </a:prstGeom>
+          <a:noFill/>
+        </p:spPr>
+        <p:txBody>
+          <a:bodyPr wrap="square" rtlCol="0">
+            <a:spAutoFit/>
+          </a:bodyPr>
+          <a:lstStyle/>
+          <a:p>
+            <a:pPr algn="ctr"/>
+            <a:r>
+              <a:rPr lang="fr-FR" sz="2400" b="1" dirty="0" smtClean="0">
+                <a:solidFill>
+                  <a:schemeClr val="tx2">
+                    <a:lumMod val="60000"/>
+                    <a:lumOff val="40000"/>
+                  </a:schemeClr>
+                </a:solidFill>
+              </a:rPr>
+              <a:t>Conversion des ondes-radio en données</a:t>
+            </a:r>
+            <a:endParaRPr lang="fr-FR" sz="2400" b="1" dirty="0">
+              <a:solidFill>
+                <a:schemeClr val="tx2">
+                  <a:lumMod val="60000"/>
+                  <a:lumOff val="40000"/>
+                </a:schemeClr>
+              </a:solidFill>
+            </a:endParaRPr>
+          </a:p>
+        </p:txBody>
+      </p:sp>
+      <p:sp>
+        <p:nvSpPr>
+          <p:cNvPr id="9" name="Dodecagon 8"/>
+          <p:cNvSpPr/>
+          <p:nvPr/>
+        </p:nvSpPr>
+        <p:spPr>
+          <a:xfrm>
+            <a:off x="1143000" y="1295400"/>
+            <a:ext cx="685800" cy="609600"/>
+          </a:xfrm>
+          <a:prstGeom prst="dodecagon">
+            <a:avLst/>
+          </a:prstGeom>
+        </p:spPr>
+        <p:style>
+          <a:lnRef idx="2">
+            <a:schemeClr val="accent1">
+              <a:shade val="50000"/>
+            </a:schemeClr>
+          </a:lnRef>
+          <a:fillRef idx="1">
+            <a:schemeClr val="accent1"/>
+          </a:fillRef>
+          <a:effectRef idx="0">
+            <a:schemeClr val="accent1"/>
+          </a:effectRef>
+          <a:fontRef idx="minor">
+            <a:schemeClr val="lt1"/>
+          </a:fontRef>
+        </p:style>
+        <p:txBody>
+          <a:bodyPr rtlCol="0" anchor="ctr"/>
+          <a:lstStyle/>
+          <a:p>
+            <a:pPr algn="ctr"/>
+            <a:r>
+              <a:rPr lang="en-US" sz="4000" b="1" dirty="0" smtClean="0"/>
+              <a:t>3</a:t>
+            </a:r>
+            <a:endParaRPr lang="en-US" sz="4000" b="1" dirty="0"/>
+          </a:p>
+        </p:txBody>
+      </p:sp>
+      <p:sp>
+        <p:nvSpPr>
+          <p:cNvPr id="10" name="TextBox 9"/>
+          <p:cNvSpPr txBox="1"/>
+          <p:nvPr/>
+        </p:nvSpPr>
+        <p:spPr>
+          <a:xfrm>
+            <a:off x="304800" y="1981200"/>
+            <a:ext cx="2362200" cy="830997"/>
+          </a:xfrm>
+          <a:prstGeom prst="rect">
+            <a:avLst/>
+          </a:prstGeom>
+          <a:noFill/>
+        </p:spPr>
+        <p:txBody>
+          <a:bodyPr wrap="square" rtlCol="0">
+            <a:spAutoFit/>
+          </a:bodyPr>
+          <a:lstStyle/>
+          <a:p>
+            <a:pPr algn="ctr"/>
+            <a:r>
+              <a:rPr lang="fr-FR" sz="2400" b="1" dirty="0" smtClean="0">
+                <a:solidFill>
+                  <a:schemeClr val="tx2">
+                    <a:lumMod val="60000"/>
+                    <a:lumOff val="40000"/>
+                  </a:schemeClr>
+                </a:solidFill>
+              </a:rPr>
+              <a:t>Traitement des données</a:t>
+            </a:r>
+            <a:endParaRPr lang="fr-FR" sz="2400" b="1" dirty="0">
+              <a:solidFill>
+                <a:schemeClr val="tx2">
+                  <a:lumMod val="60000"/>
+                  <a:lumOff val="40000"/>
+                </a:schemeClr>
+              </a:solidFill>
+            </a:endParaRPr>
+          </a:p>
+        </p:txBody>
+      </p:sp>
+    </p:spTree>
+  </p:cSld>
+  <p:clrMapOvr>
+    <a:masterClrMapping/>
+  </p:clrMapOvr>
+</p:sld>
+</file>
+
+<file path=ppt/slides/slide16.xml><?xml version="1.0" encoding="utf-8"?>
+<p:sld xmlns:a="http://schemas.openxmlformats.org/drawingml/2006/main" xmlns:r="http://schemas.openxmlformats.org/officeDocument/2006/relationships" xmlns:p="http://schemas.openxmlformats.org/presentationml/2006/main">
+  <p:cSld>
+    <p:spTree>
+      <p:nvGrpSpPr>
+        <p:cNvPr id="1" name=""/>
+        <p:cNvGrpSpPr/>
+        <p:nvPr/>
+      </p:nvGrpSpPr>
+      <p:grpSpPr>
+        <a:xfrm>
+          <a:off x="0" y="0"/>
+          <a:ext cx="0" cy="0"/>
+          <a:chOff x="0" y="0"/>
+          <a:chExt cx="0" cy="0"/>
+        </a:xfrm>
+      </p:grpSpPr>
+      <p:sp>
+        <p:nvSpPr>
+          <p:cNvPr id="2" name="Title 1"/>
+          <p:cNvSpPr>
+            <a:spLocks noGrp="1"/>
+          </p:cNvSpPr>
+          <p:nvPr>
+            <p:ph type="title"/>
+          </p:nvPr>
+        </p:nvSpPr>
+        <p:spPr>
+          <a:xfrm>
+            <a:off x="457200" y="2857500"/>
+            <a:ext cx="8229600" cy="1143000"/>
+          </a:xfrm>
+        </p:spPr>
+        <p:txBody>
+          <a:bodyPr/>
+          <a:lstStyle/>
+          <a:p>
+            <a:r>
+              <a:rPr lang="fr-FR" dirty="0" smtClean="0"/>
+              <a:t>Protocoles de communication</a:t>
+            </a:r>
+            <a:endParaRPr lang="fr-FR" dirty="0"/>
+          </a:p>
+        </p:txBody>
+      </p:sp>
+    </p:spTree>
+  </p:cSld>
+  <p:clrMapOvr>
+    <a:masterClrMapping/>
+  </p:clrMapOvr>
+</p:sld>
+</file>
+
+<file path=ppt/slides/slide17.xml><?xml version="1.0" encoding="utf-8"?>
+<p:sld xmlns:a="http://schemas.openxmlformats.org/drawingml/2006/main" xmlns:r="http://schemas.openxmlformats.org/officeDocument/2006/relationships" xmlns:p="http://schemas.openxmlformats.org/presentationml/2006/main">
+  <p:cSld>
+    <p:spTree>
+      <p:nvGrpSpPr>
+        <p:cNvPr id="1" name=""/>
+        <p:cNvGrpSpPr/>
+        <p:nvPr/>
+      </p:nvGrpSpPr>
+      <p:grpSpPr>
+        <a:xfrm>
+          <a:off x="0" y="0"/>
+          <a:ext cx="0" cy="0"/>
+          <a:chOff x="0" y="0"/>
+          <a:chExt cx="0" cy="0"/>
+        </a:xfrm>
+      </p:grpSpPr>
+      <p:sp>
+        <p:nvSpPr>
+          <p:cNvPr id="2" name="TextBox 1"/>
+          <p:cNvSpPr txBox="1"/>
+          <p:nvPr/>
+        </p:nvSpPr>
+        <p:spPr>
+          <a:xfrm>
+            <a:off x="762000" y="1371600"/>
+            <a:ext cx="3375796" cy="523220"/>
+          </a:xfrm>
+          <a:prstGeom prst="rect">
+            <a:avLst/>
+          </a:prstGeom>
+          <a:noFill/>
+        </p:spPr>
+        <p:txBody>
+          <a:bodyPr wrap="none" rtlCol="0">
+            <a:spAutoFit/>
+          </a:bodyPr>
+          <a:lstStyle/>
+          <a:p>
+            <a:pPr>
+              <a:buFont typeface="Wingdings" pitchFamily="2" charset="2"/>
+              <a:buChar char="§"/>
+            </a:pPr>
+            <a:r>
+              <a:rPr lang="en-US" sz="2800" b="1" dirty="0" smtClean="0"/>
+              <a:t> TTF (Tag Talks First)</a:t>
+            </a:r>
+            <a:endParaRPr lang="en-US" sz="2800" b="1" dirty="0"/>
+          </a:p>
+        </p:txBody>
+      </p:sp>
+      <p:sp>
+        <p:nvSpPr>
+          <p:cNvPr id="4" name="TextBox 3"/>
+          <p:cNvSpPr txBox="1"/>
+          <p:nvPr/>
+        </p:nvSpPr>
+        <p:spPr>
+          <a:xfrm>
+            <a:off x="762000" y="3048000"/>
+            <a:ext cx="3869136" cy="523220"/>
+          </a:xfrm>
+          <a:prstGeom prst="rect">
+            <a:avLst/>
+          </a:prstGeom>
+          <a:noFill/>
+        </p:spPr>
+        <p:txBody>
+          <a:bodyPr wrap="none" rtlCol="0">
+            <a:spAutoFit/>
+          </a:bodyPr>
+          <a:lstStyle/>
+          <a:p>
+            <a:pPr>
+              <a:buFont typeface="Wingdings" pitchFamily="2" charset="2"/>
+              <a:buChar char="§"/>
+            </a:pPr>
+            <a:r>
+              <a:rPr lang="en-US" sz="2800" b="1" dirty="0" smtClean="0"/>
+              <a:t> </a:t>
+            </a:r>
+            <a:r>
+              <a:rPr lang="en-US" sz="2800" b="1" dirty="0" smtClean="0"/>
+              <a:t>RTF (Reader </a:t>
+            </a:r>
+            <a:r>
+              <a:rPr lang="en-US" sz="2800" b="1" dirty="0" smtClean="0"/>
+              <a:t>Talks First)</a:t>
+            </a:r>
+            <a:endParaRPr lang="en-US" sz="2800" b="1" dirty="0"/>
+          </a:p>
+        </p:txBody>
+      </p:sp>
+      <p:sp>
+        <p:nvSpPr>
+          <p:cNvPr id="5" name="TextBox 4"/>
+          <p:cNvSpPr txBox="1"/>
+          <p:nvPr/>
+        </p:nvSpPr>
+        <p:spPr>
+          <a:xfrm>
+            <a:off x="762000" y="2057400"/>
+            <a:ext cx="6573018" cy="369332"/>
+          </a:xfrm>
+          <a:prstGeom prst="rect">
+            <a:avLst/>
+          </a:prstGeom>
+          <a:noFill/>
+        </p:spPr>
+        <p:txBody>
+          <a:bodyPr wrap="none" rtlCol="0">
+            <a:spAutoFit/>
+          </a:bodyPr>
+          <a:lstStyle/>
+          <a:p>
+            <a:r>
+              <a:rPr lang="fr-FR" dirty="0" smtClean="0"/>
+              <a:t>le tag annonce sa présence à son arrivée dans le champ d’un </a:t>
+            </a:r>
+            <a:r>
+              <a:rPr lang="fr-FR" dirty="0" smtClean="0"/>
+              <a:t>lecteur.</a:t>
+            </a:r>
+            <a:endParaRPr lang="en-US" dirty="0"/>
+          </a:p>
+        </p:txBody>
+      </p:sp>
+      <p:sp>
+        <p:nvSpPr>
+          <p:cNvPr id="6" name="TextBox 5"/>
+          <p:cNvSpPr txBox="1"/>
+          <p:nvPr/>
+        </p:nvSpPr>
+        <p:spPr>
+          <a:xfrm>
+            <a:off x="762000" y="3733800"/>
+            <a:ext cx="7620000" cy="1200329"/>
+          </a:xfrm>
+          <a:prstGeom prst="rect">
+            <a:avLst/>
+          </a:prstGeom>
+          <a:noFill/>
+        </p:spPr>
+        <p:txBody>
+          <a:bodyPr wrap="square" rtlCol="0">
+            <a:spAutoFit/>
+          </a:bodyPr>
+          <a:lstStyle/>
+          <a:p>
+            <a:r>
+              <a:rPr lang="fr-FR" dirty="0" smtClean="0"/>
+              <a:t>le lecteur interroge constamment son environnement afin de détecter la présence de nouveaux arrivants. Une requête est propagée régulièrement et, lorsqu’un transpondeur entre dans le champ et est capable de répondre, il renvoie une réponse annonçant sa présence.</a:t>
+            </a:r>
+            <a:endParaRPr lang="en-US" dirty="0"/>
+          </a:p>
+        </p:txBody>
+      </p:sp>
+    </p:spTree>
+  </p:cSld>
+  <p:clrMapOvr>
+    <a:masterClrMapping/>
+  </p:clrMapOvr>
+</p:sld>
+</file>
+
+<file path=ppt/slides/slide18.xml><?xml version="1.0" encoding="utf-8"?>
+<p:sld xmlns:a="http://schemas.openxmlformats.org/drawingml/2006/main" xmlns:r="http://schemas.openxmlformats.org/officeDocument/2006/relationships" xmlns:p="http://schemas.openxmlformats.org/presentationml/2006/main">
+  <p:cSld>
+    <p:spTree>
+      <p:nvGrpSpPr>
+        <p:cNvPr id="1" name=""/>
+        <p:cNvGrpSpPr/>
+        <p:nvPr/>
+      </p:nvGrpSpPr>
+      <p:grpSpPr>
+        <a:xfrm>
+          <a:off x="0" y="0"/>
+          <a:ext cx="0" cy="0"/>
+          <a:chOff x="0" y="0"/>
+          <a:chExt cx="0" cy="0"/>
+        </a:xfrm>
+      </p:grpSpPr>
+      <p:sp>
+        <p:nvSpPr>
+          <p:cNvPr id="2" name="Title 1"/>
+          <p:cNvSpPr>
+            <a:spLocks noGrp="1"/>
+          </p:cNvSpPr>
+          <p:nvPr>
+            <p:ph type="title"/>
+          </p:nvPr>
+        </p:nvSpPr>
+        <p:spPr>
+          <a:xfrm>
+            <a:off x="457200" y="2857500"/>
+            <a:ext cx="8229600" cy="1143000"/>
+          </a:xfrm>
+        </p:spPr>
+        <p:txBody>
+          <a:bodyPr>
+            <a:noAutofit/>
+          </a:bodyPr>
+          <a:lstStyle/>
+          <a:p>
+            <a:r>
+              <a:rPr lang="fr-FR" sz="6600" dirty="0" smtClean="0"/>
+              <a:t>Les caractéristiques d’un système RFID</a:t>
+            </a:r>
+            <a:endParaRPr lang="fr-FR" sz="6600" dirty="0"/>
+          </a:p>
+        </p:txBody>
+      </p:sp>
+    </p:spTree>
+  </p:cSld>
+  <p:clrMapOvr>
+    <a:masterClrMapping/>
+  </p:clrMapOvr>
+</p:sld>
+</file>
+
+<file path=ppt/slides/slide19.xml><?xml version="1.0" encoding="utf-8"?>
+<p:sld xmlns:a="http://schemas.openxmlformats.org/drawingml/2006/main" xmlns:r="http://schemas.openxmlformats.org/officeDocument/2006/relationships" xmlns:p="http://schemas.openxmlformats.org/presentationml/2006/main">
+  <p:cSld>
+    <p:spTree>
+      <p:nvGrpSpPr>
+        <p:cNvPr id="1" name=""/>
+        <p:cNvGrpSpPr/>
+        <p:nvPr/>
+      </p:nvGrpSpPr>
+      <p:grpSpPr>
+        <a:xfrm>
+          <a:off x="0" y="0"/>
+          <a:ext cx="0" cy="0"/>
+          <a:chOff x="0" y="0"/>
+          <a:chExt cx="0" cy="0"/>
+        </a:xfrm>
+      </p:grpSpPr>
+      <p:sp>
+        <p:nvSpPr>
+          <p:cNvPr id="2" name="TextBox 1"/>
+          <p:cNvSpPr txBox="1"/>
+          <p:nvPr/>
+        </p:nvSpPr>
+        <p:spPr>
+          <a:xfrm>
+            <a:off x="838200" y="1447800"/>
+            <a:ext cx="4793300" cy="523220"/>
+          </a:xfrm>
+          <a:prstGeom prst="rect">
+            <a:avLst/>
+          </a:prstGeom>
+          <a:noFill/>
+        </p:spPr>
+        <p:txBody>
+          <a:bodyPr wrap="none" rtlCol="0">
+            <a:spAutoFit/>
+          </a:bodyPr>
+          <a:lstStyle/>
+          <a:p>
+            <a:r>
+              <a:rPr lang="fr-FR" sz="2800" b="1" dirty="0" smtClean="0"/>
+              <a:t>- Fréquence de communication</a:t>
+            </a:r>
+            <a:endParaRPr lang="fr-FR" sz="2800" b="1" dirty="0"/>
+          </a:p>
+        </p:txBody>
+      </p:sp>
+      <p:sp>
+        <p:nvSpPr>
+          <p:cNvPr id="3" name="TextBox 2"/>
+          <p:cNvSpPr txBox="1"/>
+          <p:nvPr/>
+        </p:nvSpPr>
+        <p:spPr>
+          <a:xfrm>
+            <a:off x="838200" y="2133600"/>
+            <a:ext cx="4385111" cy="523220"/>
+          </a:xfrm>
+          <a:prstGeom prst="rect">
+            <a:avLst/>
+          </a:prstGeom>
+          <a:noFill/>
+        </p:spPr>
+        <p:txBody>
+          <a:bodyPr wrap="none" rtlCol="0">
+            <a:spAutoFit/>
+          </a:bodyPr>
+          <a:lstStyle/>
+          <a:p>
+            <a:r>
+              <a:rPr lang="fr-FR" sz="2800" b="1" dirty="0" smtClean="0"/>
+              <a:t>- Origine et nature d’énergie</a:t>
+            </a:r>
+            <a:endParaRPr lang="fr-FR" sz="2800" b="1" dirty="0"/>
+          </a:p>
+        </p:txBody>
+      </p:sp>
+      <p:sp>
+        <p:nvSpPr>
+          <p:cNvPr id="4" name="TextBox 3"/>
+          <p:cNvSpPr txBox="1"/>
+          <p:nvPr/>
+        </p:nvSpPr>
+        <p:spPr>
+          <a:xfrm>
+            <a:off x="838200" y="2819400"/>
+            <a:ext cx="4509248" cy="523220"/>
+          </a:xfrm>
+          <a:prstGeom prst="rect">
+            <a:avLst/>
+          </a:prstGeom>
+          <a:noFill/>
+        </p:spPr>
+        <p:txBody>
+          <a:bodyPr wrap="none" rtlCol="0">
+            <a:spAutoFit/>
+          </a:bodyPr>
+          <a:lstStyle/>
+          <a:p>
+            <a:r>
+              <a:rPr lang="fr-FR" sz="2800" b="1" dirty="0" smtClean="0"/>
+              <a:t>- Distance de communication</a:t>
+            </a:r>
+            <a:endParaRPr lang="fr-FR" sz="2800" b="1" dirty="0"/>
+          </a:p>
+        </p:txBody>
+      </p:sp>
+      <p:sp>
+        <p:nvSpPr>
+          <p:cNvPr id="5" name="TextBox 4"/>
+          <p:cNvSpPr txBox="1"/>
+          <p:nvPr/>
+        </p:nvSpPr>
+        <p:spPr>
+          <a:xfrm>
+            <a:off x="838200" y="3581400"/>
+            <a:ext cx="2583592" cy="523220"/>
+          </a:xfrm>
+          <a:prstGeom prst="rect">
+            <a:avLst/>
+          </a:prstGeom>
+          <a:noFill/>
+        </p:spPr>
+        <p:txBody>
+          <a:bodyPr wrap="none" rtlCol="0">
+            <a:spAutoFit/>
+          </a:bodyPr>
+          <a:lstStyle/>
+          <a:p>
+            <a:r>
+              <a:rPr lang="fr-FR" sz="2800" b="1" dirty="0" smtClean="0"/>
+              <a:t>- Taille mémoire</a:t>
+            </a:r>
+            <a:endParaRPr lang="fr-FR" sz="2800" b="1" dirty="0"/>
+          </a:p>
+        </p:txBody>
+      </p:sp>
+      <p:sp>
+        <p:nvSpPr>
+          <p:cNvPr id="6" name="TextBox 5"/>
+          <p:cNvSpPr txBox="1"/>
+          <p:nvPr/>
+        </p:nvSpPr>
+        <p:spPr>
+          <a:xfrm>
+            <a:off x="838200" y="4267200"/>
+            <a:ext cx="5819222" cy="523220"/>
+          </a:xfrm>
+          <a:prstGeom prst="rect">
+            <a:avLst/>
+          </a:prstGeom>
+          <a:noFill/>
+        </p:spPr>
+        <p:txBody>
+          <a:bodyPr wrap="none" rtlCol="0">
+            <a:spAutoFit/>
+          </a:bodyPr>
+          <a:lstStyle/>
+          <a:p>
+            <a:r>
+              <a:rPr lang="fr-FR" sz="2800" b="1" dirty="0" smtClean="0"/>
+              <a:t>- Nombre des tags lus simultanément</a:t>
+            </a:r>
+            <a:endParaRPr lang="fr-FR" sz="2800" b="1" dirty="0"/>
           </a:p>
         </p:txBody>
       </p:sp>
@@ -3962,6 +4830,1669 @@
 </p:sld>
 </file>
 
+<file path=ppt/slides/slide20.xml><?xml version="1.0" encoding="utf-8"?>
+<p:sld xmlns:a="http://schemas.openxmlformats.org/drawingml/2006/main" xmlns:r="http://schemas.openxmlformats.org/officeDocument/2006/relationships" xmlns:p="http://schemas.openxmlformats.org/presentationml/2006/main">
+  <p:cSld>
+    <p:spTree>
+      <p:nvGrpSpPr>
+        <p:cNvPr id="1" name=""/>
+        <p:cNvGrpSpPr/>
+        <p:nvPr/>
+      </p:nvGrpSpPr>
+      <p:grpSpPr>
+        <a:xfrm>
+          <a:off x="0" y="0"/>
+          <a:ext cx="0" cy="0"/>
+          <a:chOff x="0" y="0"/>
+          <a:chExt cx="0" cy="0"/>
+        </a:xfrm>
+      </p:grpSpPr>
+      <p:graphicFrame>
+        <p:nvGraphicFramePr>
+          <p:cNvPr id="2" name="Table 1"/>
+          <p:cNvGraphicFramePr>
+            <a:graphicFrameLocks noGrp="1"/>
+          </p:cNvGraphicFramePr>
+          <p:nvPr/>
+        </p:nvGraphicFramePr>
+        <p:xfrm>
+          <a:off x="1600200" y="2286000"/>
+          <a:ext cx="5868035" cy="3566160"/>
+        </p:xfrm>
+        <a:graphic>
+          <a:graphicData uri="http://schemas.openxmlformats.org/drawingml/2006/table">
+            <a:tbl>
+              <a:tblPr/>
+              <a:tblGrid>
+                <a:gridCol w="1685290"/>
+                <a:gridCol w="1685290"/>
+                <a:gridCol w="1010285"/>
+                <a:gridCol w="1487170"/>
+              </a:tblGrid>
+              <a:tr h="0">
+                <a:tc rowSpan="2">
+                  <a:txBody>
+                    <a:bodyPr/>
+                    <a:lstStyle/>
+                    <a:p>
+                      <a:pPr marL="0" marR="0" algn="ctr">
+                        <a:lnSpc>
+                          <a:spcPct val="150000"/>
+                        </a:lnSpc>
+                        <a:spcBef>
+                          <a:spcPts val="0"/>
+                        </a:spcBef>
+                        <a:spcAft>
+                          <a:spcPts val="0"/>
+                        </a:spcAft>
+                      </a:pPr>
+                      <a:r>
+                        <a:rPr lang="fr-FR" sz="1200" dirty="0">
+                          <a:latin typeface="Verdana"/>
+                          <a:ea typeface="Calibri"/>
+                          <a:cs typeface="Arial"/>
+                        </a:rPr>
+                        <a:t>Fréquences</a:t>
+                      </a:r>
+                      <a:endParaRPr lang="en-US" sz="1100" dirty="0">
+                        <a:latin typeface="Calibri"/>
+                        <a:ea typeface="Calibri"/>
+                        <a:cs typeface="Arial"/>
+                      </a:endParaRPr>
+                    </a:p>
+                  </a:txBody>
+                  <a:tcPr marL="73025" marR="73025" marT="91440" marB="91440" anchor="ctr">
+                    <a:lnL w="12700" cap="flat" cmpd="sng" algn="ctr">
+                      <a:solidFill>
+                        <a:srgbClr val="000000"/>
+                      </a:solidFill>
+                      <a:prstDash val="solid"/>
+                      <a:round/>
+                      <a:headEnd type="none" w="med" len="med"/>
+                      <a:tailEnd type="none" w="med" len="med"/>
+                    </a:lnL>
+                    <a:lnR w="12700" cap="flat" cmpd="sng" algn="ctr">
+                      <a:solidFill>
+                        <a:srgbClr val="000000"/>
+                      </a:solidFill>
+                      <a:prstDash val="solid"/>
+                      <a:round/>
+                      <a:headEnd type="none" w="med" len="med"/>
+                      <a:tailEnd type="none" w="med" len="med"/>
+                    </a:lnR>
+                    <a:lnT w="12700" cap="flat" cmpd="sng" algn="ctr">
+                      <a:solidFill>
+                        <a:srgbClr val="000000"/>
+                      </a:solidFill>
+                      <a:prstDash val="solid"/>
+                      <a:round/>
+                      <a:headEnd type="none" w="med" len="med"/>
+                      <a:tailEnd type="none" w="med" len="med"/>
+                    </a:lnT>
+                    <a:lnB w="12700" cap="flat" cmpd="sng" algn="ctr">
+                      <a:solidFill>
+                        <a:srgbClr val="000000"/>
+                      </a:solidFill>
+                      <a:prstDash val="solid"/>
+                      <a:round/>
+                      <a:headEnd type="none" w="med" len="med"/>
+                      <a:tailEnd type="none" w="med" len="med"/>
+                    </a:lnB>
+                  </a:tcPr>
+                </a:tc>
+                <a:tc gridSpan="2">
+                  <a:txBody>
+                    <a:bodyPr/>
+                    <a:lstStyle/>
+                    <a:p>
+                      <a:pPr marL="0" marR="0" algn="ctr">
+                        <a:lnSpc>
+                          <a:spcPct val="150000"/>
+                        </a:lnSpc>
+                        <a:spcBef>
+                          <a:spcPts val="0"/>
+                        </a:spcBef>
+                        <a:spcAft>
+                          <a:spcPts val="0"/>
+                        </a:spcAft>
+                      </a:pPr>
+                      <a:r>
+                        <a:rPr lang="fr-FR" sz="1200">
+                          <a:latin typeface="Verdana"/>
+                          <a:ea typeface="Calibri"/>
+                          <a:cs typeface="Arial"/>
+                        </a:rPr>
+                        <a:t>Caractéristiques de lecture</a:t>
+                      </a:r>
+                      <a:endParaRPr lang="en-US" sz="1100">
+                        <a:latin typeface="Calibri"/>
+                        <a:ea typeface="Calibri"/>
+                        <a:cs typeface="Arial"/>
+                      </a:endParaRPr>
+                    </a:p>
+                  </a:txBody>
+                  <a:tcPr marL="73025" marR="73025" marT="91440" marB="91440" anchor="ctr">
+                    <a:lnL w="12700" cap="flat" cmpd="sng" algn="ctr">
+                      <a:solidFill>
+                        <a:srgbClr val="000000"/>
+                      </a:solidFill>
+                      <a:prstDash val="solid"/>
+                      <a:round/>
+                      <a:headEnd type="none" w="med" len="med"/>
+                      <a:tailEnd type="none" w="med" len="med"/>
+                    </a:lnL>
+                    <a:lnR w="12700" cap="flat" cmpd="sng" algn="ctr">
+                      <a:solidFill>
+                        <a:srgbClr val="000000"/>
+                      </a:solidFill>
+                      <a:prstDash val="solid"/>
+                      <a:round/>
+                      <a:headEnd type="none" w="med" len="med"/>
+                      <a:tailEnd type="none" w="med" len="med"/>
+                    </a:lnR>
+                    <a:lnT w="12700" cap="flat" cmpd="sng" algn="ctr">
+                      <a:solidFill>
+                        <a:srgbClr val="000000"/>
+                      </a:solidFill>
+                      <a:prstDash val="solid"/>
+                      <a:round/>
+                      <a:headEnd type="none" w="med" len="med"/>
+                      <a:tailEnd type="none" w="med" len="med"/>
+                    </a:lnT>
+                    <a:lnB w="12700" cap="flat" cmpd="sng" algn="ctr">
+                      <a:solidFill>
+                        <a:srgbClr val="000000"/>
+                      </a:solidFill>
+                      <a:prstDash val="solid"/>
+                      <a:round/>
+                      <a:headEnd type="none" w="med" len="med"/>
+                      <a:tailEnd type="none" w="med" len="med"/>
+                    </a:lnB>
+                  </a:tcPr>
+                </a:tc>
+                <a:tc hMerge="1">
+                  <a:txBody>
+                    <a:bodyPr/>
+                    <a:lstStyle/>
+                    <a:p>
+                      <a:endParaRPr lang="en-US"/>
+                    </a:p>
+                  </a:txBody>
+                  <a:tcPr/>
+                </a:tc>
+                <a:tc rowSpan="2">
+                  <a:txBody>
+                    <a:bodyPr/>
+                    <a:lstStyle/>
+                    <a:p>
+                      <a:pPr marL="0" marR="0" algn="ctr">
+                        <a:lnSpc>
+                          <a:spcPct val="150000"/>
+                        </a:lnSpc>
+                        <a:spcBef>
+                          <a:spcPts val="0"/>
+                        </a:spcBef>
+                        <a:spcAft>
+                          <a:spcPts val="0"/>
+                        </a:spcAft>
+                      </a:pPr>
+                      <a:r>
+                        <a:rPr lang="fr-FR" sz="1200">
+                          <a:latin typeface="Verdana"/>
+                          <a:ea typeface="Calibri"/>
+                          <a:cs typeface="Arial"/>
+                        </a:rPr>
+                        <a:t>Applications</a:t>
+                      </a:r>
+                      <a:endParaRPr lang="en-US" sz="1100">
+                        <a:latin typeface="Calibri"/>
+                        <a:ea typeface="Calibri"/>
+                        <a:cs typeface="Arial"/>
+                      </a:endParaRPr>
+                    </a:p>
+                  </a:txBody>
+                  <a:tcPr marL="73025" marR="73025" marT="91440" marB="91440" anchor="ctr">
+                    <a:lnL w="12700" cap="flat" cmpd="sng" algn="ctr">
+                      <a:solidFill>
+                        <a:srgbClr val="000000"/>
+                      </a:solidFill>
+                      <a:prstDash val="solid"/>
+                      <a:round/>
+                      <a:headEnd type="none" w="med" len="med"/>
+                      <a:tailEnd type="none" w="med" len="med"/>
+                    </a:lnL>
+                    <a:lnR w="12700" cap="flat" cmpd="sng" algn="ctr">
+                      <a:solidFill>
+                        <a:srgbClr val="000000"/>
+                      </a:solidFill>
+                      <a:prstDash val="solid"/>
+                      <a:round/>
+                      <a:headEnd type="none" w="med" len="med"/>
+                      <a:tailEnd type="none" w="med" len="med"/>
+                    </a:lnR>
+                    <a:lnT w="12700" cap="flat" cmpd="sng" algn="ctr">
+                      <a:solidFill>
+                        <a:srgbClr val="000000"/>
+                      </a:solidFill>
+                      <a:prstDash val="solid"/>
+                      <a:round/>
+                      <a:headEnd type="none" w="med" len="med"/>
+                      <a:tailEnd type="none" w="med" len="med"/>
+                    </a:lnT>
+                    <a:lnB w="12700" cap="flat" cmpd="sng" algn="ctr">
+                      <a:solidFill>
+                        <a:srgbClr val="000000"/>
+                      </a:solidFill>
+                      <a:prstDash val="solid"/>
+                      <a:round/>
+                      <a:headEnd type="none" w="med" len="med"/>
+                      <a:tailEnd type="none" w="med" len="med"/>
+                    </a:lnB>
+                  </a:tcPr>
+                </a:tc>
+              </a:tr>
+              <a:tr h="0">
+                <a:tc vMerge="1">
+                  <a:txBody>
+                    <a:bodyPr/>
+                    <a:lstStyle/>
+                    <a:p>
+                      <a:endParaRPr lang="en-US"/>
+                    </a:p>
+                  </a:txBody>
+                  <a:tcPr/>
+                </a:tc>
+                <a:tc>
+                  <a:txBody>
+                    <a:bodyPr/>
+                    <a:lstStyle/>
+                    <a:p>
+                      <a:pPr marL="0" marR="0" algn="ctr">
+                        <a:lnSpc>
+                          <a:spcPct val="150000"/>
+                        </a:lnSpc>
+                        <a:spcBef>
+                          <a:spcPts val="0"/>
+                        </a:spcBef>
+                        <a:spcAft>
+                          <a:spcPts val="0"/>
+                        </a:spcAft>
+                      </a:pPr>
+                      <a:r>
+                        <a:rPr lang="fr-FR" sz="1200">
+                          <a:latin typeface="Verdana"/>
+                          <a:ea typeface="Calibri"/>
+                          <a:cs typeface="Arial"/>
+                        </a:rPr>
+                        <a:t>Distance</a:t>
+                      </a:r>
+                      <a:endParaRPr lang="en-US" sz="1100">
+                        <a:latin typeface="Calibri"/>
+                        <a:ea typeface="Calibri"/>
+                        <a:cs typeface="Arial"/>
+                      </a:endParaRPr>
+                    </a:p>
+                  </a:txBody>
+                  <a:tcPr marL="73025" marR="73025" marT="91440" marB="91440" anchor="ctr">
+                    <a:lnL w="12700" cap="flat" cmpd="sng" algn="ctr">
+                      <a:solidFill>
+                        <a:srgbClr val="000000"/>
+                      </a:solidFill>
+                      <a:prstDash val="solid"/>
+                      <a:round/>
+                      <a:headEnd type="none" w="med" len="med"/>
+                      <a:tailEnd type="none" w="med" len="med"/>
+                    </a:lnL>
+                    <a:lnR w="12700" cap="flat" cmpd="sng" algn="ctr">
+                      <a:solidFill>
+                        <a:srgbClr val="000000"/>
+                      </a:solidFill>
+                      <a:prstDash val="solid"/>
+                      <a:round/>
+                      <a:headEnd type="none" w="med" len="med"/>
+                      <a:tailEnd type="none" w="med" len="med"/>
+                    </a:lnR>
+                    <a:lnT w="12700" cap="flat" cmpd="sng" algn="ctr">
+                      <a:solidFill>
+                        <a:srgbClr val="000000"/>
+                      </a:solidFill>
+                      <a:prstDash val="solid"/>
+                      <a:round/>
+                      <a:headEnd type="none" w="med" len="med"/>
+                      <a:tailEnd type="none" w="med" len="med"/>
+                    </a:lnT>
+                    <a:lnB w="12700" cap="flat" cmpd="sng" algn="ctr">
+                      <a:solidFill>
+                        <a:srgbClr val="000000"/>
+                      </a:solidFill>
+                      <a:prstDash val="solid"/>
+                      <a:round/>
+                      <a:headEnd type="none" w="med" len="med"/>
+                      <a:tailEnd type="none" w="med" len="med"/>
+                    </a:lnB>
+                  </a:tcPr>
+                </a:tc>
+                <a:tc>
+                  <a:txBody>
+                    <a:bodyPr/>
+                    <a:lstStyle/>
+                    <a:p>
+                      <a:pPr marL="0" marR="0" algn="ctr">
+                        <a:lnSpc>
+                          <a:spcPct val="150000"/>
+                        </a:lnSpc>
+                        <a:spcBef>
+                          <a:spcPts val="0"/>
+                        </a:spcBef>
+                        <a:spcAft>
+                          <a:spcPts val="0"/>
+                        </a:spcAft>
+                      </a:pPr>
+                      <a:r>
+                        <a:rPr lang="fr-FR" sz="1200">
+                          <a:latin typeface="Verdana"/>
+                          <a:ea typeface="Calibri"/>
+                          <a:cs typeface="Arial"/>
+                        </a:rPr>
+                        <a:t>Vitesse</a:t>
+                      </a:r>
+                      <a:endParaRPr lang="en-US" sz="1100">
+                        <a:latin typeface="Calibri"/>
+                        <a:ea typeface="Calibri"/>
+                        <a:cs typeface="Arial"/>
+                      </a:endParaRPr>
+                    </a:p>
+                  </a:txBody>
+                  <a:tcPr marL="73025" marR="73025" marT="91440" marB="91440" anchor="ctr">
+                    <a:lnL w="12700" cap="flat" cmpd="sng" algn="ctr">
+                      <a:solidFill>
+                        <a:srgbClr val="000000"/>
+                      </a:solidFill>
+                      <a:prstDash val="solid"/>
+                      <a:round/>
+                      <a:headEnd type="none" w="med" len="med"/>
+                      <a:tailEnd type="none" w="med" len="med"/>
+                    </a:lnL>
+                    <a:lnR w="12700" cap="flat" cmpd="sng" algn="ctr">
+                      <a:solidFill>
+                        <a:srgbClr val="000000"/>
+                      </a:solidFill>
+                      <a:prstDash val="solid"/>
+                      <a:round/>
+                      <a:headEnd type="none" w="med" len="med"/>
+                      <a:tailEnd type="none" w="med" len="med"/>
+                    </a:lnR>
+                    <a:lnT w="12700" cap="flat" cmpd="sng" algn="ctr">
+                      <a:solidFill>
+                        <a:srgbClr val="000000"/>
+                      </a:solidFill>
+                      <a:prstDash val="solid"/>
+                      <a:round/>
+                      <a:headEnd type="none" w="med" len="med"/>
+                      <a:tailEnd type="none" w="med" len="med"/>
+                    </a:lnT>
+                    <a:lnB w="12700" cap="flat" cmpd="sng" algn="ctr">
+                      <a:solidFill>
+                        <a:srgbClr val="000000"/>
+                      </a:solidFill>
+                      <a:prstDash val="solid"/>
+                      <a:round/>
+                      <a:headEnd type="none" w="med" len="med"/>
+                      <a:tailEnd type="none" w="med" len="med"/>
+                    </a:lnB>
+                  </a:tcPr>
+                </a:tc>
+                <a:tc vMerge="1">
+                  <a:txBody>
+                    <a:bodyPr/>
+                    <a:lstStyle/>
+                    <a:p>
+                      <a:endParaRPr lang="en-US"/>
+                    </a:p>
+                  </a:txBody>
+                  <a:tcPr/>
+                </a:tc>
+              </a:tr>
+              <a:tr h="0">
+                <a:tc>
+                  <a:txBody>
+                    <a:bodyPr/>
+                    <a:lstStyle/>
+                    <a:p>
+                      <a:pPr marL="0" marR="0" algn="ctr">
+                        <a:lnSpc>
+                          <a:spcPct val="150000"/>
+                        </a:lnSpc>
+                        <a:spcBef>
+                          <a:spcPts val="0"/>
+                        </a:spcBef>
+                        <a:spcAft>
+                          <a:spcPts val="0"/>
+                        </a:spcAft>
+                      </a:pPr>
+                      <a:r>
+                        <a:rPr lang="fr-FR" sz="1200">
+                          <a:latin typeface="Verdana"/>
+                          <a:ea typeface="Calibri"/>
+                          <a:cs typeface="Arial"/>
+                        </a:rPr>
+                        <a:t>124 – 135 kHz</a:t>
+                      </a:r>
+                      <a:endParaRPr lang="en-US" sz="1100">
+                        <a:latin typeface="Calibri"/>
+                        <a:ea typeface="Calibri"/>
+                        <a:cs typeface="Arial"/>
+                      </a:endParaRPr>
+                    </a:p>
+                  </a:txBody>
+                  <a:tcPr marL="73025" marR="73025" marT="91440" marB="91440" anchor="ctr">
+                    <a:lnL w="12700" cap="flat" cmpd="sng" algn="ctr">
+                      <a:solidFill>
+                        <a:srgbClr val="000000"/>
+                      </a:solidFill>
+                      <a:prstDash val="solid"/>
+                      <a:round/>
+                      <a:headEnd type="none" w="med" len="med"/>
+                      <a:tailEnd type="none" w="med" len="med"/>
+                    </a:lnL>
+                    <a:lnR w="12700" cap="flat" cmpd="sng" algn="ctr">
+                      <a:solidFill>
+                        <a:srgbClr val="000000"/>
+                      </a:solidFill>
+                      <a:prstDash val="solid"/>
+                      <a:round/>
+                      <a:headEnd type="none" w="med" len="med"/>
+                      <a:tailEnd type="none" w="med" len="med"/>
+                    </a:lnR>
+                    <a:lnT w="12700" cap="flat" cmpd="sng" algn="ctr">
+                      <a:solidFill>
+                        <a:srgbClr val="000000"/>
+                      </a:solidFill>
+                      <a:prstDash val="solid"/>
+                      <a:round/>
+                      <a:headEnd type="none" w="med" len="med"/>
+                      <a:tailEnd type="none" w="med" len="med"/>
+                    </a:lnT>
+                    <a:lnB w="12700" cap="flat" cmpd="sng" algn="ctr">
+                      <a:solidFill>
+                        <a:srgbClr val="000000"/>
+                      </a:solidFill>
+                      <a:prstDash val="solid"/>
+                      <a:round/>
+                      <a:headEnd type="none" w="med" len="med"/>
+                      <a:tailEnd type="none" w="med" len="med"/>
+                    </a:lnB>
+                  </a:tcPr>
+                </a:tc>
+                <a:tc>
+                  <a:txBody>
+                    <a:bodyPr/>
+                    <a:lstStyle/>
+                    <a:p>
+                      <a:pPr marL="0" marR="0" algn="ctr">
+                        <a:lnSpc>
+                          <a:spcPct val="150000"/>
+                        </a:lnSpc>
+                        <a:spcBef>
+                          <a:spcPts val="0"/>
+                        </a:spcBef>
+                        <a:spcAft>
+                          <a:spcPts val="0"/>
+                        </a:spcAft>
+                      </a:pPr>
+                      <a:r>
+                        <a:rPr lang="fr-FR" sz="1200">
+                          <a:latin typeface="Verdana"/>
+                          <a:ea typeface="Calibri"/>
+                          <a:cs typeface="Arial"/>
+                        </a:rPr>
+                        <a:t>Moyenne</a:t>
+                      </a:r>
+                      <a:endParaRPr lang="en-US" sz="1100">
+                        <a:latin typeface="Calibri"/>
+                        <a:ea typeface="Calibri"/>
+                        <a:cs typeface="Arial"/>
+                      </a:endParaRPr>
+                    </a:p>
+                    <a:p>
+                      <a:pPr marL="0" marR="0" algn="ctr">
+                        <a:lnSpc>
+                          <a:spcPct val="150000"/>
+                        </a:lnSpc>
+                        <a:spcBef>
+                          <a:spcPts val="0"/>
+                        </a:spcBef>
+                        <a:spcAft>
+                          <a:spcPts val="0"/>
+                        </a:spcAft>
+                      </a:pPr>
+                      <a:r>
+                        <a:rPr lang="fr-FR" sz="1200">
+                          <a:latin typeface="Verdana"/>
+                          <a:ea typeface="Calibri"/>
+                          <a:cs typeface="Arial"/>
+                        </a:rPr>
+                        <a:t>(10 à 150 cm)</a:t>
+                      </a:r>
+                      <a:endParaRPr lang="en-US" sz="1100">
+                        <a:latin typeface="Calibri"/>
+                        <a:ea typeface="Calibri"/>
+                        <a:cs typeface="Arial"/>
+                      </a:endParaRPr>
+                    </a:p>
+                  </a:txBody>
+                  <a:tcPr marL="73025" marR="73025" marT="91440" marB="91440" anchor="ctr">
+                    <a:lnL w="12700" cap="flat" cmpd="sng" algn="ctr">
+                      <a:solidFill>
+                        <a:srgbClr val="000000"/>
+                      </a:solidFill>
+                      <a:prstDash val="solid"/>
+                      <a:round/>
+                      <a:headEnd type="none" w="med" len="med"/>
+                      <a:tailEnd type="none" w="med" len="med"/>
+                    </a:lnL>
+                    <a:lnR w="12700" cap="flat" cmpd="sng" algn="ctr">
+                      <a:solidFill>
+                        <a:srgbClr val="000000"/>
+                      </a:solidFill>
+                      <a:prstDash val="solid"/>
+                      <a:round/>
+                      <a:headEnd type="none" w="med" len="med"/>
+                      <a:tailEnd type="none" w="med" len="med"/>
+                    </a:lnR>
+                    <a:lnT w="12700" cap="flat" cmpd="sng" algn="ctr">
+                      <a:solidFill>
+                        <a:srgbClr val="000000"/>
+                      </a:solidFill>
+                      <a:prstDash val="solid"/>
+                      <a:round/>
+                      <a:headEnd type="none" w="med" len="med"/>
+                      <a:tailEnd type="none" w="med" len="med"/>
+                    </a:lnT>
+                    <a:lnB w="12700" cap="flat" cmpd="sng" algn="ctr">
+                      <a:solidFill>
+                        <a:srgbClr val="000000"/>
+                      </a:solidFill>
+                      <a:prstDash val="solid"/>
+                      <a:round/>
+                      <a:headEnd type="none" w="med" len="med"/>
+                      <a:tailEnd type="none" w="med" len="med"/>
+                    </a:lnB>
+                  </a:tcPr>
+                </a:tc>
+                <a:tc>
+                  <a:txBody>
+                    <a:bodyPr/>
+                    <a:lstStyle/>
+                    <a:p>
+                      <a:pPr marL="0" marR="0" algn="ctr">
+                        <a:lnSpc>
+                          <a:spcPct val="150000"/>
+                        </a:lnSpc>
+                        <a:spcBef>
+                          <a:spcPts val="0"/>
+                        </a:spcBef>
+                        <a:spcAft>
+                          <a:spcPts val="0"/>
+                        </a:spcAft>
+                      </a:pPr>
+                      <a:r>
+                        <a:rPr lang="fr-FR" sz="1200">
+                          <a:latin typeface="Verdana"/>
+                          <a:ea typeface="Calibri"/>
+                          <a:cs typeface="Arial"/>
+                        </a:rPr>
+                        <a:t>Moyenne</a:t>
+                      </a:r>
+                      <a:endParaRPr lang="en-US" sz="1100">
+                        <a:latin typeface="Calibri"/>
+                        <a:ea typeface="Calibri"/>
+                        <a:cs typeface="Arial"/>
+                      </a:endParaRPr>
+                    </a:p>
+                  </a:txBody>
+                  <a:tcPr marL="73025" marR="73025" marT="91440" marB="91440" anchor="ctr">
+                    <a:lnL w="12700" cap="flat" cmpd="sng" algn="ctr">
+                      <a:solidFill>
+                        <a:srgbClr val="000000"/>
+                      </a:solidFill>
+                      <a:prstDash val="solid"/>
+                      <a:round/>
+                      <a:headEnd type="none" w="med" len="med"/>
+                      <a:tailEnd type="none" w="med" len="med"/>
+                    </a:lnL>
+                    <a:lnR w="12700" cap="flat" cmpd="sng" algn="ctr">
+                      <a:solidFill>
+                        <a:srgbClr val="000000"/>
+                      </a:solidFill>
+                      <a:prstDash val="solid"/>
+                      <a:round/>
+                      <a:headEnd type="none" w="med" len="med"/>
+                      <a:tailEnd type="none" w="med" len="med"/>
+                    </a:lnR>
+                    <a:lnT w="12700" cap="flat" cmpd="sng" algn="ctr">
+                      <a:solidFill>
+                        <a:srgbClr val="000000"/>
+                      </a:solidFill>
+                      <a:prstDash val="solid"/>
+                      <a:round/>
+                      <a:headEnd type="none" w="med" len="med"/>
+                      <a:tailEnd type="none" w="med" len="med"/>
+                    </a:lnT>
+                    <a:lnB w="12700" cap="flat" cmpd="sng" algn="ctr">
+                      <a:solidFill>
+                        <a:srgbClr val="000000"/>
+                      </a:solidFill>
+                      <a:prstDash val="solid"/>
+                      <a:round/>
+                      <a:headEnd type="none" w="med" len="med"/>
+                      <a:tailEnd type="none" w="med" len="med"/>
+                    </a:lnB>
+                  </a:tcPr>
+                </a:tc>
+                <a:tc>
+                  <a:txBody>
+                    <a:bodyPr/>
+                    <a:lstStyle/>
+                    <a:p>
+                      <a:pPr marL="0" marR="0" algn="ctr">
+                        <a:lnSpc>
+                          <a:spcPct val="150000"/>
+                        </a:lnSpc>
+                        <a:spcBef>
+                          <a:spcPts val="0"/>
+                        </a:spcBef>
+                        <a:spcAft>
+                          <a:spcPts val="0"/>
+                        </a:spcAft>
+                      </a:pPr>
+                      <a:r>
+                        <a:rPr lang="fr-FR" sz="1200">
+                          <a:latin typeface="Verdana"/>
+                          <a:ea typeface="Calibri"/>
+                          <a:cs typeface="Arial"/>
+                        </a:rPr>
+                        <a:t>Identification d’animaux</a:t>
+                      </a:r>
+                      <a:endParaRPr lang="en-US" sz="1100">
+                        <a:latin typeface="Calibri"/>
+                        <a:ea typeface="Calibri"/>
+                        <a:cs typeface="Arial"/>
+                      </a:endParaRPr>
+                    </a:p>
+                  </a:txBody>
+                  <a:tcPr marL="73025" marR="73025" marT="91440" marB="91440" anchor="ctr">
+                    <a:lnL w="12700" cap="flat" cmpd="sng" algn="ctr">
+                      <a:solidFill>
+                        <a:srgbClr val="000000"/>
+                      </a:solidFill>
+                      <a:prstDash val="solid"/>
+                      <a:round/>
+                      <a:headEnd type="none" w="med" len="med"/>
+                      <a:tailEnd type="none" w="med" len="med"/>
+                    </a:lnL>
+                    <a:lnR w="12700" cap="flat" cmpd="sng" algn="ctr">
+                      <a:solidFill>
+                        <a:srgbClr val="000000"/>
+                      </a:solidFill>
+                      <a:prstDash val="solid"/>
+                      <a:round/>
+                      <a:headEnd type="none" w="med" len="med"/>
+                      <a:tailEnd type="none" w="med" len="med"/>
+                    </a:lnR>
+                    <a:lnT w="12700" cap="flat" cmpd="sng" algn="ctr">
+                      <a:solidFill>
+                        <a:srgbClr val="000000"/>
+                      </a:solidFill>
+                      <a:prstDash val="solid"/>
+                      <a:round/>
+                      <a:headEnd type="none" w="med" len="med"/>
+                      <a:tailEnd type="none" w="med" len="med"/>
+                    </a:lnT>
+                    <a:lnB w="12700" cap="flat" cmpd="sng" algn="ctr">
+                      <a:solidFill>
+                        <a:srgbClr val="000000"/>
+                      </a:solidFill>
+                      <a:prstDash val="solid"/>
+                      <a:round/>
+                      <a:headEnd type="none" w="med" len="med"/>
+                      <a:tailEnd type="none" w="med" len="med"/>
+                    </a:lnB>
+                  </a:tcPr>
+                </a:tc>
+              </a:tr>
+              <a:tr h="0">
+                <a:tc>
+                  <a:txBody>
+                    <a:bodyPr/>
+                    <a:lstStyle/>
+                    <a:p>
+                      <a:pPr marL="0" marR="0" algn="ctr">
+                        <a:lnSpc>
+                          <a:spcPct val="150000"/>
+                        </a:lnSpc>
+                        <a:spcBef>
+                          <a:spcPts val="0"/>
+                        </a:spcBef>
+                        <a:spcAft>
+                          <a:spcPts val="0"/>
+                        </a:spcAft>
+                      </a:pPr>
+                      <a:r>
+                        <a:rPr lang="fr-FR" sz="1200">
+                          <a:latin typeface="Verdana"/>
+                          <a:ea typeface="Calibri"/>
+                          <a:cs typeface="Arial"/>
+                        </a:rPr>
+                        <a:t>13.56 MHz</a:t>
+                      </a:r>
+                      <a:endParaRPr lang="en-US" sz="1100">
+                        <a:latin typeface="Calibri"/>
+                        <a:ea typeface="Calibri"/>
+                        <a:cs typeface="Arial"/>
+                      </a:endParaRPr>
+                    </a:p>
+                  </a:txBody>
+                  <a:tcPr marL="73025" marR="73025" marT="91440" marB="91440" anchor="ctr">
+                    <a:lnL w="12700" cap="flat" cmpd="sng" algn="ctr">
+                      <a:solidFill>
+                        <a:srgbClr val="000000"/>
+                      </a:solidFill>
+                      <a:prstDash val="solid"/>
+                      <a:round/>
+                      <a:headEnd type="none" w="med" len="med"/>
+                      <a:tailEnd type="none" w="med" len="med"/>
+                    </a:lnL>
+                    <a:lnR w="12700" cap="flat" cmpd="sng" algn="ctr">
+                      <a:solidFill>
+                        <a:srgbClr val="000000"/>
+                      </a:solidFill>
+                      <a:prstDash val="solid"/>
+                      <a:round/>
+                      <a:headEnd type="none" w="med" len="med"/>
+                      <a:tailEnd type="none" w="med" len="med"/>
+                    </a:lnR>
+                    <a:lnT w="12700" cap="flat" cmpd="sng" algn="ctr">
+                      <a:solidFill>
+                        <a:srgbClr val="000000"/>
+                      </a:solidFill>
+                      <a:prstDash val="solid"/>
+                      <a:round/>
+                      <a:headEnd type="none" w="med" len="med"/>
+                      <a:tailEnd type="none" w="med" len="med"/>
+                    </a:lnT>
+                    <a:lnB w="12700" cap="flat" cmpd="sng" algn="ctr">
+                      <a:solidFill>
+                        <a:srgbClr val="000000"/>
+                      </a:solidFill>
+                      <a:prstDash val="solid"/>
+                      <a:round/>
+                      <a:headEnd type="none" w="med" len="med"/>
+                      <a:tailEnd type="none" w="med" len="med"/>
+                    </a:lnB>
+                  </a:tcPr>
+                </a:tc>
+                <a:tc>
+                  <a:txBody>
+                    <a:bodyPr/>
+                    <a:lstStyle/>
+                    <a:p>
+                      <a:pPr marL="0" marR="0" algn="ctr">
+                        <a:lnSpc>
+                          <a:spcPct val="150000"/>
+                        </a:lnSpc>
+                        <a:spcBef>
+                          <a:spcPts val="0"/>
+                        </a:spcBef>
+                        <a:spcAft>
+                          <a:spcPts val="0"/>
+                        </a:spcAft>
+                      </a:pPr>
+                      <a:r>
+                        <a:rPr lang="fr-FR" sz="1200">
+                          <a:latin typeface="Verdana"/>
+                          <a:ea typeface="Calibri"/>
+                          <a:cs typeface="Arial"/>
+                        </a:rPr>
+                        <a:t>Faible</a:t>
+                      </a:r>
+                      <a:endParaRPr lang="en-US" sz="1100">
+                        <a:latin typeface="Calibri"/>
+                        <a:ea typeface="Calibri"/>
+                        <a:cs typeface="Arial"/>
+                      </a:endParaRPr>
+                    </a:p>
+                  </a:txBody>
+                  <a:tcPr marL="73025" marR="73025" marT="91440" marB="91440" anchor="ctr">
+                    <a:lnL w="12700" cap="flat" cmpd="sng" algn="ctr">
+                      <a:solidFill>
+                        <a:srgbClr val="000000"/>
+                      </a:solidFill>
+                      <a:prstDash val="solid"/>
+                      <a:round/>
+                      <a:headEnd type="none" w="med" len="med"/>
+                      <a:tailEnd type="none" w="med" len="med"/>
+                    </a:lnL>
+                    <a:lnR w="12700" cap="flat" cmpd="sng" algn="ctr">
+                      <a:solidFill>
+                        <a:srgbClr val="000000"/>
+                      </a:solidFill>
+                      <a:prstDash val="solid"/>
+                      <a:round/>
+                      <a:headEnd type="none" w="med" len="med"/>
+                      <a:tailEnd type="none" w="med" len="med"/>
+                    </a:lnR>
+                    <a:lnT w="12700" cap="flat" cmpd="sng" algn="ctr">
+                      <a:solidFill>
+                        <a:srgbClr val="000000"/>
+                      </a:solidFill>
+                      <a:prstDash val="solid"/>
+                      <a:round/>
+                      <a:headEnd type="none" w="med" len="med"/>
+                      <a:tailEnd type="none" w="med" len="med"/>
+                    </a:lnT>
+                    <a:lnB w="12700" cap="flat" cmpd="sng" algn="ctr">
+                      <a:solidFill>
+                        <a:srgbClr val="000000"/>
+                      </a:solidFill>
+                      <a:prstDash val="solid"/>
+                      <a:round/>
+                      <a:headEnd type="none" w="med" len="med"/>
+                      <a:tailEnd type="none" w="med" len="med"/>
+                    </a:lnB>
+                  </a:tcPr>
+                </a:tc>
+                <a:tc>
+                  <a:txBody>
+                    <a:bodyPr/>
+                    <a:lstStyle/>
+                    <a:p>
+                      <a:pPr marL="0" marR="0" algn="ctr">
+                        <a:lnSpc>
+                          <a:spcPct val="150000"/>
+                        </a:lnSpc>
+                        <a:spcBef>
+                          <a:spcPts val="0"/>
+                        </a:spcBef>
+                        <a:spcAft>
+                          <a:spcPts val="0"/>
+                        </a:spcAft>
+                      </a:pPr>
+                      <a:endParaRPr lang="fr-FR" sz="1200">
+                        <a:latin typeface="Verdana"/>
+                        <a:ea typeface="Calibri"/>
+                        <a:cs typeface="Arial"/>
+                      </a:endParaRPr>
+                    </a:p>
+                  </a:txBody>
+                  <a:tcPr marL="73025" marR="73025" marT="91440" marB="91440" anchor="ctr">
+                    <a:lnL w="12700" cap="flat" cmpd="sng" algn="ctr">
+                      <a:solidFill>
+                        <a:srgbClr val="000000"/>
+                      </a:solidFill>
+                      <a:prstDash val="solid"/>
+                      <a:round/>
+                      <a:headEnd type="none" w="med" len="med"/>
+                      <a:tailEnd type="none" w="med" len="med"/>
+                    </a:lnL>
+                    <a:lnR w="12700" cap="flat" cmpd="sng" algn="ctr">
+                      <a:solidFill>
+                        <a:srgbClr val="000000"/>
+                      </a:solidFill>
+                      <a:prstDash val="solid"/>
+                      <a:round/>
+                      <a:headEnd type="none" w="med" len="med"/>
+                      <a:tailEnd type="none" w="med" len="med"/>
+                    </a:lnR>
+                    <a:lnT w="12700" cap="flat" cmpd="sng" algn="ctr">
+                      <a:solidFill>
+                        <a:srgbClr val="000000"/>
+                      </a:solidFill>
+                      <a:prstDash val="solid"/>
+                      <a:round/>
+                      <a:headEnd type="none" w="med" len="med"/>
+                      <a:tailEnd type="none" w="med" len="med"/>
+                    </a:lnT>
+                    <a:lnB w="12700" cap="flat" cmpd="sng" algn="ctr">
+                      <a:solidFill>
+                        <a:srgbClr val="000000"/>
+                      </a:solidFill>
+                      <a:prstDash val="solid"/>
+                      <a:round/>
+                      <a:headEnd type="none" w="med" len="med"/>
+                      <a:tailEnd type="none" w="med" len="med"/>
+                    </a:lnB>
+                  </a:tcPr>
+                </a:tc>
+                <a:tc>
+                  <a:txBody>
+                    <a:bodyPr/>
+                    <a:lstStyle/>
+                    <a:p>
+                      <a:pPr marL="0" marR="0" algn="ctr">
+                        <a:lnSpc>
+                          <a:spcPct val="150000"/>
+                        </a:lnSpc>
+                        <a:spcBef>
+                          <a:spcPts val="0"/>
+                        </a:spcBef>
+                        <a:spcAft>
+                          <a:spcPts val="0"/>
+                        </a:spcAft>
+                      </a:pPr>
+                      <a:r>
+                        <a:rPr lang="fr-FR" sz="1200">
+                          <a:latin typeface="Verdana"/>
+                          <a:ea typeface="Calibri"/>
+                          <a:cs typeface="Arial"/>
+                        </a:rPr>
+                        <a:t>Paiement</a:t>
+                      </a:r>
+                      <a:endParaRPr lang="en-US" sz="1100">
+                        <a:latin typeface="Calibri"/>
+                        <a:ea typeface="Calibri"/>
+                        <a:cs typeface="Arial"/>
+                      </a:endParaRPr>
+                    </a:p>
+                  </a:txBody>
+                  <a:tcPr marL="73025" marR="73025" marT="91440" marB="91440" anchor="ctr">
+                    <a:lnL w="12700" cap="flat" cmpd="sng" algn="ctr">
+                      <a:solidFill>
+                        <a:srgbClr val="000000"/>
+                      </a:solidFill>
+                      <a:prstDash val="solid"/>
+                      <a:round/>
+                      <a:headEnd type="none" w="med" len="med"/>
+                      <a:tailEnd type="none" w="med" len="med"/>
+                    </a:lnL>
+                    <a:lnR w="12700" cap="flat" cmpd="sng" algn="ctr">
+                      <a:solidFill>
+                        <a:srgbClr val="000000"/>
+                      </a:solidFill>
+                      <a:prstDash val="solid"/>
+                      <a:round/>
+                      <a:headEnd type="none" w="med" len="med"/>
+                      <a:tailEnd type="none" w="med" len="med"/>
+                    </a:lnR>
+                    <a:lnT w="12700" cap="flat" cmpd="sng" algn="ctr">
+                      <a:solidFill>
+                        <a:srgbClr val="000000"/>
+                      </a:solidFill>
+                      <a:prstDash val="solid"/>
+                      <a:round/>
+                      <a:headEnd type="none" w="med" len="med"/>
+                      <a:tailEnd type="none" w="med" len="med"/>
+                    </a:lnT>
+                    <a:lnB w="12700" cap="flat" cmpd="sng" algn="ctr">
+                      <a:solidFill>
+                        <a:srgbClr val="000000"/>
+                      </a:solidFill>
+                      <a:prstDash val="solid"/>
+                      <a:round/>
+                      <a:headEnd type="none" w="med" len="med"/>
+                      <a:tailEnd type="none" w="med" len="med"/>
+                    </a:lnB>
+                  </a:tcPr>
+                </a:tc>
+              </a:tr>
+              <a:tr h="0">
+                <a:tc>
+                  <a:txBody>
+                    <a:bodyPr/>
+                    <a:lstStyle/>
+                    <a:p>
+                      <a:pPr marL="0" marR="0" algn="ctr">
+                        <a:lnSpc>
+                          <a:spcPct val="150000"/>
+                        </a:lnSpc>
+                        <a:spcBef>
+                          <a:spcPts val="0"/>
+                        </a:spcBef>
+                        <a:spcAft>
+                          <a:spcPts val="0"/>
+                        </a:spcAft>
+                      </a:pPr>
+                      <a:r>
+                        <a:rPr lang="fr-FR" sz="1200">
+                          <a:latin typeface="Verdana"/>
+                          <a:ea typeface="Calibri"/>
+                          <a:cs typeface="Arial"/>
+                        </a:rPr>
+                        <a:t>860 – 960 MHz</a:t>
+                      </a:r>
+                      <a:endParaRPr lang="en-US" sz="1100">
+                        <a:latin typeface="Calibri"/>
+                        <a:ea typeface="Calibri"/>
+                        <a:cs typeface="Arial"/>
+                      </a:endParaRPr>
+                    </a:p>
+                  </a:txBody>
+                  <a:tcPr marL="73025" marR="73025" marT="91440" marB="91440" anchor="ctr">
+                    <a:lnL w="12700" cap="flat" cmpd="sng" algn="ctr">
+                      <a:solidFill>
+                        <a:srgbClr val="000000"/>
+                      </a:solidFill>
+                      <a:prstDash val="solid"/>
+                      <a:round/>
+                      <a:headEnd type="none" w="med" len="med"/>
+                      <a:tailEnd type="none" w="med" len="med"/>
+                    </a:lnL>
+                    <a:lnR w="12700" cap="flat" cmpd="sng" algn="ctr">
+                      <a:solidFill>
+                        <a:srgbClr val="000000"/>
+                      </a:solidFill>
+                      <a:prstDash val="solid"/>
+                      <a:round/>
+                      <a:headEnd type="none" w="med" len="med"/>
+                      <a:tailEnd type="none" w="med" len="med"/>
+                    </a:lnR>
+                    <a:lnT w="12700" cap="flat" cmpd="sng" algn="ctr">
+                      <a:solidFill>
+                        <a:srgbClr val="000000"/>
+                      </a:solidFill>
+                      <a:prstDash val="solid"/>
+                      <a:round/>
+                      <a:headEnd type="none" w="med" len="med"/>
+                      <a:tailEnd type="none" w="med" len="med"/>
+                    </a:lnT>
+                    <a:lnB w="12700" cap="flat" cmpd="sng" algn="ctr">
+                      <a:solidFill>
+                        <a:srgbClr val="000000"/>
+                      </a:solidFill>
+                      <a:prstDash val="solid"/>
+                      <a:round/>
+                      <a:headEnd type="none" w="med" len="med"/>
+                      <a:tailEnd type="none" w="med" len="med"/>
+                    </a:lnB>
+                  </a:tcPr>
+                </a:tc>
+                <a:tc>
+                  <a:txBody>
+                    <a:bodyPr/>
+                    <a:lstStyle/>
+                    <a:p>
+                      <a:pPr marL="0" marR="0" algn="ctr">
+                        <a:lnSpc>
+                          <a:spcPct val="150000"/>
+                        </a:lnSpc>
+                        <a:spcBef>
+                          <a:spcPts val="0"/>
+                        </a:spcBef>
+                        <a:spcAft>
+                          <a:spcPts val="0"/>
+                        </a:spcAft>
+                      </a:pPr>
+                      <a:r>
+                        <a:rPr lang="fr-FR" sz="1200">
+                          <a:latin typeface="Verdana"/>
+                          <a:ea typeface="Calibri"/>
+                          <a:cs typeface="Arial"/>
+                        </a:rPr>
+                        <a:t>Importante</a:t>
+                      </a:r>
+                      <a:endParaRPr lang="en-US" sz="1100">
+                        <a:latin typeface="Calibri"/>
+                        <a:ea typeface="Calibri"/>
+                        <a:cs typeface="Arial"/>
+                      </a:endParaRPr>
+                    </a:p>
+                    <a:p>
+                      <a:pPr marL="0" marR="0" algn="ctr">
+                        <a:lnSpc>
+                          <a:spcPct val="150000"/>
+                        </a:lnSpc>
+                        <a:spcBef>
+                          <a:spcPts val="0"/>
+                        </a:spcBef>
+                        <a:spcAft>
+                          <a:spcPts val="0"/>
+                        </a:spcAft>
+                      </a:pPr>
+                      <a:r>
+                        <a:rPr lang="fr-FR" sz="1200">
+                          <a:latin typeface="Verdana"/>
+                          <a:ea typeface="Calibri"/>
+                          <a:cs typeface="Arial"/>
+                        </a:rPr>
+                        <a:t>Jusqu’à 5 mètres</a:t>
+                      </a:r>
+                      <a:endParaRPr lang="en-US" sz="1100">
+                        <a:latin typeface="Calibri"/>
+                        <a:ea typeface="Calibri"/>
+                        <a:cs typeface="Arial"/>
+                      </a:endParaRPr>
+                    </a:p>
+                  </a:txBody>
+                  <a:tcPr marL="73025" marR="73025" marT="91440" marB="91440" anchor="ctr">
+                    <a:lnL w="12700" cap="flat" cmpd="sng" algn="ctr">
+                      <a:solidFill>
+                        <a:srgbClr val="000000"/>
+                      </a:solidFill>
+                      <a:prstDash val="solid"/>
+                      <a:round/>
+                      <a:headEnd type="none" w="med" len="med"/>
+                      <a:tailEnd type="none" w="med" len="med"/>
+                    </a:lnL>
+                    <a:lnR w="12700" cap="flat" cmpd="sng" algn="ctr">
+                      <a:solidFill>
+                        <a:srgbClr val="000000"/>
+                      </a:solidFill>
+                      <a:prstDash val="solid"/>
+                      <a:round/>
+                      <a:headEnd type="none" w="med" len="med"/>
+                      <a:tailEnd type="none" w="med" len="med"/>
+                    </a:lnR>
+                    <a:lnT w="12700" cap="flat" cmpd="sng" algn="ctr">
+                      <a:solidFill>
+                        <a:srgbClr val="000000"/>
+                      </a:solidFill>
+                      <a:prstDash val="solid"/>
+                      <a:round/>
+                      <a:headEnd type="none" w="med" len="med"/>
+                      <a:tailEnd type="none" w="med" len="med"/>
+                    </a:lnT>
+                    <a:lnB w="12700" cap="flat" cmpd="sng" algn="ctr">
+                      <a:solidFill>
+                        <a:srgbClr val="000000"/>
+                      </a:solidFill>
+                      <a:prstDash val="solid"/>
+                      <a:round/>
+                      <a:headEnd type="none" w="med" len="med"/>
+                      <a:tailEnd type="none" w="med" len="med"/>
+                    </a:lnB>
+                  </a:tcPr>
+                </a:tc>
+                <a:tc>
+                  <a:txBody>
+                    <a:bodyPr/>
+                    <a:lstStyle/>
+                    <a:p>
+                      <a:pPr marL="0" marR="0" algn="ctr">
+                        <a:lnSpc>
+                          <a:spcPct val="150000"/>
+                        </a:lnSpc>
+                        <a:spcBef>
+                          <a:spcPts val="0"/>
+                        </a:spcBef>
+                        <a:spcAft>
+                          <a:spcPts val="0"/>
+                        </a:spcAft>
+                      </a:pPr>
+                      <a:r>
+                        <a:rPr lang="fr-FR" sz="1200">
+                          <a:latin typeface="Verdana"/>
+                          <a:ea typeface="Calibri"/>
+                          <a:cs typeface="Arial"/>
+                        </a:rPr>
+                        <a:t>Importante</a:t>
+                      </a:r>
+                      <a:endParaRPr lang="en-US" sz="1100">
+                        <a:latin typeface="Calibri"/>
+                        <a:ea typeface="Calibri"/>
+                        <a:cs typeface="Arial"/>
+                      </a:endParaRPr>
+                    </a:p>
+                  </a:txBody>
+                  <a:tcPr marL="73025" marR="73025" marT="91440" marB="91440" anchor="ctr">
+                    <a:lnL w="12700" cap="flat" cmpd="sng" algn="ctr">
+                      <a:solidFill>
+                        <a:srgbClr val="000000"/>
+                      </a:solidFill>
+                      <a:prstDash val="solid"/>
+                      <a:round/>
+                      <a:headEnd type="none" w="med" len="med"/>
+                      <a:tailEnd type="none" w="med" len="med"/>
+                    </a:lnL>
+                    <a:lnR w="12700" cap="flat" cmpd="sng" algn="ctr">
+                      <a:solidFill>
+                        <a:srgbClr val="000000"/>
+                      </a:solidFill>
+                      <a:prstDash val="solid"/>
+                      <a:round/>
+                      <a:headEnd type="none" w="med" len="med"/>
+                      <a:tailEnd type="none" w="med" len="med"/>
+                    </a:lnR>
+                    <a:lnT w="12700" cap="flat" cmpd="sng" algn="ctr">
+                      <a:solidFill>
+                        <a:srgbClr val="000000"/>
+                      </a:solidFill>
+                      <a:prstDash val="solid"/>
+                      <a:round/>
+                      <a:headEnd type="none" w="med" len="med"/>
+                      <a:tailEnd type="none" w="med" len="med"/>
+                    </a:lnT>
+                    <a:lnB w="12700" cap="flat" cmpd="sng" algn="ctr">
+                      <a:solidFill>
+                        <a:srgbClr val="000000"/>
+                      </a:solidFill>
+                      <a:prstDash val="solid"/>
+                      <a:round/>
+                      <a:headEnd type="none" w="med" len="med"/>
+                      <a:tailEnd type="none" w="med" len="med"/>
+                    </a:lnB>
+                  </a:tcPr>
+                </a:tc>
+                <a:tc>
+                  <a:txBody>
+                    <a:bodyPr/>
+                    <a:lstStyle/>
+                    <a:p>
+                      <a:pPr marL="0" marR="0" algn="ctr">
+                        <a:lnSpc>
+                          <a:spcPct val="150000"/>
+                        </a:lnSpc>
+                        <a:spcBef>
+                          <a:spcPts val="0"/>
+                        </a:spcBef>
+                        <a:spcAft>
+                          <a:spcPts val="0"/>
+                        </a:spcAft>
+                      </a:pPr>
+                      <a:r>
+                        <a:rPr lang="fr-FR" sz="1200">
+                          <a:latin typeface="Verdana"/>
+                          <a:ea typeface="Calibri"/>
+                          <a:cs typeface="Arial"/>
+                        </a:rPr>
+                        <a:t>Chaine logistique</a:t>
+                      </a:r>
+                      <a:endParaRPr lang="en-US" sz="1100">
+                        <a:latin typeface="Calibri"/>
+                        <a:ea typeface="Calibri"/>
+                        <a:cs typeface="Arial"/>
+                      </a:endParaRPr>
+                    </a:p>
+                  </a:txBody>
+                  <a:tcPr marL="73025" marR="73025" marT="91440" marB="91440" anchor="ctr">
+                    <a:lnL w="12700" cap="flat" cmpd="sng" algn="ctr">
+                      <a:solidFill>
+                        <a:srgbClr val="000000"/>
+                      </a:solidFill>
+                      <a:prstDash val="solid"/>
+                      <a:round/>
+                      <a:headEnd type="none" w="med" len="med"/>
+                      <a:tailEnd type="none" w="med" len="med"/>
+                    </a:lnL>
+                    <a:lnR w="12700" cap="flat" cmpd="sng" algn="ctr">
+                      <a:solidFill>
+                        <a:srgbClr val="000000"/>
+                      </a:solidFill>
+                      <a:prstDash val="solid"/>
+                      <a:round/>
+                      <a:headEnd type="none" w="med" len="med"/>
+                      <a:tailEnd type="none" w="med" len="med"/>
+                    </a:lnR>
+                    <a:lnT w="12700" cap="flat" cmpd="sng" algn="ctr">
+                      <a:solidFill>
+                        <a:srgbClr val="000000"/>
+                      </a:solidFill>
+                      <a:prstDash val="solid"/>
+                      <a:round/>
+                      <a:headEnd type="none" w="med" len="med"/>
+                      <a:tailEnd type="none" w="med" len="med"/>
+                    </a:lnT>
+                    <a:lnB w="12700" cap="flat" cmpd="sng" algn="ctr">
+                      <a:solidFill>
+                        <a:srgbClr val="000000"/>
+                      </a:solidFill>
+                      <a:prstDash val="solid"/>
+                      <a:round/>
+                      <a:headEnd type="none" w="med" len="med"/>
+                      <a:tailEnd type="none" w="med" len="med"/>
+                    </a:lnB>
+                  </a:tcPr>
+                </a:tc>
+              </a:tr>
+              <a:tr h="0">
+                <a:tc>
+                  <a:txBody>
+                    <a:bodyPr/>
+                    <a:lstStyle/>
+                    <a:p>
+                      <a:pPr marL="0" marR="0" algn="ctr">
+                        <a:lnSpc>
+                          <a:spcPct val="150000"/>
+                        </a:lnSpc>
+                        <a:spcBef>
+                          <a:spcPts val="0"/>
+                        </a:spcBef>
+                        <a:spcAft>
+                          <a:spcPts val="0"/>
+                        </a:spcAft>
+                      </a:pPr>
+                      <a:r>
+                        <a:rPr lang="fr-FR" sz="1200">
+                          <a:latin typeface="Verdana"/>
+                          <a:ea typeface="Calibri"/>
+                          <a:cs typeface="Arial"/>
+                        </a:rPr>
+                        <a:t>2.45 GHz</a:t>
+                      </a:r>
+                      <a:endParaRPr lang="en-US" sz="1100">
+                        <a:latin typeface="Calibri"/>
+                        <a:ea typeface="Calibri"/>
+                        <a:cs typeface="Arial"/>
+                      </a:endParaRPr>
+                    </a:p>
+                  </a:txBody>
+                  <a:tcPr marL="73025" marR="73025" marT="91440" marB="91440" anchor="ctr">
+                    <a:lnL w="12700" cap="flat" cmpd="sng" algn="ctr">
+                      <a:solidFill>
+                        <a:srgbClr val="000000"/>
+                      </a:solidFill>
+                      <a:prstDash val="solid"/>
+                      <a:round/>
+                      <a:headEnd type="none" w="med" len="med"/>
+                      <a:tailEnd type="none" w="med" len="med"/>
+                    </a:lnL>
+                    <a:lnR w="12700" cap="flat" cmpd="sng" algn="ctr">
+                      <a:solidFill>
+                        <a:srgbClr val="000000"/>
+                      </a:solidFill>
+                      <a:prstDash val="solid"/>
+                      <a:round/>
+                      <a:headEnd type="none" w="med" len="med"/>
+                      <a:tailEnd type="none" w="med" len="med"/>
+                    </a:lnR>
+                    <a:lnT w="12700" cap="flat" cmpd="sng" algn="ctr">
+                      <a:solidFill>
+                        <a:srgbClr val="000000"/>
+                      </a:solidFill>
+                      <a:prstDash val="solid"/>
+                      <a:round/>
+                      <a:headEnd type="none" w="med" len="med"/>
+                      <a:tailEnd type="none" w="med" len="med"/>
+                    </a:lnT>
+                    <a:lnB w="12700" cap="flat" cmpd="sng" algn="ctr">
+                      <a:solidFill>
+                        <a:srgbClr val="000000"/>
+                      </a:solidFill>
+                      <a:prstDash val="solid"/>
+                      <a:round/>
+                      <a:headEnd type="none" w="med" len="med"/>
+                      <a:tailEnd type="none" w="med" len="med"/>
+                    </a:lnB>
+                  </a:tcPr>
+                </a:tc>
+                <a:tc>
+                  <a:txBody>
+                    <a:bodyPr/>
+                    <a:lstStyle/>
+                    <a:p>
+                      <a:pPr marL="0" marR="0" algn="ctr">
+                        <a:lnSpc>
+                          <a:spcPct val="150000"/>
+                        </a:lnSpc>
+                        <a:spcBef>
+                          <a:spcPts val="0"/>
+                        </a:spcBef>
+                        <a:spcAft>
+                          <a:spcPts val="0"/>
+                        </a:spcAft>
+                      </a:pPr>
+                      <a:r>
+                        <a:rPr lang="fr-FR" sz="1200">
+                          <a:latin typeface="Verdana"/>
+                          <a:ea typeface="Calibri"/>
+                          <a:cs typeface="Arial"/>
+                        </a:rPr>
+                        <a:t>Très grande</a:t>
+                      </a:r>
+                      <a:endParaRPr lang="en-US" sz="1100">
+                        <a:latin typeface="Calibri"/>
+                        <a:ea typeface="Calibri"/>
+                        <a:cs typeface="Arial"/>
+                      </a:endParaRPr>
+                    </a:p>
+                    <a:p>
+                      <a:pPr marL="0" marR="0" algn="ctr">
+                        <a:lnSpc>
+                          <a:spcPct val="150000"/>
+                        </a:lnSpc>
+                        <a:spcBef>
+                          <a:spcPts val="0"/>
+                        </a:spcBef>
+                        <a:spcAft>
+                          <a:spcPts val="0"/>
+                        </a:spcAft>
+                      </a:pPr>
+                      <a:r>
+                        <a:rPr lang="fr-FR" sz="1200">
+                          <a:latin typeface="Verdana"/>
+                          <a:ea typeface="Calibri"/>
+                          <a:cs typeface="Arial"/>
+                        </a:rPr>
+                        <a:t>(&gt; 10 mètres)</a:t>
+                      </a:r>
+                      <a:endParaRPr lang="en-US" sz="1100">
+                        <a:latin typeface="Calibri"/>
+                        <a:ea typeface="Calibri"/>
+                        <a:cs typeface="Arial"/>
+                      </a:endParaRPr>
+                    </a:p>
+                  </a:txBody>
+                  <a:tcPr marL="73025" marR="73025" marT="91440" marB="91440" anchor="ctr">
+                    <a:lnL w="12700" cap="flat" cmpd="sng" algn="ctr">
+                      <a:solidFill>
+                        <a:srgbClr val="000000"/>
+                      </a:solidFill>
+                      <a:prstDash val="solid"/>
+                      <a:round/>
+                      <a:headEnd type="none" w="med" len="med"/>
+                      <a:tailEnd type="none" w="med" len="med"/>
+                    </a:lnL>
+                    <a:lnR w="12700" cap="flat" cmpd="sng" algn="ctr">
+                      <a:solidFill>
+                        <a:srgbClr val="000000"/>
+                      </a:solidFill>
+                      <a:prstDash val="solid"/>
+                      <a:round/>
+                      <a:headEnd type="none" w="med" len="med"/>
+                      <a:tailEnd type="none" w="med" len="med"/>
+                    </a:lnR>
+                    <a:lnT w="12700" cap="flat" cmpd="sng" algn="ctr">
+                      <a:solidFill>
+                        <a:srgbClr val="000000"/>
+                      </a:solidFill>
+                      <a:prstDash val="solid"/>
+                      <a:round/>
+                      <a:headEnd type="none" w="med" len="med"/>
+                      <a:tailEnd type="none" w="med" len="med"/>
+                    </a:lnT>
+                    <a:lnB w="12700" cap="flat" cmpd="sng" algn="ctr">
+                      <a:solidFill>
+                        <a:srgbClr val="000000"/>
+                      </a:solidFill>
+                      <a:prstDash val="solid"/>
+                      <a:round/>
+                      <a:headEnd type="none" w="med" len="med"/>
+                      <a:tailEnd type="none" w="med" len="med"/>
+                    </a:lnB>
+                  </a:tcPr>
+                </a:tc>
+                <a:tc>
+                  <a:txBody>
+                    <a:bodyPr/>
+                    <a:lstStyle/>
+                    <a:p>
+                      <a:pPr marL="0" marR="0" algn="ctr">
+                        <a:lnSpc>
+                          <a:spcPct val="150000"/>
+                        </a:lnSpc>
+                        <a:spcBef>
+                          <a:spcPts val="0"/>
+                        </a:spcBef>
+                        <a:spcAft>
+                          <a:spcPts val="0"/>
+                        </a:spcAft>
+                      </a:pPr>
+                      <a:r>
+                        <a:rPr lang="fr-FR" sz="1200">
+                          <a:latin typeface="Verdana"/>
+                          <a:ea typeface="Calibri"/>
+                          <a:cs typeface="Arial"/>
+                        </a:rPr>
+                        <a:t>Très grande</a:t>
+                      </a:r>
+                      <a:endParaRPr lang="en-US" sz="1100">
+                        <a:latin typeface="Calibri"/>
+                        <a:ea typeface="Calibri"/>
+                        <a:cs typeface="Arial"/>
+                      </a:endParaRPr>
+                    </a:p>
+                  </a:txBody>
+                  <a:tcPr marL="73025" marR="73025" marT="91440" marB="91440" anchor="ctr">
+                    <a:lnL w="12700" cap="flat" cmpd="sng" algn="ctr">
+                      <a:solidFill>
+                        <a:srgbClr val="000000"/>
+                      </a:solidFill>
+                      <a:prstDash val="solid"/>
+                      <a:round/>
+                      <a:headEnd type="none" w="med" len="med"/>
+                      <a:tailEnd type="none" w="med" len="med"/>
+                    </a:lnL>
+                    <a:lnR w="12700" cap="flat" cmpd="sng" algn="ctr">
+                      <a:solidFill>
+                        <a:srgbClr val="000000"/>
+                      </a:solidFill>
+                      <a:prstDash val="solid"/>
+                      <a:round/>
+                      <a:headEnd type="none" w="med" len="med"/>
+                      <a:tailEnd type="none" w="med" len="med"/>
+                    </a:lnR>
+                    <a:lnT w="12700" cap="flat" cmpd="sng" algn="ctr">
+                      <a:solidFill>
+                        <a:srgbClr val="000000"/>
+                      </a:solidFill>
+                      <a:prstDash val="solid"/>
+                      <a:round/>
+                      <a:headEnd type="none" w="med" len="med"/>
+                      <a:tailEnd type="none" w="med" len="med"/>
+                    </a:lnT>
+                    <a:lnB w="12700" cap="flat" cmpd="sng" algn="ctr">
+                      <a:solidFill>
+                        <a:srgbClr val="000000"/>
+                      </a:solidFill>
+                      <a:prstDash val="solid"/>
+                      <a:round/>
+                      <a:headEnd type="none" w="med" len="med"/>
+                      <a:tailEnd type="none" w="med" len="med"/>
+                    </a:lnB>
+                  </a:tcPr>
+                </a:tc>
+                <a:tc>
+                  <a:txBody>
+                    <a:bodyPr/>
+                    <a:lstStyle/>
+                    <a:p>
+                      <a:pPr marL="0" marR="0" algn="ctr">
+                        <a:lnSpc>
+                          <a:spcPct val="150000"/>
+                        </a:lnSpc>
+                        <a:spcBef>
+                          <a:spcPts val="0"/>
+                        </a:spcBef>
+                        <a:spcAft>
+                          <a:spcPts val="0"/>
+                        </a:spcAft>
+                      </a:pPr>
+                      <a:r>
+                        <a:rPr lang="fr-FR" sz="1200" dirty="0">
+                          <a:latin typeface="Verdana"/>
+                          <a:ea typeface="Calibri"/>
+                          <a:cs typeface="Arial"/>
+                        </a:rPr>
+                        <a:t>Péage autoroutier</a:t>
+                      </a:r>
+                      <a:endParaRPr lang="en-US" sz="1100" dirty="0">
+                        <a:latin typeface="Calibri"/>
+                        <a:ea typeface="Calibri"/>
+                        <a:cs typeface="Arial"/>
+                      </a:endParaRPr>
+                    </a:p>
+                  </a:txBody>
+                  <a:tcPr marL="73025" marR="73025" marT="91440" marB="91440" anchor="ctr">
+                    <a:lnL w="12700" cap="flat" cmpd="sng" algn="ctr">
+                      <a:solidFill>
+                        <a:srgbClr val="000000"/>
+                      </a:solidFill>
+                      <a:prstDash val="solid"/>
+                      <a:round/>
+                      <a:headEnd type="none" w="med" len="med"/>
+                      <a:tailEnd type="none" w="med" len="med"/>
+                    </a:lnL>
+                    <a:lnR w="12700" cap="flat" cmpd="sng" algn="ctr">
+                      <a:solidFill>
+                        <a:srgbClr val="000000"/>
+                      </a:solidFill>
+                      <a:prstDash val="solid"/>
+                      <a:round/>
+                      <a:headEnd type="none" w="med" len="med"/>
+                      <a:tailEnd type="none" w="med" len="med"/>
+                    </a:lnR>
+                    <a:lnT w="12700" cap="flat" cmpd="sng" algn="ctr">
+                      <a:solidFill>
+                        <a:srgbClr val="000000"/>
+                      </a:solidFill>
+                      <a:prstDash val="solid"/>
+                      <a:round/>
+                      <a:headEnd type="none" w="med" len="med"/>
+                      <a:tailEnd type="none" w="med" len="med"/>
+                    </a:lnT>
+                    <a:lnB w="12700" cap="flat" cmpd="sng" algn="ctr">
+                      <a:solidFill>
+                        <a:srgbClr val="000000"/>
+                      </a:solidFill>
+                      <a:prstDash val="solid"/>
+                      <a:round/>
+                      <a:headEnd type="none" w="med" len="med"/>
+                      <a:tailEnd type="none" w="med" len="med"/>
+                    </a:lnB>
+                  </a:tcPr>
+                </a:tc>
+              </a:tr>
+            </a:tbl>
+          </a:graphicData>
+        </a:graphic>
+      </p:graphicFrame>
+      <p:sp>
+        <p:nvSpPr>
+          <p:cNvPr id="3" name="TextBox 2"/>
+          <p:cNvSpPr txBox="1"/>
+          <p:nvPr/>
+        </p:nvSpPr>
+        <p:spPr>
+          <a:xfrm>
+            <a:off x="2644132" y="1066800"/>
+            <a:ext cx="3855736" cy="584775"/>
+          </a:xfrm>
+          <a:prstGeom prst="rect">
+            <a:avLst/>
+          </a:prstGeom>
+          <a:noFill/>
+        </p:spPr>
+        <p:txBody>
+          <a:bodyPr wrap="none" rtlCol="0">
+            <a:spAutoFit/>
+          </a:bodyPr>
+          <a:lstStyle/>
+          <a:p>
+            <a:r>
+              <a:rPr lang="fr-FR" sz="3200" b="1" dirty="0" smtClean="0"/>
+              <a:t>Gamme de fréquence</a:t>
+            </a:r>
+            <a:endParaRPr lang="fr-FR" sz="3200" b="1" dirty="0"/>
+          </a:p>
+        </p:txBody>
+      </p:sp>
+    </p:spTree>
+  </p:cSld>
+  <p:clrMapOvr>
+    <a:masterClrMapping/>
+  </p:clrMapOvr>
+</p:sld>
+</file>
+
 <file path=ppt/slides/slide3.xml><?xml version="1.0" encoding="utf-8"?>
 <p:sld xmlns:a="http://schemas.openxmlformats.org/drawingml/2006/main" xmlns:r="http://schemas.openxmlformats.org/officeDocument/2006/relationships" xmlns:p="http://schemas.openxmlformats.org/presentationml/2006/main">
   <p:cSld>
@@ -4152,23 +6683,7 @@
                   <a:srgbClr val="FFC000"/>
                 </a:solidFill>
               </a:rPr>
-              <a:t>Que se passe t-il si </a:t>
-            </a:r>
-            <a:r>
-              <a:rPr lang="fr-FR" sz="2800" b="1" dirty="0" smtClean="0">
-                <a:solidFill>
-                  <a:srgbClr val="FFC000"/>
-                </a:solidFill>
-              </a:rPr>
-              <a:t>on remplace le code-barres </a:t>
-            </a:r>
-            <a:r>
-              <a:rPr lang="fr-FR" sz="2800" b="1" dirty="0" smtClean="0">
-                <a:solidFill>
-                  <a:srgbClr val="FFC000"/>
-                </a:solidFill>
-              </a:rPr>
-              <a:t>par</a:t>
+              <a:t>Que se passe t-il si on remplace le code-barres par</a:t>
             </a:r>
           </a:p>
         </p:txBody>
@@ -5188,31 +7703,219 @@
       </p:grpSpPr>
       <p:sp>
         <p:nvSpPr>
-          <p:cNvPr id="2" name="Title 1"/>
-          <p:cNvSpPr>
-            <a:spLocks noGrp="1"/>
-          </p:cNvSpPr>
-          <p:nvPr>
-            <p:ph type="title"/>
-          </p:nvPr>
-        </p:nvSpPr>
-        <p:spPr>
-          <a:xfrm>
-            <a:off x="457200" y="2309019"/>
-            <a:ext cx="8229600" cy="2239962"/>
-          </a:xfrm>
-        </p:spPr>
-        <p:txBody>
-          <a:bodyPr>
-            <a:noAutofit/>
+          <p:cNvPr id="2" name="TextBox 1"/>
+          <p:cNvSpPr txBox="1"/>
+          <p:nvPr/>
+        </p:nvSpPr>
+        <p:spPr>
+          <a:xfrm>
+            <a:off x="990600" y="1066800"/>
+            <a:ext cx="7098803" cy="584775"/>
+          </a:xfrm>
+          <a:prstGeom prst="rect">
+            <a:avLst/>
+          </a:prstGeom>
+          <a:noFill/>
+        </p:spPr>
+        <p:txBody>
+          <a:bodyPr wrap="none" rtlCol="0">
+            <a:spAutoFit/>
           </a:bodyPr>
           <a:lstStyle/>
           <a:p>
             <a:r>
-              <a:rPr lang="fr-FR" sz="6600" dirty="0" smtClean="0"/>
-              <a:t>Les composants d’un système RFID</a:t>
-            </a:r>
-            <a:endParaRPr lang="fr-FR" sz="6600" dirty="0"/>
+              <a:rPr lang="fr-FR" sz="3200" b="1" dirty="0" smtClean="0"/>
+              <a:t>Exemples d’applications opérationnelles</a:t>
+            </a:r>
+            <a:endParaRPr lang="fr-FR" sz="3200" b="1" dirty="0"/>
+          </a:p>
+        </p:txBody>
+      </p:sp>
+      <p:sp>
+        <p:nvSpPr>
+          <p:cNvPr id="5" name="TextBox 4"/>
+          <p:cNvSpPr txBox="1"/>
+          <p:nvPr/>
+        </p:nvSpPr>
+        <p:spPr>
+          <a:xfrm>
+            <a:off x="1111001" y="1981200"/>
+            <a:ext cx="6858000" cy="646331"/>
+          </a:xfrm>
+          <a:prstGeom prst="rect">
+            <a:avLst/>
+          </a:prstGeom>
+          <a:noFill/>
+        </p:spPr>
+        <p:txBody>
+          <a:bodyPr wrap="square" rtlCol="0">
+            <a:spAutoFit/>
+          </a:bodyPr>
+          <a:lstStyle/>
+          <a:p>
+            <a:r>
+              <a:rPr lang="fr-FR" dirty="0" smtClean="0"/>
+              <a:t>- Traçabilité des produits (gestion des livres d’une bibliothèque) ou des animaux.</a:t>
+            </a:r>
+            <a:endParaRPr lang="fr-FR" dirty="0"/>
+          </a:p>
+        </p:txBody>
+      </p:sp>
+      <p:sp>
+        <p:nvSpPr>
+          <p:cNvPr id="6" name="TextBox 5"/>
+          <p:cNvSpPr txBox="1"/>
+          <p:nvPr/>
+        </p:nvSpPr>
+        <p:spPr>
+          <a:xfrm>
+            <a:off x="1111001" y="2743200"/>
+            <a:ext cx="5410200" cy="369332"/>
+          </a:xfrm>
+          <a:prstGeom prst="rect">
+            <a:avLst/>
+          </a:prstGeom>
+          <a:noFill/>
+        </p:spPr>
+        <p:txBody>
+          <a:bodyPr wrap="square" rtlCol="0">
+            <a:spAutoFit/>
+          </a:bodyPr>
+          <a:lstStyle/>
+          <a:p>
+            <a:r>
+              <a:rPr lang="fr-FR" dirty="0" smtClean="0"/>
+              <a:t>- Contrôle d’accès (parkings, immeubles, …).</a:t>
+            </a:r>
+            <a:endParaRPr lang="fr-FR" dirty="0"/>
+          </a:p>
+        </p:txBody>
+      </p:sp>
+      <p:sp>
+        <p:nvSpPr>
+          <p:cNvPr id="7" name="TextBox 6"/>
+          <p:cNvSpPr txBox="1"/>
+          <p:nvPr/>
+        </p:nvSpPr>
+        <p:spPr>
+          <a:xfrm>
+            <a:off x="1111001" y="3276600"/>
+            <a:ext cx="5410200" cy="369332"/>
+          </a:xfrm>
+          <a:prstGeom prst="rect">
+            <a:avLst/>
+          </a:prstGeom>
+          <a:noFill/>
+        </p:spPr>
+        <p:txBody>
+          <a:bodyPr wrap="square" rtlCol="0">
+            <a:spAutoFit/>
+          </a:bodyPr>
+          <a:lstStyle/>
+          <a:p>
+            <a:r>
+              <a:rPr lang="fr-FR" dirty="0" smtClean="0"/>
+              <a:t>- Suivi et tri des bagages.</a:t>
+            </a:r>
+            <a:endParaRPr lang="fr-FR" dirty="0"/>
+          </a:p>
+        </p:txBody>
+      </p:sp>
+      <p:sp>
+        <p:nvSpPr>
+          <p:cNvPr id="8" name="TextBox 7"/>
+          <p:cNvSpPr txBox="1"/>
+          <p:nvPr/>
+        </p:nvSpPr>
+        <p:spPr>
+          <a:xfrm>
+            <a:off x="1111001" y="3810000"/>
+            <a:ext cx="6858000" cy="369332"/>
+          </a:xfrm>
+          <a:prstGeom prst="rect">
+            <a:avLst/>
+          </a:prstGeom>
+          <a:noFill/>
+        </p:spPr>
+        <p:txBody>
+          <a:bodyPr wrap="square" rtlCol="0">
+            <a:spAutoFit/>
+          </a:bodyPr>
+          <a:lstStyle/>
+          <a:p>
+            <a:r>
+              <a:rPr lang="fr-FR" dirty="0" smtClean="0"/>
+              <a:t>- Autorisation du démarrage du véhicule, et empêchement des vols.</a:t>
+            </a:r>
+            <a:endParaRPr lang="fr-FR" dirty="0"/>
+          </a:p>
+        </p:txBody>
+      </p:sp>
+      <p:sp>
+        <p:nvSpPr>
+          <p:cNvPr id="9" name="TextBox 8"/>
+          <p:cNvSpPr txBox="1"/>
+          <p:nvPr/>
+        </p:nvSpPr>
+        <p:spPr>
+          <a:xfrm>
+            <a:off x="1111001" y="4343400"/>
+            <a:ext cx="5410200" cy="369332"/>
+          </a:xfrm>
+          <a:prstGeom prst="rect">
+            <a:avLst/>
+          </a:prstGeom>
+          <a:noFill/>
+        </p:spPr>
+        <p:txBody>
+          <a:bodyPr wrap="square" rtlCol="0">
+            <a:spAutoFit/>
+          </a:bodyPr>
+          <a:lstStyle/>
+          <a:p>
+            <a:r>
+              <a:rPr lang="fr-FR" dirty="0" smtClean="0"/>
+              <a:t>- Domaine bancaire (VISA).</a:t>
+            </a:r>
+            <a:endParaRPr lang="fr-FR" dirty="0"/>
+          </a:p>
+        </p:txBody>
+      </p:sp>
+      <p:sp>
+        <p:nvSpPr>
+          <p:cNvPr id="10" name="TextBox 9"/>
+          <p:cNvSpPr txBox="1"/>
+          <p:nvPr/>
+        </p:nvSpPr>
+        <p:spPr>
+          <a:xfrm>
+            <a:off x="1111001" y="4876800"/>
+            <a:ext cx="5410200" cy="369332"/>
+          </a:xfrm>
+          <a:prstGeom prst="rect">
+            <a:avLst/>
+          </a:prstGeom>
+          <a:noFill/>
+        </p:spPr>
+        <p:txBody>
+          <a:bodyPr wrap="square" rtlCol="0">
+            <a:spAutoFit/>
+          </a:bodyPr>
+          <a:lstStyle/>
+          <a:p>
+            <a:r>
+              <a:rPr lang="fr-FR" dirty="0" smtClean="0"/>
+              <a:t>- Domaine de la santé (respec</a:t>
+            </a:r>
+            <a:r>
+              <a:rPr lang="fr-FR" dirty="0" smtClean="0"/>
+              <a:t>t de la chaine du froid</a:t>
+            </a:r>
+            <a:r>
+              <a:rPr lang="fr-FR" dirty="0" smtClean="0"/>
+              <a:t>).</a:t>
+            </a:r>
+            <a:endParaRPr lang="fr-FR" dirty="0"/>
           </a:p>
         </p:txBody>
       </p:sp>

--- a/RFID.pptx
+++ b/RFID.pptx
@@ -4856,7 +4856,7 @@
           <p:nvPr/>
         </p:nvGraphicFramePr>
         <p:xfrm>
-          <a:off x="1600200" y="2286000"/>
+          <a:off x="1600200" y="2514600"/>
           <a:ext cx="5868035" cy="3566160"/>
         </p:xfrm>
         <a:graphic>
@@ -5189,14 +5189,14 @@
                         </a:spcAft>
                       </a:pPr>
                       <a:r>
-                        <a:rPr lang="fr-FR" sz="1200">
+                        <a:rPr lang="fr-FR" sz="1200" dirty="0">
                           <a:latin typeface="Verdana"/>
                           <a:ea typeface="Calibri"/>
                           <a:cs typeface="Arial"/>
                         </a:rPr>
                         <a:t>Vitesse</a:t>
                       </a:r>
-                      <a:endParaRPr lang="en-US" sz="1100">
+                      <a:endParaRPr lang="en-US" sz="1100" dirty="0">
                         <a:latin typeface="Calibri"/>
                         <a:ea typeface="Calibri"/>
                         <a:cs typeface="Arial"/>
@@ -6463,7 +6463,7 @@
         </p:nvSpPr>
         <p:spPr>
           <a:xfrm>
-            <a:off x="2644132" y="1066800"/>
+            <a:off x="2667000" y="381000"/>
             <a:ext cx="3855736" cy="584775"/>
           </a:xfrm>
           <a:prstGeom prst="rect">
@@ -6482,6 +6482,36 @@
               <a:t>Gamme de fréquence</a:t>
             </a:r>
             <a:endParaRPr lang="fr-FR" sz="3200" b="1" dirty="0"/>
+          </a:p>
+        </p:txBody>
+      </p:sp>
+      <p:sp>
+        <p:nvSpPr>
+          <p:cNvPr id="4" name="TextBox 3"/>
+          <p:cNvSpPr txBox="1"/>
+          <p:nvPr/>
+        </p:nvSpPr>
+        <p:spPr>
+          <a:xfrm>
+            <a:off x="762000" y="1143000"/>
+            <a:ext cx="7620000" cy="923330"/>
+          </a:xfrm>
+          <a:prstGeom prst="rect">
+            <a:avLst/>
+          </a:prstGeom>
+          <a:noFill/>
+        </p:spPr>
+        <p:txBody>
+          <a:bodyPr wrap="square" rtlCol="0">
+            <a:spAutoFit/>
+          </a:bodyPr>
+          <a:lstStyle/>
+          <a:p>
+            <a:r>
+              <a:rPr lang="fr-FR" dirty="0" smtClean="0"/>
+              <a:t>Les fréquences hautes permettent de stocker plus d’informations sur les puces RFID et de crypter les données inscrites. Les fréquences basses présentent une meilleure pénétration de la matière par les ondes radio envoyées.</a:t>
+            </a:r>
+            <a:endParaRPr lang="en-US" dirty="0"/>
           </a:p>
         </p:txBody>
       </p:sp>

--- a/RFID.pptx
+++ b/RFID.pptx
@@ -25,6 +25,13 @@
     <p:sldId id="274" r:id="rId19"/>
     <p:sldId id="275" r:id="rId20"/>
     <p:sldId id="276" r:id="rId21"/>
+    <p:sldId id="277" r:id="rId22"/>
+    <p:sldId id="278" r:id="rId23"/>
+    <p:sldId id="279" r:id="rId24"/>
+    <p:sldId id="280" r:id="rId25"/>
+    <p:sldId id="281" r:id="rId26"/>
+    <p:sldId id="282" r:id="rId27"/>
+    <p:sldId id="284" r:id="rId28"/>
   </p:sldIdLst>
   <p:sldSz cx="9144000" cy="6858000" type="screen4x3"/>
   <p:notesSz cx="6858000" cy="9144000"/>
@@ -308,7 +315,7 @@
             <a:fld id="{1D8BD707-D9CF-40AE-B4C6-C98DA3205C09}" type="datetimeFigureOut">
               <a:rPr lang="en-US" smtClean="0"/>
               <a:pPr/>
-              <a:t>3/27/2016</a:t>
+              <a:t>3/28/2016</a:t>
             </a:fld>
             <a:endParaRPr lang="en-US"/>
           </a:p>
@@ -475,7 +482,7 @@
             <a:fld id="{1D8BD707-D9CF-40AE-B4C6-C98DA3205C09}" type="datetimeFigureOut">
               <a:rPr lang="en-US" smtClean="0"/>
               <a:pPr/>
-              <a:t>3/27/2016</a:t>
+              <a:t>3/28/2016</a:t>
             </a:fld>
             <a:endParaRPr lang="en-US"/>
           </a:p>
@@ -652,7 +659,7 @@
             <a:fld id="{1D8BD707-D9CF-40AE-B4C6-C98DA3205C09}" type="datetimeFigureOut">
               <a:rPr lang="en-US" smtClean="0"/>
               <a:pPr/>
-              <a:t>3/27/2016</a:t>
+              <a:t>3/28/2016</a:t>
             </a:fld>
             <a:endParaRPr lang="en-US"/>
           </a:p>
@@ -819,7 +826,7 @@
             <a:fld id="{1D8BD707-D9CF-40AE-B4C6-C98DA3205C09}" type="datetimeFigureOut">
               <a:rPr lang="en-US" smtClean="0"/>
               <a:pPr/>
-              <a:t>3/27/2016</a:t>
+              <a:t>3/28/2016</a:t>
             </a:fld>
             <a:endParaRPr lang="en-US"/>
           </a:p>
@@ -1062,7 +1069,7 @@
             <a:fld id="{1D8BD707-D9CF-40AE-B4C6-C98DA3205C09}" type="datetimeFigureOut">
               <a:rPr lang="en-US" smtClean="0"/>
               <a:pPr/>
-              <a:t>3/27/2016</a:t>
+              <a:t>3/28/2016</a:t>
             </a:fld>
             <a:endParaRPr lang="en-US"/>
           </a:p>
@@ -1347,7 +1354,7 @@
             <a:fld id="{1D8BD707-D9CF-40AE-B4C6-C98DA3205C09}" type="datetimeFigureOut">
               <a:rPr lang="en-US" smtClean="0"/>
               <a:pPr/>
-              <a:t>3/27/2016</a:t>
+              <a:t>3/28/2016</a:t>
             </a:fld>
             <a:endParaRPr lang="en-US"/>
           </a:p>
@@ -1766,7 +1773,7 @@
             <a:fld id="{1D8BD707-D9CF-40AE-B4C6-C98DA3205C09}" type="datetimeFigureOut">
               <a:rPr lang="en-US" smtClean="0"/>
               <a:pPr/>
-              <a:t>3/27/2016</a:t>
+              <a:t>3/28/2016</a:t>
             </a:fld>
             <a:endParaRPr lang="en-US"/>
           </a:p>
@@ -1881,7 +1888,7 @@
             <a:fld id="{1D8BD707-D9CF-40AE-B4C6-C98DA3205C09}" type="datetimeFigureOut">
               <a:rPr lang="en-US" smtClean="0"/>
               <a:pPr/>
-              <a:t>3/27/2016</a:t>
+              <a:t>3/28/2016</a:t>
             </a:fld>
             <a:endParaRPr lang="en-US"/>
           </a:p>
@@ -1973,7 +1980,7 @@
             <a:fld id="{1D8BD707-D9CF-40AE-B4C6-C98DA3205C09}" type="datetimeFigureOut">
               <a:rPr lang="en-US" smtClean="0"/>
               <a:pPr/>
-              <a:t>3/27/2016</a:t>
+              <a:t>3/28/2016</a:t>
             </a:fld>
             <a:endParaRPr lang="en-US"/>
           </a:p>
@@ -2247,7 +2254,7 @@
             <a:fld id="{1D8BD707-D9CF-40AE-B4C6-C98DA3205C09}" type="datetimeFigureOut">
               <a:rPr lang="en-US" smtClean="0"/>
               <a:pPr/>
-              <a:t>3/27/2016</a:t>
+              <a:t>3/28/2016</a:t>
             </a:fld>
             <a:endParaRPr lang="en-US"/>
           </a:p>
@@ -2497,7 +2504,7 @@
             <a:fld id="{1D8BD707-D9CF-40AE-B4C6-C98DA3205C09}" type="datetimeFigureOut">
               <a:rPr lang="en-US" smtClean="0"/>
               <a:pPr/>
-              <a:t>3/27/2016</a:t>
+              <a:t>3/28/2016</a:t>
             </a:fld>
             <a:endParaRPr lang="en-US"/>
           </a:p>
@@ -2707,7 +2714,7 @@
             <a:fld id="{1D8BD707-D9CF-40AE-B4C6-C98DA3205C09}" type="datetimeFigureOut">
               <a:rPr lang="en-US" smtClean="0"/>
               <a:pPr/>
-              <a:t>3/27/2016</a:t>
+              <a:t>3/28/2016</a:t>
             </a:fld>
             <a:endParaRPr lang="en-US"/>
           </a:p>
@@ -4441,15 +4448,7 @@
             </a:pPr>
             <a:r>
               <a:rPr lang="en-US" sz="2800" b="1" dirty="0" smtClean="0"/>
-              <a:t> </a:t>
-            </a:r>
-            <a:r>
-              <a:rPr lang="en-US" sz="2800" b="1" dirty="0" smtClean="0"/>
-              <a:t>RTF (Reader </a:t>
-            </a:r>
-            <a:r>
-              <a:rPr lang="en-US" sz="2800" b="1" dirty="0" smtClean="0"/>
-              <a:t>Talks First)</a:t>
+              <a:t> RTF (Reader Talks First)</a:t>
             </a:r>
             <a:endParaRPr lang="en-US" sz="2800" b="1" dirty="0"/>
           </a:p>
@@ -4479,11 +4478,7 @@
           <a:p>
             <a:r>
               <a:rPr lang="fr-FR" dirty="0" smtClean="0"/>
-              <a:t>le tag annonce sa présence à son arrivée dans le champ d’un </a:t>
-            </a:r>
-            <a:r>
-              <a:rPr lang="fr-FR" dirty="0" smtClean="0"/>
-              <a:t>lecteur.</a:t>
+              <a:t>le tag annonce sa présence à son arrivée dans le champ d’un lecteur.</a:t>
             </a:r>
             <a:endParaRPr lang="en-US" dirty="0"/>
           </a:p>
@@ -6523,6 +6518,1820 @@
 </p:sld>
 </file>
 
+<file path=ppt/slides/slide21.xml><?xml version="1.0" encoding="utf-8"?>
+<p:sld xmlns:a="http://schemas.openxmlformats.org/drawingml/2006/main" xmlns:r="http://schemas.openxmlformats.org/officeDocument/2006/relationships" xmlns:p="http://schemas.openxmlformats.org/presentationml/2006/main">
+  <p:cSld>
+    <p:spTree>
+      <p:nvGrpSpPr>
+        <p:cNvPr id="1" name=""/>
+        <p:cNvGrpSpPr/>
+        <p:nvPr/>
+      </p:nvGrpSpPr>
+      <p:grpSpPr>
+        <a:xfrm>
+          <a:off x="0" y="0"/>
+          <a:ext cx="0" cy="0"/>
+          <a:chOff x="0" y="0"/>
+          <a:chExt cx="0" cy="0"/>
+        </a:xfrm>
+      </p:grpSpPr>
+      <p:sp>
+        <p:nvSpPr>
+          <p:cNvPr id="2" name="Title 1"/>
+          <p:cNvSpPr>
+            <a:spLocks noGrp="1"/>
+          </p:cNvSpPr>
+          <p:nvPr>
+            <p:ph type="title"/>
+          </p:nvPr>
+        </p:nvSpPr>
+        <p:spPr>
+          <a:xfrm>
+            <a:off x="457200" y="2857500"/>
+            <a:ext cx="8229600" cy="1143000"/>
+          </a:xfrm>
+        </p:spPr>
+        <p:txBody>
+          <a:bodyPr>
+            <a:noAutofit/>
+          </a:bodyPr>
+          <a:lstStyle/>
+          <a:p>
+            <a:r>
+              <a:rPr lang="fr-FR" sz="6600" dirty="0" smtClean="0"/>
+              <a:t>Outils de programmation</a:t>
+            </a:r>
+            <a:endParaRPr lang="fr-FR" sz="6600" dirty="0"/>
+          </a:p>
+        </p:txBody>
+      </p:sp>
+    </p:spTree>
+  </p:cSld>
+  <p:clrMapOvr>
+    <a:masterClrMapping/>
+  </p:clrMapOvr>
+</p:sld>
+</file>
+
+<file path=ppt/slides/slide22.xml><?xml version="1.0" encoding="utf-8"?>
+<p:sld xmlns:a="http://schemas.openxmlformats.org/drawingml/2006/main" xmlns:r="http://schemas.openxmlformats.org/officeDocument/2006/relationships" xmlns:p="http://schemas.openxmlformats.org/presentationml/2006/main">
+  <p:cSld>
+    <p:spTree>
+      <p:nvGrpSpPr>
+        <p:cNvPr id="1" name=""/>
+        <p:cNvGrpSpPr/>
+        <p:nvPr/>
+      </p:nvGrpSpPr>
+      <p:grpSpPr>
+        <a:xfrm>
+          <a:off x="0" y="0"/>
+          <a:ext cx="0" cy="0"/>
+          <a:chOff x="0" y="0"/>
+          <a:chExt cx="0" cy="0"/>
+        </a:xfrm>
+      </p:grpSpPr>
+      <p:sp>
+        <p:nvSpPr>
+          <p:cNvPr id="2" name="TextBox 1"/>
+          <p:cNvSpPr txBox="1"/>
+          <p:nvPr/>
+        </p:nvSpPr>
+        <p:spPr>
+          <a:xfrm>
+            <a:off x="571500" y="533400"/>
+            <a:ext cx="8001000" cy="646331"/>
+          </a:xfrm>
+          <a:prstGeom prst="rect">
+            <a:avLst/>
+          </a:prstGeom>
+          <a:noFill/>
+        </p:spPr>
+        <p:txBody>
+          <a:bodyPr wrap="square" rtlCol="0">
+            <a:spAutoFit/>
+          </a:bodyPr>
+          <a:lstStyle/>
+          <a:p>
+            <a:r>
+              <a:rPr lang="fr-FR" dirty="0" smtClean="0"/>
+              <a:t>Quelques bibliothèques existent pour s’interfacer avec des périphériques connectés en port série ou USB:</a:t>
+            </a:r>
+            <a:endParaRPr lang="en-US" dirty="0"/>
+          </a:p>
+        </p:txBody>
+      </p:sp>
+      <p:sp>
+        <p:nvSpPr>
+          <p:cNvPr id="3" name="TextBox 2"/>
+          <p:cNvSpPr txBox="1"/>
+          <p:nvPr/>
+        </p:nvSpPr>
+        <p:spPr>
+          <a:xfrm>
+            <a:off x="838200" y="1371600"/>
+            <a:ext cx="2665730" cy="369332"/>
+          </a:xfrm>
+          <a:prstGeom prst="rect">
+            <a:avLst/>
+          </a:prstGeom>
+          <a:noFill/>
+        </p:spPr>
+        <p:txBody>
+          <a:bodyPr wrap="none" rtlCol="0">
+            <a:spAutoFit/>
+          </a:bodyPr>
+          <a:lstStyle/>
+          <a:p>
+            <a:r>
+              <a:rPr lang="fr-FR" dirty="0" smtClean="0"/>
+              <a:t>- Java communications API</a:t>
+            </a:r>
+            <a:endParaRPr lang="fr-FR" dirty="0"/>
+          </a:p>
+        </p:txBody>
+      </p:sp>
+      <p:sp>
+        <p:nvSpPr>
+          <p:cNvPr id="4" name="TextBox 3"/>
+          <p:cNvSpPr txBox="1"/>
+          <p:nvPr/>
+        </p:nvSpPr>
+        <p:spPr>
+          <a:xfrm>
+            <a:off x="838200" y="1752600"/>
+            <a:ext cx="785793" cy="369332"/>
+          </a:xfrm>
+          <a:prstGeom prst="rect">
+            <a:avLst/>
+          </a:prstGeom>
+          <a:noFill/>
+        </p:spPr>
+        <p:txBody>
+          <a:bodyPr wrap="none" rtlCol="0">
+            <a:spAutoFit/>
+          </a:bodyPr>
+          <a:lstStyle/>
+          <a:p>
+            <a:r>
+              <a:rPr lang="fr-FR" dirty="0" smtClean="0"/>
+              <a:t>- RXTX</a:t>
+            </a:r>
+            <a:endParaRPr lang="fr-FR" dirty="0"/>
+          </a:p>
+        </p:txBody>
+      </p:sp>
+      <p:sp>
+        <p:nvSpPr>
+          <p:cNvPr id="5" name="TextBox 4"/>
+          <p:cNvSpPr txBox="1"/>
+          <p:nvPr/>
+        </p:nvSpPr>
+        <p:spPr>
+          <a:xfrm>
+            <a:off x="838200" y="2133600"/>
+            <a:ext cx="1833643" cy="369332"/>
+          </a:xfrm>
+          <a:prstGeom prst="rect">
+            <a:avLst/>
+          </a:prstGeom>
+          <a:noFill/>
+        </p:spPr>
+        <p:txBody>
+          <a:bodyPr wrap="none" rtlCol="0">
+            <a:spAutoFit/>
+          </a:bodyPr>
+          <a:lstStyle/>
+          <a:p>
+            <a:r>
+              <a:rPr lang="fr-FR" dirty="0" smtClean="0"/>
+              <a:t>- SERIALO payant.</a:t>
+            </a:r>
+            <a:endParaRPr lang="fr-FR" dirty="0"/>
+          </a:p>
+        </p:txBody>
+      </p:sp>
+      <p:sp>
+        <p:nvSpPr>
+          <p:cNvPr id="6" name="TextBox 5"/>
+          <p:cNvSpPr txBox="1"/>
+          <p:nvPr/>
+        </p:nvSpPr>
+        <p:spPr>
+          <a:xfrm>
+            <a:off x="609600" y="2743200"/>
+            <a:ext cx="4085542" cy="369332"/>
+          </a:xfrm>
+          <a:prstGeom prst="rect">
+            <a:avLst/>
+          </a:prstGeom>
+          <a:noFill/>
+        </p:spPr>
+        <p:txBody>
+          <a:bodyPr wrap="none" rtlCol="0">
+            <a:spAutoFit/>
+          </a:bodyPr>
+          <a:lstStyle/>
+          <a:p>
+            <a:r>
+              <a:rPr lang="fr-FR" dirty="0" smtClean="0"/>
+              <a:t>Le package ‘javax.comm’ est composé de:</a:t>
+            </a:r>
+            <a:endParaRPr lang="fr-FR" dirty="0"/>
+          </a:p>
+        </p:txBody>
+      </p:sp>
+      <p:graphicFrame>
+        <p:nvGraphicFramePr>
+          <p:cNvPr id="7" name="Table 6"/>
+          <p:cNvGraphicFramePr>
+            <a:graphicFrameLocks noGrp="1"/>
+          </p:cNvGraphicFramePr>
+          <p:nvPr/>
+        </p:nvGraphicFramePr>
+        <p:xfrm>
+          <a:off x="4953000" y="2514600"/>
+          <a:ext cx="3048000" cy="1854200"/>
+        </p:xfrm>
+        <a:graphic>
+          <a:graphicData uri="http://schemas.openxmlformats.org/drawingml/2006/table">
+            <a:tbl>
+              <a:tblPr firstRow="1" bandRow="1">
+                <a:tableStyleId>{5C22544A-7EE6-4342-B048-85BDC9FD1C3A}</a:tableStyleId>
+              </a:tblPr>
+              <a:tblGrid>
+                <a:gridCol w="3048000"/>
+              </a:tblGrid>
+              <a:tr h="370840">
+                <a:tc>
+                  <a:txBody>
+                    <a:bodyPr/>
+                    <a:lstStyle/>
+                    <a:p>
+                      <a:pPr algn="ctr"/>
+                      <a:r>
+                        <a:rPr lang="en-US" dirty="0" smtClean="0"/>
+                        <a:t>Interfaces</a:t>
+                      </a:r>
+                      <a:endParaRPr lang="en-US" dirty="0"/>
+                    </a:p>
+                  </a:txBody>
+                  <a:tcPr anchor="ctr"/>
+                </a:tc>
+              </a:tr>
+              <a:tr h="370840">
+                <a:tc>
+                  <a:txBody>
+                    <a:bodyPr/>
+                    <a:lstStyle/>
+                    <a:p>
+                      <a:pPr marL="0" marR="0" lvl="2" indent="0" algn="ctr" defTabSz="914400" rtl="0" eaLnBrk="1" fontAlgn="auto" latinLnBrk="0" hangingPunct="1">
+                        <a:lnSpc>
+                          <a:spcPct val="100000"/>
+                        </a:lnSpc>
+                        <a:spcBef>
+                          <a:spcPts val="0"/>
+                        </a:spcBef>
+                        <a:spcAft>
+                          <a:spcPts val="0"/>
+                        </a:spcAft>
+                        <a:buClrTx/>
+                        <a:buSzTx/>
+                        <a:buFontTx/>
+                        <a:buNone/>
+                        <a:tabLst/>
+                        <a:defRPr/>
+                      </a:pPr>
+                      <a:r>
+                        <a:rPr lang="fr-FR" sz="1800" kern="1200" dirty="0" smtClean="0">
+                          <a:solidFill>
+                            <a:schemeClr val="dk1"/>
+                          </a:solidFill>
+                          <a:latin typeface="+mn-lt"/>
+                          <a:ea typeface="+mn-ea"/>
+                          <a:cs typeface="+mn-cs"/>
+                        </a:rPr>
+                        <a:t>CommDriver </a:t>
+                      </a:r>
+                      <a:endParaRPr lang="en-US" sz="1600" kern="1200" dirty="0" smtClean="0">
+                        <a:solidFill>
+                          <a:schemeClr val="dk1"/>
+                        </a:solidFill>
+                        <a:latin typeface="+mn-lt"/>
+                        <a:ea typeface="+mn-ea"/>
+                        <a:cs typeface="+mn-cs"/>
+                      </a:endParaRPr>
+                    </a:p>
+                  </a:txBody>
+                  <a:tcPr anchor="ctr"/>
+                </a:tc>
+              </a:tr>
+              <a:tr h="370840">
+                <a:tc>
+                  <a:txBody>
+                    <a:bodyPr/>
+                    <a:lstStyle/>
+                    <a:p>
+                      <a:pPr marL="0" marR="0" lvl="2" indent="0" algn="ctr" defTabSz="914400" rtl="0" eaLnBrk="1" fontAlgn="auto" latinLnBrk="0" hangingPunct="1">
+                        <a:lnSpc>
+                          <a:spcPct val="100000"/>
+                        </a:lnSpc>
+                        <a:spcBef>
+                          <a:spcPts val="0"/>
+                        </a:spcBef>
+                        <a:spcAft>
+                          <a:spcPts val="0"/>
+                        </a:spcAft>
+                        <a:buClrTx/>
+                        <a:buSzTx/>
+                        <a:buFontTx/>
+                        <a:buNone/>
+                        <a:tabLst/>
+                        <a:defRPr/>
+                      </a:pPr>
+                      <a:r>
+                        <a:rPr lang="en-US" sz="1800" kern="1200" dirty="0" smtClean="0">
+                          <a:solidFill>
+                            <a:schemeClr val="dk1"/>
+                          </a:solidFill>
+                          <a:latin typeface="+mn-lt"/>
+                          <a:ea typeface="+mn-ea"/>
+                          <a:cs typeface="+mn-cs"/>
+                        </a:rPr>
+                        <a:t>CommPortOwnershipListener</a:t>
+                      </a:r>
+                      <a:endParaRPr lang="en-US" sz="1600" kern="1200" dirty="0" smtClean="0">
+                        <a:solidFill>
+                          <a:schemeClr val="dk1"/>
+                        </a:solidFill>
+                        <a:latin typeface="+mn-lt"/>
+                        <a:ea typeface="+mn-ea"/>
+                        <a:cs typeface="+mn-cs"/>
+                      </a:endParaRPr>
+                    </a:p>
+                  </a:txBody>
+                  <a:tcPr anchor="ctr"/>
+                </a:tc>
+              </a:tr>
+              <a:tr h="370840">
+                <a:tc>
+                  <a:txBody>
+                    <a:bodyPr/>
+                    <a:lstStyle/>
+                    <a:p>
+                      <a:pPr marL="0" marR="0" lvl="2" indent="0" algn="ctr" defTabSz="914400" rtl="0" eaLnBrk="1" fontAlgn="auto" latinLnBrk="0" hangingPunct="1">
+                        <a:lnSpc>
+                          <a:spcPct val="100000"/>
+                        </a:lnSpc>
+                        <a:spcBef>
+                          <a:spcPts val="0"/>
+                        </a:spcBef>
+                        <a:spcAft>
+                          <a:spcPts val="0"/>
+                        </a:spcAft>
+                        <a:buClrTx/>
+                        <a:buSzTx/>
+                        <a:buFontTx/>
+                        <a:buNone/>
+                        <a:tabLst/>
+                        <a:defRPr/>
+                      </a:pPr>
+                      <a:r>
+                        <a:rPr lang="en-US" sz="1800" kern="1200" dirty="0" smtClean="0">
+                          <a:solidFill>
+                            <a:schemeClr val="dk1"/>
+                          </a:solidFill>
+                          <a:latin typeface="+mn-lt"/>
+                          <a:ea typeface="+mn-ea"/>
+                          <a:cs typeface="+mn-cs"/>
+                        </a:rPr>
+                        <a:t>ParallelPortEventListener</a:t>
+                      </a:r>
+                      <a:endParaRPr lang="en-US" sz="1600" kern="1200" dirty="0" smtClean="0">
+                        <a:solidFill>
+                          <a:schemeClr val="dk1"/>
+                        </a:solidFill>
+                        <a:latin typeface="+mn-lt"/>
+                        <a:ea typeface="+mn-ea"/>
+                        <a:cs typeface="+mn-cs"/>
+                      </a:endParaRPr>
+                    </a:p>
+                  </a:txBody>
+                  <a:tcPr anchor="ctr"/>
+                </a:tc>
+              </a:tr>
+              <a:tr h="370840">
+                <a:tc>
+                  <a:txBody>
+                    <a:bodyPr/>
+                    <a:lstStyle/>
+                    <a:p>
+                      <a:pPr marL="0" marR="0" lvl="2" indent="0" algn="ctr" defTabSz="914400" rtl="0" eaLnBrk="1" fontAlgn="auto" latinLnBrk="0" hangingPunct="1">
+                        <a:lnSpc>
+                          <a:spcPct val="100000"/>
+                        </a:lnSpc>
+                        <a:spcBef>
+                          <a:spcPts val="0"/>
+                        </a:spcBef>
+                        <a:spcAft>
+                          <a:spcPts val="0"/>
+                        </a:spcAft>
+                        <a:buClrTx/>
+                        <a:buSzTx/>
+                        <a:buFontTx/>
+                        <a:buNone/>
+                        <a:tabLst/>
+                        <a:defRPr/>
+                      </a:pPr>
+                      <a:r>
+                        <a:rPr lang="en-US" sz="1800" kern="1200" dirty="0" smtClean="0">
+                          <a:solidFill>
+                            <a:schemeClr val="dk1"/>
+                          </a:solidFill>
+                          <a:latin typeface="+mn-lt"/>
+                          <a:ea typeface="+mn-ea"/>
+                          <a:cs typeface="+mn-cs"/>
+                        </a:rPr>
+                        <a:t>SerialPortEventListener</a:t>
+                      </a:r>
+                      <a:endParaRPr lang="en-US" sz="1600" kern="1200" dirty="0" smtClean="0">
+                        <a:solidFill>
+                          <a:schemeClr val="dk1"/>
+                        </a:solidFill>
+                        <a:latin typeface="+mn-lt"/>
+                        <a:ea typeface="+mn-ea"/>
+                        <a:cs typeface="+mn-cs"/>
+                      </a:endParaRPr>
+                    </a:p>
+                  </a:txBody>
+                  <a:tcPr anchor="ctr"/>
+                </a:tc>
+              </a:tr>
+            </a:tbl>
+          </a:graphicData>
+        </a:graphic>
+      </p:graphicFrame>
+      <p:graphicFrame>
+        <p:nvGraphicFramePr>
+          <p:cNvPr id="8" name="Table 7"/>
+          <p:cNvGraphicFramePr>
+            <a:graphicFrameLocks noGrp="1"/>
+          </p:cNvGraphicFramePr>
+          <p:nvPr/>
+        </p:nvGraphicFramePr>
+        <p:xfrm>
+          <a:off x="1219200" y="3429000"/>
+          <a:ext cx="2133600" cy="2595880"/>
+        </p:xfrm>
+        <a:graphic>
+          <a:graphicData uri="http://schemas.openxmlformats.org/drawingml/2006/table">
+            <a:tbl>
+              <a:tblPr firstRow="1" bandRow="1">
+                <a:tableStyleId>{93296810-A885-4BE3-A3E7-6D5BEEA58F35}</a:tableStyleId>
+              </a:tblPr>
+              <a:tblGrid>
+                <a:gridCol w="2133600"/>
+              </a:tblGrid>
+              <a:tr h="370840">
+                <a:tc>
+                  <a:txBody>
+                    <a:bodyPr/>
+                    <a:lstStyle/>
+                    <a:p>
+                      <a:pPr algn="ctr"/>
+                      <a:r>
+                        <a:rPr lang="en-US" dirty="0" smtClean="0"/>
+                        <a:t>Classes</a:t>
+                      </a:r>
+                      <a:endParaRPr lang="en-US" dirty="0"/>
+                    </a:p>
+                  </a:txBody>
+                  <a:tcPr anchor="ctr"/>
+                </a:tc>
+              </a:tr>
+              <a:tr h="370840">
+                <a:tc>
+                  <a:txBody>
+                    <a:bodyPr/>
+                    <a:lstStyle/>
+                    <a:p>
+                      <a:pPr marL="0" marR="0" lvl="2" indent="0" algn="ctr" defTabSz="914400" rtl="0" eaLnBrk="1" fontAlgn="auto" latinLnBrk="0" hangingPunct="1">
+                        <a:lnSpc>
+                          <a:spcPct val="100000"/>
+                        </a:lnSpc>
+                        <a:spcBef>
+                          <a:spcPts val="0"/>
+                        </a:spcBef>
+                        <a:spcAft>
+                          <a:spcPts val="0"/>
+                        </a:spcAft>
+                        <a:buClrTx/>
+                        <a:buSzTx/>
+                        <a:buFontTx/>
+                        <a:buNone/>
+                        <a:tabLst/>
+                        <a:defRPr/>
+                      </a:pPr>
+                      <a:r>
+                        <a:rPr lang="en-US" sz="1800" kern="1200" dirty="0" smtClean="0">
+                          <a:solidFill>
+                            <a:schemeClr val="dk1"/>
+                          </a:solidFill>
+                          <a:latin typeface="+mn-lt"/>
+                          <a:ea typeface="+mn-ea"/>
+                          <a:cs typeface="+mn-cs"/>
+                        </a:rPr>
+                        <a:t>CommPort</a:t>
+                      </a:r>
+                      <a:endParaRPr lang="en-US" sz="1600" kern="1200" dirty="0" smtClean="0">
+                        <a:solidFill>
+                          <a:schemeClr val="dk1"/>
+                        </a:solidFill>
+                        <a:latin typeface="+mn-lt"/>
+                        <a:ea typeface="+mn-ea"/>
+                        <a:cs typeface="+mn-cs"/>
+                      </a:endParaRPr>
+                    </a:p>
+                  </a:txBody>
+                  <a:tcPr anchor="ctr"/>
+                </a:tc>
+              </a:tr>
+              <a:tr h="370840">
+                <a:tc>
+                  <a:txBody>
+                    <a:bodyPr/>
+                    <a:lstStyle/>
+                    <a:p>
+                      <a:pPr marL="0" marR="0" lvl="2" indent="0" algn="ctr" defTabSz="914400" rtl="0" eaLnBrk="1" fontAlgn="auto" latinLnBrk="0" hangingPunct="1">
+                        <a:lnSpc>
+                          <a:spcPct val="100000"/>
+                        </a:lnSpc>
+                        <a:spcBef>
+                          <a:spcPts val="0"/>
+                        </a:spcBef>
+                        <a:spcAft>
+                          <a:spcPts val="0"/>
+                        </a:spcAft>
+                        <a:buClrTx/>
+                        <a:buSzTx/>
+                        <a:buFontTx/>
+                        <a:buNone/>
+                        <a:tabLst/>
+                        <a:defRPr/>
+                      </a:pPr>
+                      <a:r>
+                        <a:rPr lang="en-US" sz="1800" kern="1200" dirty="0" smtClean="0">
+                          <a:solidFill>
+                            <a:schemeClr val="dk1"/>
+                          </a:solidFill>
+                          <a:latin typeface="+mn-lt"/>
+                          <a:ea typeface="+mn-ea"/>
+                          <a:cs typeface="+mn-cs"/>
+                        </a:rPr>
+                        <a:t>CommPortIdentifier</a:t>
+                      </a:r>
+                      <a:endParaRPr lang="en-US" sz="1600" kern="1200" dirty="0" smtClean="0">
+                        <a:solidFill>
+                          <a:schemeClr val="dk1"/>
+                        </a:solidFill>
+                        <a:latin typeface="+mn-lt"/>
+                        <a:ea typeface="+mn-ea"/>
+                        <a:cs typeface="+mn-cs"/>
+                      </a:endParaRPr>
+                    </a:p>
+                  </a:txBody>
+                  <a:tcPr anchor="ctr"/>
+                </a:tc>
+              </a:tr>
+              <a:tr h="370840">
+                <a:tc>
+                  <a:txBody>
+                    <a:bodyPr/>
+                    <a:lstStyle/>
+                    <a:p>
+                      <a:pPr marL="0" marR="0" lvl="2" indent="0" algn="ctr" defTabSz="914400" rtl="0" eaLnBrk="1" fontAlgn="auto" latinLnBrk="0" hangingPunct="1">
+                        <a:lnSpc>
+                          <a:spcPct val="100000"/>
+                        </a:lnSpc>
+                        <a:spcBef>
+                          <a:spcPts val="0"/>
+                        </a:spcBef>
+                        <a:spcAft>
+                          <a:spcPts val="0"/>
+                        </a:spcAft>
+                        <a:buClrTx/>
+                        <a:buSzTx/>
+                        <a:buFontTx/>
+                        <a:buNone/>
+                        <a:tabLst/>
+                        <a:defRPr/>
+                      </a:pPr>
+                      <a:r>
+                        <a:rPr lang="en-US" sz="1800" kern="1200" dirty="0" smtClean="0">
+                          <a:solidFill>
+                            <a:schemeClr val="dk1"/>
+                          </a:solidFill>
+                          <a:latin typeface="+mn-lt"/>
+                          <a:ea typeface="+mn-ea"/>
+                          <a:cs typeface="+mn-cs"/>
+                        </a:rPr>
+                        <a:t>ParallelPort</a:t>
+                      </a:r>
+                      <a:endParaRPr lang="en-US" sz="1600" kern="1200" dirty="0" smtClean="0">
+                        <a:solidFill>
+                          <a:schemeClr val="dk1"/>
+                        </a:solidFill>
+                        <a:latin typeface="+mn-lt"/>
+                        <a:ea typeface="+mn-ea"/>
+                        <a:cs typeface="+mn-cs"/>
+                      </a:endParaRPr>
+                    </a:p>
+                  </a:txBody>
+                  <a:tcPr anchor="ctr"/>
+                </a:tc>
+              </a:tr>
+              <a:tr h="370840">
+                <a:tc>
+                  <a:txBody>
+                    <a:bodyPr/>
+                    <a:lstStyle/>
+                    <a:p>
+                      <a:pPr marL="0" marR="0" lvl="2" indent="0" algn="ctr" defTabSz="914400" rtl="0" eaLnBrk="1" fontAlgn="auto" latinLnBrk="0" hangingPunct="1">
+                        <a:lnSpc>
+                          <a:spcPct val="100000"/>
+                        </a:lnSpc>
+                        <a:spcBef>
+                          <a:spcPts val="0"/>
+                        </a:spcBef>
+                        <a:spcAft>
+                          <a:spcPts val="0"/>
+                        </a:spcAft>
+                        <a:buClrTx/>
+                        <a:buSzTx/>
+                        <a:buFontTx/>
+                        <a:buNone/>
+                        <a:tabLst/>
+                        <a:defRPr/>
+                      </a:pPr>
+                      <a:r>
+                        <a:rPr lang="en-US" sz="1800" kern="1200" dirty="0" smtClean="0">
+                          <a:solidFill>
+                            <a:schemeClr val="dk1"/>
+                          </a:solidFill>
+                          <a:latin typeface="+mn-lt"/>
+                          <a:ea typeface="+mn-ea"/>
+                          <a:cs typeface="+mn-cs"/>
+                        </a:rPr>
+                        <a:t>ParallelPortEvent</a:t>
+                      </a:r>
+                      <a:endParaRPr lang="en-US" sz="1600" kern="1200" dirty="0" smtClean="0">
+                        <a:solidFill>
+                          <a:schemeClr val="dk1"/>
+                        </a:solidFill>
+                        <a:latin typeface="+mn-lt"/>
+                        <a:ea typeface="+mn-ea"/>
+                        <a:cs typeface="+mn-cs"/>
+                      </a:endParaRPr>
+                    </a:p>
+                  </a:txBody>
+                  <a:tcPr anchor="ctr"/>
+                </a:tc>
+              </a:tr>
+              <a:tr h="370840">
+                <a:tc>
+                  <a:txBody>
+                    <a:bodyPr/>
+                    <a:lstStyle/>
+                    <a:p>
+                      <a:pPr marL="0" marR="0" lvl="2" indent="0" algn="ctr" defTabSz="914400" rtl="0" eaLnBrk="1" fontAlgn="auto" latinLnBrk="0" hangingPunct="1">
+                        <a:lnSpc>
+                          <a:spcPct val="100000"/>
+                        </a:lnSpc>
+                        <a:spcBef>
+                          <a:spcPts val="0"/>
+                        </a:spcBef>
+                        <a:spcAft>
+                          <a:spcPts val="0"/>
+                        </a:spcAft>
+                        <a:buClrTx/>
+                        <a:buSzTx/>
+                        <a:buFontTx/>
+                        <a:buNone/>
+                        <a:tabLst/>
+                        <a:defRPr/>
+                      </a:pPr>
+                      <a:r>
+                        <a:rPr lang="en-US" sz="1800" kern="1200" dirty="0" smtClean="0">
+                          <a:solidFill>
+                            <a:schemeClr val="dk1"/>
+                          </a:solidFill>
+                          <a:latin typeface="+mn-lt"/>
+                          <a:ea typeface="+mn-ea"/>
+                          <a:cs typeface="+mn-cs"/>
+                        </a:rPr>
+                        <a:t>SerialPort</a:t>
+                      </a:r>
+                      <a:endParaRPr lang="en-US" sz="1600" kern="1200" dirty="0" smtClean="0">
+                        <a:solidFill>
+                          <a:schemeClr val="dk1"/>
+                        </a:solidFill>
+                        <a:latin typeface="+mn-lt"/>
+                        <a:ea typeface="+mn-ea"/>
+                        <a:cs typeface="+mn-cs"/>
+                      </a:endParaRPr>
+                    </a:p>
+                  </a:txBody>
+                  <a:tcPr anchor="ctr"/>
+                </a:tc>
+              </a:tr>
+              <a:tr h="370840">
+                <a:tc>
+                  <a:txBody>
+                    <a:bodyPr/>
+                    <a:lstStyle/>
+                    <a:p>
+                      <a:pPr marL="0" marR="0" lvl="2" indent="0" algn="ctr" defTabSz="914400" rtl="0" eaLnBrk="1" fontAlgn="auto" latinLnBrk="0" hangingPunct="1">
+                        <a:lnSpc>
+                          <a:spcPct val="100000"/>
+                        </a:lnSpc>
+                        <a:spcBef>
+                          <a:spcPts val="0"/>
+                        </a:spcBef>
+                        <a:spcAft>
+                          <a:spcPts val="0"/>
+                        </a:spcAft>
+                        <a:buClrTx/>
+                        <a:buSzTx/>
+                        <a:buFontTx/>
+                        <a:buNone/>
+                        <a:tabLst/>
+                        <a:defRPr/>
+                      </a:pPr>
+                      <a:r>
+                        <a:rPr lang="en-US" sz="1800" kern="1200" dirty="0" smtClean="0">
+                          <a:solidFill>
+                            <a:schemeClr val="dk1"/>
+                          </a:solidFill>
+                          <a:latin typeface="+mn-lt"/>
+                          <a:ea typeface="+mn-ea"/>
+                          <a:cs typeface="+mn-cs"/>
+                        </a:rPr>
+                        <a:t>serialPortEvent</a:t>
+                      </a:r>
+                      <a:endParaRPr lang="en-US" sz="1600" kern="1200" dirty="0" smtClean="0">
+                        <a:solidFill>
+                          <a:schemeClr val="dk1"/>
+                        </a:solidFill>
+                        <a:latin typeface="+mn-lt"/>
+                        <a:ea typeface="+mn-ea"/>
+                        <a:cs typeface="+mn-cs"/>
+                      </a:endParaRPr>
+                    </a:p>
+                  </a:txBody>
+                  <a:tcPr anchor="ctr"/>
+                </a:tc>
+              </a:tr>
+            </a:tbl>
+          </a:graphicData>
+        </a:graphic>
+      </p:graphicFrame>
+      <p:graphicFrame>
+        <p:nvGraphicFramePr>
+          <p:cNvPr id="9" name="Table 8"/>
+          <p:cNvGraphicFramePr>
+            <a:graphicFrameLocks noGrp="1"/>
+          </p:cNvGraphicFramePr>
+          <p:nvPr/>
+        </p:nvGraphicFramePr>
+        <p:xfrm>
+          <a:off x="4114800" y="4724400"/>
+          <a:ext cx="3886200" cy="1483360"/>
+        </p:xfrm>
+        <a:graphic>
+          <a:graphicData uri="http://schemas.openxmlformats.org/drawingml/2006/table">
+            <a:tbl>
+              <a:tblPr firstRow="1" bandRow="1">
+                <a:tableStyleId>{F5AB1C69-6EDB-4FF4-983F-18BD219EF322}</a:tableStyleId>
+              </a:tblPr>
+              <a:tblGrid>
+                <a:gridCol w="3886200"/>
+              </a:tblGrid>
+              <a:tr h="370840">
+                <a:tc>
+                  <a:txBody>
+                    <a:bodyPr/>
+                    <a:lstStyle/>
+                    <a:p>
+                      <a:pPr algn="ctr"/>
+                      <a:r>
+                        <a:rPr lang="en-US" dirty="0" smtClean="0"/>
+                        <a:t>Exceptions</a:t>
+                      </a:r>
+                      <a:endParaRPr lang="en-US" dirty="0"/>
+                    </a:p>
+                  </a:txBody>
+                  <a:tcPr anchor="ctr"/>
+                </a:tc>
+              </a:tr>
+              <a:tr h="370840">
+                <a:tc>
+                  <a:txBody>
+                    <a:bodyPr/>
+                    <a:lstStyle/>
+                    <a:p>
+                      <a:pPr marL="0" marR="0" lvl="2" indent="0" algn="ctr" defTabSz="914400" rtl="0" eaLnBrk="1" fontAlgn="auto" latinLnBrk="0" hangingPunct="1">
+                        <a:lnSpc>
+                          <a:spcPct val="100000"/>
+                        </a:lnSpc>
+                        <a:spcBef>
+                          <a:spcPts val="0"/>
+                        </a:spcBef>
+                        <a:spcAft>
+                          <a:spcPts val="0"/>
+                        </a:spcAft>
+                        <a:buClrTx/>
+                        <a:buSzTx/>
+                        <a:buFontTx/>
+                        <a:buNone/>
+                        <a:tabLst/>
+                        <a:defRPr/>
+                      </a:pPr>
+                      <a:r>
+                        <a:rPr lang="en-US" sz="1800" kern="1200" dirty="0" smtClean="0">
+                          <a:solidFill>
+                            <a:schemeClr val="dk1"/>
+                          </a:solidFill>
+                          <a:latin typeface="+mn-lt"/>
+                          <a:ea typeface="+mn-ea"/>
+                          <a:cs typeface="+mn-cs"/>
+                        </a:rPr>
+                        <a:t>NoSuchPortException</a:t>
+                      </a:r>
+                      <a:endParaRPr lang="en-US" sz="1600" kern="1200" dirty="0" smtClean="0">
+                        <a:solidFill>
+                          <a:schemeClr val="dk1"/>
+                        </a:solidFill>
+                        <a:latin typeface="+mn-lt"/>
+                        <a:ea typeface="+mn-ea"/>
+                        <a:cs typeface="+mn-cs"/>
+                      </a:endParaRPr>
+                    </a:p>
+                  </a:txBody>
+                  <a:tcPr anchor="ctr"/>
+                </a:tc>
+              </a:tr>
+              <a:tr h="370840">
+                <a:tc>
+                  <a:txBody>
+                    <a:bodyPr/>
+                    <a:lstStyle/>
+                    <a:p>
+                      <a:pPr marL="0" marR="0" lvl="2" indent="0" algn="ctr" defTabSz="914400" rtl="0" eaLnBrk="1" fontAlgn="auto" latinLnBrk="0" hangingPunct="1">
+                        <a:lnSpc>
+                          <a:spcPct val="100000"/>
+                        </a:lnSpc>
+                        <a:spcBef>
+                          <a:spcPts val="0"/>
+                        </a:spcBef>
+                        <a:spcAft>
+                          <a:spcPts val="0"/>
+                        </a:spcAft>
+                        <a:buClrTx/>
+                        <a:buSzTx/>
+                        <a:buFontTx/>
+                        <a:buNone/>
+                        <a:tabLst/>
+                        <a:defRPr/>
+                      </a:pPr>
+                      <a:r>
+                        <a:rPr lang="en-US" sz="1800" kern="1200" dirty="0" smtClean="0">
+                          <a:solidFill>
+                            <a:schemeClr val="dk1"/>
+                          </a:solidFill>
+                          <a:latin typeface="+mn-lt"/>
+                          <a:ea typeface="+mn-ea"/>
+                          <a:cs typeface="+mn-cs"/>
+                        </a:rPr>
+                        <a:t>PortInUseException</a:t>
+                      </a:r>
+                      <a:endParaRPr lang="en-US" sz="1600" kern="1200" dirty="0" smtClean="0">
+                        <a:solidFill>
+                          <a:schemeClr val="dk1"/>
+                        </a:solidFill>
+                        <a:latin typeface="+mn-lt"/>
+                        <a:ea typeface="+mn-ea"/>
+                        <a:cs typeface="+mn-cs"/>
+                      </a:endParaRPr>
+                    </a:p>
+                  </a:txBody>
+                  <a:tcPr anchor="ctr"/>
+                </a:tc>
+              </a:tr>
+              <a:tr h="370840">
+                <a:tc>
+                  <a:txBody>
+                    <a:bodyPr/>
+                    <a:lstStyle/>
+                    <a:p>
+                      <a:pPr marL="0" marR="0" lvl="2" indent="0" algn="ctr" defTabSz="914400" rtl="0" eaLnBrk="1" fontAlgn="auto" latinLnBrk="0" hangingPunct="1">
+                        <a:lnSpc>
+                          <a:spcPct val="100000"/>
+                        </a:lnSpc>
+                        <a:spcBef>
+                          <a:spcPts val="0"/>
+                        </a:spcBef>
+                        <a:spcAft>
+                          <a:spcPts val="0"/>
+                        </a:spcAft>
+                        <a:buClrTx/>
+                        <a:buSzTx/>
+                        <a:buFontTx/>
+                        <a:buNone/>
+                        <a:tabLst/>
+                        <a:defRPr/>
+                      </a:pPr>
+                      <a:r>
+                        <a:rPr lang="en-US" sz="1800" kern="1200" dirty="0" smtClean="0">
+                          <a:solidFill>
+                            <a:schemeClr val="dk1"/>
+                          </a:solidFill>
+                          <a:latin typeface="+mn-lt"/>
+                          <a:ea typeface="+mn-ea"/>
+                          <a:cs typeface="+mn-cs"/>
+                        </a:rPr>
+                        <a:t>UnsupportedCommOperationException</a:t>
+                      </a:r>
+                      <a:endParaRPr lang="en-US" sz="1600" kern="1200" dirty="0" smtClean="0">
+                        <a:solidFill>
+                          <a:schemeClr val="dk1"/>
+                        </a:solidFill>
+                        <a:latin typeface="+mn-lt"/>
+                        <a:ea typeface="+mn-ea"/>
+                        <a:cs typeface="+mn-cs"/>
+                      </a:endParaRPr>
+                    </a:p>
+                  </a:txBody>
+                  <a:tcPr anchor="ctr"/>
+                </a:tc>
+              </a:tr>
+            </a:tbl>
+          </a:graphicData>
+        </a:graphic>
+      </p:graphicFrame>
+    </p:spTree>
+  </p:cSld>
+  <p:clrMapOvr>
+    <a:masterClrMapping/>
+  </p:clrMapOvr>
+</p:sld>
+</file>
+
+<file path=ppt/slides/slide23.xml><?xml version="1.0" encoding="utf-8"?>
+<p:sld xmlns:a="http://schemas.openxmlformats.org/drawingml/2006/main" xmlns:r="http://schemas.openxmlformats.org/officeDocument/2006/relationships" xmlns:p="http://schemas.openxmlformats.org/presentationml/2006/main">
+  <p:cSld>
+    <p:spTree>
+      <p:nvGrpSpPr>
+        <p:cNvPr id="1" name=""/>
+        <p:cNvGrpSpPr/>
+        <p:nvPr/>
+      </p:nvGrpSpPr>
+      <p:grpSpPr>
+        <a:xfrm>
+          <a:off x="0" y="0"/>
+          <a:ext cx="0" cy="0"/>
+          <a:chOff x="0" y="0"/>
+          <a:chExt cx="0" cy="0"/>
+        </a:xfrm>
+      </p:grpSpPr>
+      <p:sp>
+        <p:nvSpPr>
+          <p:cNvPr id="2" name="Title 1"/>
+          <p:cNvSpPr>
+            <a:spLocks noGrp="1"/>
+          </p:cNvSpPr>
+          <p:nvPr>
+            <p:ph type="title"/>
+          </p:nvPr>
+        </p:nvSpPr>
+        <p:spPr>
+          <a:xfrm>
+            <a:off x="457200" y="2857500"/>
+            <a:ext cx="8229600" cy="1143000"/>
+          </a:xfrm>
+        </p:spPr>
+        <p:txBody>
+          <a:bodyPr>
+            <a:normAutofit fontScale="90000"/>
+          </a:bodyPr>
+          <a:lstStyle/>
+          <a:p>
+            <a:r>
+              <a:rPr lang="fr-FR" sz="6600" dirty="0" smtClean="0"/>
+              <a:t>Exemple</a:t>
+            </a:r>
+            <a:br>
+              <a:rPr lang="fr-FR" sz="6600" dirty="0" smtClean="0"/>
+            </a:br>
+            <a:r>
+              <a:rPr lang="fr-FR" sz="3100" dirty="0" smtClean="0"/>
+              <a:t>Un code java qui lie les données d’une étiquettes RFID </a:t>
+            </a:r>
+            <a:endParaRPr lang="fr-FR" sz="3100" dirty="0"/>
+          </a:p>
+        </p:txBody>
+      </p:sp>
+    </p:spTree>
+  </p:cSld>
+  <p:clrMapOvr>
+    <a:masterClrMapping/>
+  </p:clrMapOvr>
+</p:sld>
+</file>
+
+<file path=ppt/slides/slide24.xml><?xml version="1.0" encoding="utf-8"?>
+<p:sld xmlns:a="http://schemas.openxmlformats.org/drawingml/2006/main" xmlns:r="http://schemas.openxmlformats.org/officeDocument/2006/relationships" xmlns:p="http://schemas.openxmlformats.org/presentationml/2006/main">
+  <p:cSld>
+    <p:spTree>
+      <p:nvGrpSpPr>
+        <p:cNvPr id="1" name=""/>
+        <p:cNvGrpSpPr/>
+        <p:nvPr/>
+      </p:nvGrpSpPr>
+      <p:grpSpPr>
+        <a:xfrm>
+          <a:off x="0" y="0"/>
+          <a:ext cx="0" cy="0"/>
+          <a:chOff x="0" y="0"/>
+          <a:chExt cx="0" cy="0"/>
+        </a:xfrm>
+      </p:grpSpPr>
+      <p:sp>
+        <p:nvSpPr>
+          <p:cNvPr id="2" name="TextBox 1"/>
+          <p:cNvSpPr txBox="1"/>
+          <p:nvPr/>
+        </p:nvSpPr>
+        <p:spPr>
+          <a:xfrm>
+            <a:off x="533400" y="381000"/>
+            <a:ext cx="5593006" cy="369332"/>
+          </a:xfrm>
+          <a:prstGeom prst="rect">
+            <a:avLst/>
+          </a:prstGeom>
+          <a:noFill/>
+        </p:spPr>
+        <p:txBody>
+          <a:bodyPr wrap="none" rtlCol="0">
+            <a:spAutoFit/>
+          </a:bodyPr>
+          <a:lstStyle/>
+          <a:p>
+            <a:r>
+              <a:rPr lang="fr-FR" dirty="0" smtClean="0"/>
+              <a:t>1. Importer </a:t>
+            </a:r>
+            <a:r>
+              <a:rPr lang="fr-FR" dirty="0" smtClean="0"/>
+              <a:t>les packages nécessaires pour utiliser l’api java</a:t>
+            </a:r>
+            <a:endParaRPr lang="en-US" dirty="0"/>
+          </a:p>
+        </p:txBody>
+      </p:sp>
+      <p:pic>
+        <p:nvPicPr>
+          <p:cNvPr id="3" name="Picture 2"/>
+          <p:cNvPicPr/>
+          <p:nvPr/>
+        </p:nvPicPr>
+        <p:blipFill>
+          <a:blip r:embed="rId2"/>
+          <a:srcRect/>
+          <a:stretch>
+            <a:fillRect/>
+          </a:stretch>
+        </p:blipFill>
+        <p:spPr bwMode="auto">
+          <a:xfrm>
+            <a:off x="838200" y="838200"/>
+            <a:ext cx="1615440" cy="676275"/>
+          </a:xfrm>
+          <a:prstGeom prst="rect">
+            <a:avLst/>
+          </a:prstGeom>
+          <a:noFill/>
+          <a:ln w="9525">
+            <a:noFill/>
+            <a:miter lim="800000"/>
+            <a:headEnd/>
+            <a:tailEnd/>
+          </a:ln>
+        </p:spPr>
+      </p:pic>
+      <p:sp>
+        <p:nvSpPr>
+          <p:cNvPr id="4" name="TextBox 3"/>
+          <p:cNvSpPr txBox="1"/>
+          <p:nvPr/>
+        </p:nvSpPr>
+        <p:spPr>
+          <a:xfrm>
+            <a:off x="533400" y="1752600"/>
+            <a:ext cx="5267724" cy="369332"/>
+          </a:xfrm>
+          <a:prstGeom prst="rect">
+            <a:avLst/>
+          </a:prstGeom>
+          <a:noFill/>
+        </p:spPr>
+        <p:txBody>
+          <a:bodyPr wrap="none" rtlCol="0">
+            <a:spAutoFit/>
+          </a:bodyPr>
+          <a:lstStyle/>
+          <a:p>
+            <a:pPr lvl="0"/>
+            <a:r>
+              <a:rPr lang="en-US" dirty="0" smtClean="0"/>
+              <a:t>2. </a:t>
+            </a:r>
+            <a:r>
+              <a:rPr lang="fr-FR" dirty="0" smtClean="0"/>
+              <a:t>Déterminer les ports de communication </a:t>
+            </a:r>
+            <a:r>
+              <a:rPr lang="fr-FR" dirty="0" smtClean="0"/>
+              <a:t>disponibles</a:t>
+            </a:r>
+            <a:endParaRPr lang="en-US" dirty="0" smtClean="0"/>
+          </a:p>
+        </p:txBody>
+      </p:sp>
+      <p:pic>
+        <p:nvPicPr>
+          <p:cNvPr id="5" name="Picture 4"/>
+          <p:cNvPicPr/>
+          <p:nvPr/>
+        </p:nvPicPr>
+        <p:blipFill>
+          <a:blip r:embed="rId3"/>
+          <a:srcRect/>
+          <a:stretch>
+            <a:fillRect/>
+          </a:stretch>
+        </p:blipFill>
+        <p:spPr bwMode="auto">
+          <a:xfrm>
+            <a:off x="762000" y="2209800"/>
+            <a:ext cx="4120515" cy="474980"/>
+          </a:xfrm>
+          <a:prstGeom prst="rect">
+            <a:avLst/>
+          </a:prstGeom>
+          <a:noFill/>
+          <a:ln w="9525">
+            <a:noFill/>
+            <a:miter lim="800000"/>
+            <a:headEnd/>
+            <a:tailEnd/>
+          </a:ln>
+        </p:spPr>
+      </p:pic>
+      <p:pic>
+        <p:nvPicPr>
+          <p:cNvPr id="6" name="Picture 5"/>
+          <p:cNvPicPr/>
+          <p:nvPr/>
+        </p:nvPicPr>
+        <p:blipFill>
+          <a:blip r:embed="rId4"/>
+          <a:srcRect/>
+          <a:stretch>
+            <a:fillRect/>
+          </a:stretch>
+        </p:blipFill>
+        <p:spPr bwMode="auto">
+          <a:xfrm>
+            <a:off x="762000" y="2743200"/>
+            <a:ext cx="4702810" cy="1009650"/>
+          </a:xfrm>
+          <a:prstGeom prst="rect">
+            <a:avLst/>
+          </a:prstGeom>
+          <a:noFill/>
+          <a:ln w="9525">
+            <a:noFill/>
+            <a:miter lim="800000"/>
+            <a:headEnd/>
+            <a:tailEnd/>
+          </a:ln>
+        </p:spPr>
+      </p:pic>
+      <p:sp>
+        <p:nvSpPr>
+          <p:cNvPr id="7" name="TextBox 6"/>
+          <p:cNvSpPr txBox="1"/>
+          <p:nvPr/>
+        </p:nvSpPr>
+        <p:spPr>
+          <a:xfrm>
+            <a:off x="533400" y="3962400"/>
+            <a:ext cx="5002523" cy="369332"/>
+          </a:xfrm>
+          <a:prstGeom prst="rect">
+            <a:avLst/>
+          </a:prstGeom>
+          <a:noFill/>
+        </p:spPr>
+        <p:txBody>
+          <a:bodyPr wrap="none" rtlCol="0">
+            <a:spAutoFit/>
+          </a:bodyPr>
+          <a:lstStyle/>
+          <a:p>
+            <a:pPr lvl="0"/>
+            <a:r>
+              <a:rPr lang="en-US" dirty="0" smtClean="0"/>
+              <a:t>3. </a:t>
+            </a:r>
+            <a:r>
+              <a:rPr lang="fr-FR" dirty="0" smtClean="0"/>
+              <a:t>Sélectionner et ouvrir un port de </a:t>
+            </a:r>
+            <a:r>
+              <a:rPr lang="fr-FR" dirty="0" smtClean="0"/>
+              <a:t>communication</a:t>
+            </a:r>
+            <a:endParaRPr lang="en-US" dirty="0" smtClean="0"/>
+          </a:p>
+        </p:txBody>
+      </p:sp>
+      <p:pic>
+        <p:nvPicPr>
+          <p:cNvPr id="8" name="Picture 7"/>
+          <p:cNvPicPr/>
+          <p:nvPr/>
+        </p:nvPicPr>
+        <p:blipFill>
+          <a:blip r:embed="rId5"/>
+          <a:srcRect/>
+          <a:stretch>
+            <a:fillRect/>
+          </a:stretch>
+        </p:blipFill>
+        <p:spPr bwMode="auto">
+          <a:xfrm>
+            <a:off x="762000" y="4495800"/>
+            <a:ext cx="5130165" cy="1531620"/>
+          </a:xfrm>
+          <a:prstGeom prst="rect">
+            <a:avLst/>
+          </a:prstGeom>
+          <a:noFill/>
+          <a:ln w="9525">
+            <a:noFill/>
+            <a:miter lim="800000"/>
+            <a:headEnd/>
+            <a:tailEnd/>
+          </a:ln>
+        </p:spPr>
+      </p:pic>
+    </p:spTree>
+  </p:cSld>
+  <p:clrMapOvr>
+    <a:masterClrMapping/>
+  </p:clrMapOvr>
+</p:sld>
+</file>
+
+<file path=ppt/slides/slide25.xml><?xml version="1.0" encoding="utf-8"?>
+<p:sld xmlns:a="http://schemas.openxmlformats.org/drawingml/2006/main" xmlns:r="http://schemas.openxmlformats.org/officeDocument/2006/relationships" xmlns:p="http://schemas.openxmlformats.org/presentationml/2006/main">
+  <p:cSld>
+    <p:spTree>
+      <p:nvGrpSpPr>
+        <p:cNvPr id="1" name=""/>
+        <p:cNvGrpSpPr/>
+        <p:nvPr/>
+      </p:nvGrpSpPr>
+      <p:grpSpPr>
+        <a:xfrm>
+          <a:off x="0" y="0"/>
+          <a:ext cx="0" cy="0"/>
+          <a:chOff x="0" y="0"/>
+          <a:chExt cx="0" cy="0"/>
+        </a:xfrm>
+      </p:grpSpPr>
+      <p:sp>
+        <p:nvSpPr>
+          <p:cNvPr id="2" name="TextBox 1"/>
+          <p:cNvSpPr txBox="1"/>
+          <p:nvPr/>
+        </p:nvSpPr>
+        <p:spPr>
+          <a:xfrm>
+            <a:off x="533400" y="457200"/>
+            <a:ext cx="2145652" cy="369332"/>
+          </a:xfrm>
+          <a:prstGeom prst="rect">
+            <a:avLst/>
+          </a:prstGeom>
+          <a:noFill/>
+        </p:spPr>
+        <p:txBody>
+          <a:bodyPr wrap="none" rtlCol="0">
+            <a:spAutoFit/>
+          </a:bodyPr>
+          <a:lstStyle/>
+          <a:p>
+            <a:r>
+              <a:rPr lang="en-US" dirty="0" smtClean="0"/>
+              <a:t>4. </a:t>
+            </a:r>
+            <a:r>
+              <a:rPr lang="fr-FR" dirty="0" smtClean="0"/>
+              <a:t>Paramétrer le port</a:t>
+            </a:r>
+            <a:endParaRPr lang="en-US" dirty="0"/>
+          </a:p>
+        </p:txBody>
+      </p:sp>
+      <p:pic>
+        <p:nvPicPr>
+          <p:cNvPr id="3" name="Picture 2"/>
+          <p:cNvPicPr/>
+          <p:nvPr/>
+        </p:nvPicPr>
+        <p:blipFill>
+          <a:blip r:embed="rId2"/>
+          <a:srcRect/>
+          <a:stretch>
+            <a:fillRect/>
+          </a:stretch>
+        </p:blipFill>
+        <p:spPr bwMode="auto">
+          <a:xfrm>
+            <a:off x="762000" y="990600"/>
+            <a:ext cx="4132580" cy="1175385"/>
+          </a:xfrm>
+          <a:prstGeom prst="rect">
+            <a:avLst/>
+          </a:prstGeom>
+          <a:noFill/>
+          <a:ln w="9525">
+            <a:noFill/>
+            <a:miter lim="800000"/>
+            <a:headEnd/>
+            <a:tailEnd/>
+          </a:ln>
+        </p:spPr>
+      </p:pic>
+      <p:sp>
+        <p:nvSpPr>
+          <p:cNvPr id="4" name="TextBox 3"/>
+          <p:cNvSpPr txBox="1"/>
+          <p:nvPr/>
+        </p:nvSpPr>
+        <p:spPr>
+          <a:xfrm>
+            <a:off x="762000" y="2438400"/>
+            <a:ext cx="6832768" cy="1754326"/>
+          </a:xfrm>
+          <a:prstGeom prst="rect">
+            <a:avLst/>
+          </a:prstGeom>
+          <a:noFill/>
+        </p:spPr>
+        <p:txBody>
+          <a:bodyPr wrap="none" rtlCol="0">
+            <a:spAutoFit/>
+          </a:bodyPr>
+          <a:lstStyle/>
+          <a:p>
+            <a:r>
+              <a:rPr lang="fr-FR" dirty="0" smtClean="0"/>
+              <a:t>Les paramètres importants pour la communication par port série sont :</a:t>
+            </a:r>
+            <a:endParaRPr lang="en-US" sz="1600" dirty="0" smtClean="0"/>
+          </a:p>
+          <a:p>
+            <a:pPr lvl="1">
+              <a:buFont typeface="Arial" pitchFamily="34" charset="0"/>
+              <a:buChar char="•"/>
+            </a:pPr>
+            <a:r>
+              <a:rPr lang="fr-FR" dirty="0" smtClean="0"/>
+              <a:t> Le </a:t>
+            </a:r>
+            <a:r>
+              <a:rPr lang="fr-FR" dirty="0" smtClean="0"/>
+              <a:t>débit de la connexion (en Bauds)</a:t>
+            </a:r>
+            <a:endParaRPr lang="en-US" sz="1600" dirty="0" smtClean="0"/>
+          </a:p>
+          <a:p>
+            <a:pPr lvl="1">
+              <a:buFont typeface="Arial" pitchFamily="34" charset="0"/>
+              <a:buChar char="•"/>
+            </a:pPr>
+            <a:r>
+              <a:rPr lang="fr-FR" dirty="0" smtClean="0"/>
+              <a:t> Le </a:t>
+            </a:r>
+            <a:r>
+              <a:rPr lang="fr-FR" dirty="0" smtClean="0"/>
+              <a:t>nombre de bits de données </a:t>
+            </a:r>
+            <a:endParaRPr lang="en-US" sz="1600" dirty="0" smtClean="0"/>
+          </a:p>
+          <a:p>
+            <a:pPr lvl="1">
+              <a:buFont typeface="Arial" pitchFamily="34" charset="0"/>
+              <a:buChar char="•"/>
+            </a:pPr>
+            <a:r>
+              <a:rPr lang="fr-FR" dirty="0" smtClean="0"/>
+              <a:t> Le </a:t>
+            </a:r>
+            <a:r>
+              <a:rPr lang="fr-FR" dirty="0" smtClean="0"/>
+              <a:t>ou les bits stop</a:t>
+            </a:r>
+            <a:endParaRPr lang="en-US" sz="1600" dirty="0" smtClean="0"/>
+          </a:p>
+          <a:p>
+            <a:pPr lvl="1">
+              <a:buFont typeface="Arial" pitchFamily="34" charset="0"/>
+              <a:buChar char="•"/>
+            </a:pPr>
+            <a:r>
+              <a:rPr lang="fr-FR" dirty="0" smtClean="0"/>
+              <a:t> La </a:t>
+            </a:r>
+            <a:r>
+              <a:rPr lang="fr-FR" dirty="0" smtClean="0"/>
+              <a:t>présence d’un bit de parité</a:t>
+            </a:r>
+            <a:endParaRPr lang="en-US" sz="1600" dirty="0" smtClean="0"/>
+          </a:p>
+          <a:p>
+            <a:endParaRPr lang="en-US" dirty="0"/>
+          </a:p>
+        </p:txBody>
+      </p:sp>
+      <p:sp>
+        <p:nvSpPr>
+          <p:cNvPr id="5" name="TextBox 4"/>
+          <p:cNvSpPr txBox="1"/>
+          <p:nvPr/>
+        </p:nvSpPr>
+        <p:spPr>
+          <a:xfrm>
+            <a:off x="609600" y="4191000"/>
+            <a:ext cx="4653005" cy="369332"/>
+          </a:xfrm>
+          <a:prstGeom prst="rect">
+            <a:avLst/>
+          </a:prstGeom>
+          <a:noFill/>
+        </p:spPr>
+        <p:txBody>
+          <a:bodyPr wrap="none" rtlCol="0">
+            <a:spAutoFit/>
+          </a:bodyPr>
+          <a:lstStyle/>
+          <a:p>
+            <a:r>
+              <a:rPr lang="en-US" dirty="0" smtClean="0"/>
+              <a:t>5. </a:t>
+            </a:r>
+            <a:r>
+              <a:rPr lang="fr-FR" dirty="0" smtClean="0"/>
+              <a:t>Traitement des données sous formes d’octets</a:t>
+            </a:r>
+            <a:endParaRPr lang="en-US" dirty="0"/>
+          </a:p>
+        </p:txBody>
+      </p:sp>
+      <p:pic>
+        <p:nvPicPr>
+          <p:cNvPr id="6" name="Picture 5"/>
+          <p:cNvPicPr/>
+          <p:nvPr/>
+        </p:nvPicPr>
+        <p:blipFill>
+          <a:blip r:embed="rId3"/>
+          <a:srcRect/>
+          <a:stretch>
+            <a:fillRect/>
+          </a:stretch>
+        </p:blipFill>
+        <p:spPr bwMode="auto">
+          <a:xfrm>
+            <a:off x="914400" y="4724400"/>
+            <a:ext cx="3705225" cy="866775"/>
+          </a:xfrm>
+          <a:prstGeom prst="rect">
+            <a:avLst/>
+          </a:prstGeom>
+          <a:noFill/>
+          <a:ln w="9525">
+            <a:noFill/>
+            <a:miter lim="800000"/>
+            <a:headEnd/>
+            <a:tailEnd/>
+          </a:ln>
+        </p:spPr>
+      </p:pic>
+      <p:sp>
+        <p:nvSpPr>
+          <p:cNvPr id="7" name="TextBox 6"/>
+          <p:cNvSpPr txBox="1"/>
+          <p:nvPr/>
+        </p:nvSpPr>
+        <p:spPr>
+          <a:xfrm>
+            <a:off x="914400" y="5791200"/>
+            <a:ext cx="5474960" cy="369332"/>
+          </a:xfrm>
+          <a:prstGeom prst="rect">
+            <a:avLst/>
+          </a:prstGeom>
+          <a:noFill/>
+        </p:spPr>
+        <p:txBody>
+          <a:bodyPr wrap="none" rtlCol="0">
+            <a:spAutoFit/>
+          </a:bodyPr>
+          <a:lstStyle/>
+          <a:p>
+            <a:r>
+              <a:rPr lang="fr-FR" dirty="0" smtClean="0"/>
+              <a:t>La </a:t>
+            </a:r>
+            <a:r>
+              <a:rPr lang="fr-FR" dirty="0" smtClean="0"/>
+              <a:t>variable ‘</a:t>
+            </a:r>
+            <a:r>
+              <a:rPr lang="fr-FR" dirty="0" err="1" smtClean="0"/>
+              <a:t>inputStream</a:t>
+            </a:r>
+            <a:r>
+              <a:rPr lang="fr-FR" dirty="0" smtClean="0"/>
+              <a:t>’ permettant de lire les données.</a:t>
+            </a:r>
+            <a:endParaRPr lang="fr-FR" dirty="0"/>
+          </a:p>
+        </p:txBody>
+      </p:sp>
+    </p:spTree>
+  </p:cSld>
+  <p:clrMapOvr>
+    <a:masterClrMapping/>
+  </p:clrMapOvr>
+</p:sld>
+</file>
+
+<file path=ppt/slides/slide26.xml><?xml version="1.0" encoding="utf-8"?>
+<p:sld xmlns:a="http://schemas.openxmlformats.org/drawingml/2006/main" xmlns:r="http://schemas.openxmlformats.org/officeDocument/2006/relationships" xmlns:p="http://schemas.openxmlformats.org/presentationml/2006/main">
+  <p:cSld>
+    <p:spTree>
+      <p:nvGrpSpPr>
+        <p:cNvPr id="1" name=""/>
+        <p:cNvGrpSpPr/>
+        <p:nvPr/>
+      </p:nvGrpSpPr>
+      <p:grpSpPr>
+        <a:xfrm>
+          <a:off x="0" y="0"/>
+          <a:ext cx="0" cy="0"/>
+          <a:chOff x="0" y="0"/>
+          <a:chExt cx="0" cy="0"/>
+        </a:xfrm>
+      </p:grpSpPr>
+      <p:pic>
+        <p:nvPicPr>
+          <p:cNvPr id="2" name="Picture 1"/>
+          <p:cNvPicPr/>
+          <p:nvPr/>
+        </p:nvPicPr>
+        <p:blipFill>
+          <a:blip r:embed="rId2"/>
+          <a:srcRect/>
+          <a:stretch>
+            <a:fillRect/>
+          </a:stretch>
+        </p:blipFill>
+        <p:spPr bwMode="auto">
+          <a:xfrm>
+            <a:off x="606573" y="1295400"/>
+            <a:ext cx="5023485" cy="2399030"/>
+          </a:xfrm>
+          <a:prstGeom prst="rect">
+            <a:avLst/>
+          </a:prstGeom>
+          <a:noFill/>
+          <a:ln w="9525">
+            <a:noFill/>
+            <a:miter lim="800000"/>
+            <a:headEnd/>
+            <a:tailEnd/>
+          </a:ln>
+        </p:spPr>
+      </p:pic>
+      <p:sp>
+        <p:nvSpPr>
+          <p:cNvPr id="3" name="TextBox 2"/>
+          <p:cNvSpPr txBox="1"/>
+          <p:nvPr/>
+        </p:nvSpPr>
+        <p:spPr>
+          <a:xfrm>
+            <a:off x="381000" y="762000"/>
+            <a:ext cx="8375947" cy="369332"/>
+          </a:xfrm>
+          <a:prstGeom prst="rect">
+            <a:avLst/>
+          </a:prstGeom>
+          <a:noFill/>
+        </p:spPr>
+        <p:txBody>
+          <a:bodyPr wrap="none" rtlCol="0">
+            <a:spAutoFit/>
+          </a:bodyPr>
+          <a:lstStyle/>
+          <a:p>
+            <a:r>
+              <a:rPr lang="fr-FR" dirty="0" smtClean="0"/>
+              <a:t>la variable ‘outputStream’ </a:t>
+            </a:r>
+            <a:r>
+              <a:rPr lang="fr-FR" dirty="0" smtClean="0"/>
+              <a:t>permet </a:t>
+            </a:r>
+            <a:r>
+              <a:rPr lang="fr-FR" dirty="0" smtClean="0"/>
+              <a:t>d’envoyer un message sur </a:t>
+            </a:r>
+            <a:r>
+              <a:rPr lang="fr-FR" dirty="0" smtClean="0"/>
+              <a:t>le port de communication.</a:t>
+            </a:r>
+            <a:endParaRPr lang="en-US" dirty="0"/>
+          </a:p>
+        </p:txBody>
+      </p:sp>
+      <p:sp>
+        <p:nvSpPr>
+          <p:cNvPr id="4" name="TextBox 3"/>
+          <p:cNvSpPr txBox="1"/>
+          <p:nvPr/>
+        </p:nvSpPr>
+        <p:spPr>
+          <a:xfrm>
+            <a:off x="454173" y="3962400"/>
+            <a:ext cx="5869107" cy="369332"/>
+          </a:xfrm>
+          <a:prstGeom prst="rect">
+            <a:avLst/>
+          </a:prstGeom>
+          <a:noFill/>
+        </p:spPr>
+        <p:txBody>
+          <a:bodyPr wrap="none" rtlCol="0">
+            <a:spAutoFit/>
+          </a:bodyPr>
+          <a:lstStyle/>
+          <a:p>
+            <a:r>
+              <a:rPr lang="en-US" dirty="0" smtClean="0"/>
+              <a:t>6. </a:t>
+            </a:r>
+            <a:r>
+              <a:rPr lang="fr-FR" dirty="0" smtClean="0"/>
+              <a:t>Ajouter un événement Listener au port de communication</a:t>
+            </a:r>
+            <a:endParaRPr lang="en-US" dirty="0"/>
+          </a:p>
+        </p:txBody>
+      </p:sp>
+      <p:pic>
+        <p:nvPicPr>
+          <p:cNvPr id="5" name="Picture 4"/>
+          <p:cNvPicPr/>
+          <p:nvPr/>
+        </p:nvPicPr>
+        <p:blipFill>
+          <a:blip r:embed="rId3"/>
+          <a:srcRect/>
+          <a:stretch>
+            <a:fillRect/>
+          </a:stretch>
+        </p:blipFill>
+        <p:spPr bwMode="auto">
+          <a:xfrm>
+            <a:off x="682773" y="4495800"/>
+            <a:ext cx="3752850" cy="1056640"/>
+          </a:xfrm>
+          <a:prstGeom prst="rect">
+            <a:avLst/>
+          </a:prstGeom>
+          <a:noFill/>
+          <a:ln w="9525">
+            <a:noFill/>
+            <a:miter lim="800000"/>
+            <a:headEnd/>
+            <a:tailEnd/>
+          </a:ln>
+        </p:spPr>
+      </p:pic>
+    </p:spTree>
+  </p:cSld>
+  <p:clrMapOvr>
+    <a:masterClrMapping/>
+  </p:clrMapOvr>
+</p:sld>
+</file>
+
+<file path=ppt/slides/slide27.xml><?xml version="1.0" encoding="utf-8"?>
+<p:sld xmlns:a="http://schemas.openxmlformats.org/drawingml/2006/main" xmlns:r="http://schemas.openxmlformats.org/officeDocument/2006/relationships" xmlns:p="http://schemas.openxmlformats.org/presentationml/2006/main">
+  <p:cSld>
+    <p:spTree>
+      <p:nvGrpSpPr>
+        <p:cNvPr id="1" name=""/>
+        <p:cNvGrpSpPr/>
+        <p:nvPr/>
+      </p:nvGrpSpPr>
+      <p:grpSpPr>
+        <a:xfrm>
+          <a:off x="0" y="0"/>
+          <a:ext cx="0" cy="0"/>
+          <a:chOff x="0" y="0"/>
+          <a:chExt cx="0" cy="0"/>
+        </a:xfrm>
+      </p:grpSpPr>
+      <p:sp>
+        <p:nvSpPr>
+          <p:cNvPr id="2" name="Title 1"/>
+          <p:cNvSpPr>
+            <a:spLocks noGrp="1"/>
+          </p:cNvSpPr>
+          <p:nvPr>
+            <p:ph type="title"/>
+          </p:nvPr>
+        </p:nvSpPr>
+        <p:spPr>
+          <a:xfrm>
+            <a:off x="457200" y="914400"/>
+            <a:ext cx="8229600" cy="1143000"/>
+          </a:xfrm>
+        </p:spPr>
+        <p:txBody>
+          <a:bodyPr>
+            <a:noAutofit/>
+          </a:bodyPr>
+          <a:lstStyle/>
+          <a:p>
+            <a:r>
+              <a:rPr lang="en-US" sz="6600" b="1" dirty="0" smtClean="0"/>
+              <a:t>MERCI POUR VOTRE ATTENTION</a:t>
+            </a:r>
+            <a:endParaRPr lang="en-US" sz="6600" b="1" dirty="0"/>
+          </a:p>
+        </p:txBody>
+      </p:sp>
+      <p:pic>
+        <p:nvPicPr>
+          <p:cNvPr id="3" name="Picture 2" descr="e6006257-66b0-4c9e-b6ef-a67315226853.PNG"/>
+          <p:cNvPicPr>
+            <a:picLocks noChangeAspect="1"/>
+          </p:cNvPicPr>
+          <p:nvPr/>
+        </p:nvPicPr>
+        <p:blipFill>
+          <a:blip r:embed="rId2"/>
+          <a:stretch>
+            <a:fillRect/>
+          </a:stretch>
+        </p:blipFill>
+        <p:spPr>
+          <a:xfrm>
+            <a:off x="3031078" y="2667000"/>
+            <a:ext cx="3081844" cy="3738055"/>
+          </a:xfrm>
+          <a:prstGeom prst="rect">
+            <a:avLst/>
+          </a:prstGeom>
+        </p:spPr>
+      </p:pic>
+    </p:spTree>
+  </p:cSld>
+  <p:clrMapOvr>
+    <a:masterClrMapping/>
+  </p:clrMapOvr>
+</p:sld>
+</file>
+
 <file path=ppt/slides/slide3.xml><?xml version="1.0" encoding="utf-8"?>
 <p:sld xmlns:a="http://schemas.openxmlformats.org/drawingml/2006/main" xmlns:r="http://schemas.openxmlformats.org/officeDocument/2006/relationships" xmlns:p="http://schemas.openxmlformats.org/presentationml/2006/main">
   <p:cSld>
@@ -7935,15 +9744,7 @@
           <a:p>
             <a:r>
               <a:rPr lang="fr-FR" dirty="0" smtClean="0"/>
-              <a:t>- Domaine de la santé (respec</a:t>
-            </a:r>
-            <a:r>
-              <a:rPr lang="fr-FR" dirty="0" smtClean="0"/>
-              <a:t>t de la chaine du froid</a:t>
-            </a:r>
-            <a:r>
-              <a:rPr lang="fr-FR" dirty="0" smtClean="0"/>
-              <a:t>).</a:t>
+              <a:t>- Domaine de la santé (respect de la chaine du froid).</a:t>
             </a:r>
             <a:endParaRPr lang="fr-FR" dirty="0"/>
           </a:p>
